--- a/rfl_empirical_study [自动保存的].pptx
+++ b/rfl_empirical_study [自动保存的].pptx
@@ -10,15 +10,22 @@
     <p:sldId id="257" r:id="rId4"/>
     <p:sldId id="258" r:id="rId5"/>
     <p:sldId id="259" r:id="rId6"/>
-    <p:sldId id="260" r:id="rId7"/>
-    <p:sldId id="265" r:id="rId8"/>
-    <p:sldId id="266" r:id="rId9"/>
-    <p:sldId id="261" r:id="rId10"/>
-    <p:sldId id="262" r:id="rId11"/>
-    <p:sldId id="264" r:id="rId12"/>
-    <p:sldId id="267" r:id="rId13"/>
-    <p:sldId id="268" r:id="rId14"/>
-    <p:sldId id="269" r:id="rId15"/>
+    <p:sldId id="276" r:id="rId7"/>
+    <p:sldId id="260" r:id="rId8"/>
+    <p:sldId id="265" r:id="rId9"/>
+    <p:sldId id="266" r:id="rId10"/>
+    <p:sldId id="261" r:id="rId11"/>
+    <p:sldId id="262" r:id="rId12"/>
+    <p:sldId id="264" r:id="rId13"/>
+    <p:sldId id="267" r:id="rId14"/>
+    <p:sldId id="268" r:id="rId15"/>
+    <p:sldId id="269" r:id="rId16"/>
+    <p:sldId id="270" r:id="rId17"/>
+    <p:sldId id="271" r:id="rId18"/>
+    <p:sldId id="272" r:id="rId19"/>
+    <p:sldId id="274" r:id="rId20"/>
+    <p:sldId id="275" r:id="rId21"/>
+    <p:sldId id="273" r:id="rId22"/>
   </p:sldIdLst>
   <p:sldSz cx="12192000" cy="6858000"/>
   <p:notesSz cx="6858000" cy="9144000"/>
@@ -272,7 +279,7 @@
           <a:p>
             <a:fld id="{683E3CE1-D14E-4ED2-81C9-39EBCC1D1285}" type="datetimeFigureOut">
               <a:rPr lang="zh-CN" altLang="en-US" smtClean="0"/>
-              <a:t>2023/9/21</a:t>
+              <a:t>2023/12/19</a:t>
             </a:fld>
             <a:endParaRPr lang="zh-CN" altLang="en-US"/>
           </a:p>
@@ -470,7 +477,7 @@
           <a:p>
             <a:fld id="{683E3CE1-D14E-4ED2-81C9-39EBCC1D1285}" type="datetimeFigureOut">
               <a:rPr lang="zh-CN" altLang="en-US" smtClean="0"/>
-              <a:t>2023/9/21</a:t>
+              <a:t>2023/12/19</a:t>
             </a:fld>
             <a:endParaRPr lang="zh-CN" altLang="en-US"/>
           </a:p>
@@ -678,7 +685,7 @@
           <a:p>
             <a:fld id="{683E3CE1-D14E-4ED2-81C9-39EBCC1D1285}" type="datetimeFigureOut">
               <a:rPr lang="zh-CN" altLang="en-US" smtClean="0"/>
-              <a:t>2023/9/21</a:t>
+              <a:t>2023/12/19</a:t>
             </a:fld>
             <a:endParaRPr lang="zh-CN" altLang="en-US"/>
           </a:p>
@@ -876,7 +883,7 @@
           <a:p>
             <a:fld id="{683E3CE1-D14E-4ED2-81C9-39EBCC1D1285}" type="datetimeFigureOut">
               <a:rPr lang="zh-CN" altLang="en-US" smtClean="0"/>
-              <a:t>2023/9/21</a:t>
+              <a:t>2023/12/19</a:t>
             </a:fld>
             <a:endParaRPr lang="zh-CN" altLang="en-US"/>
           </a:p>
@@ -1151,7 +1158,7 @@
           <a:p>
             <a:fld id="{683E3CE1-D14E-4ED2-81C9-39EBCC1D1285}" type="datetimeFigureOut">
               <a:rPr lang="zh-CN" altLang="en-US" smtClean="0"/>
-              <a:t>2023/9/21</a:t>
+              <a:t>2023/12/19</a:t>
             </a:fld>
             <a:endParaRPr lang="zh-CN" altLang="en-US"/>
           </a:p>
@@ -1416,7 +1423,7 @@
           <a:p>
             <a:fld id="{683E3CE1-D14E-4ED2-81C9-39EBCC1D1285}" type="datetimeFigureOut">
               <a:rPr lang="zh-CN" altLang="en-US" smtClean="0"/>
-              <a:t>2023/9/21</a:t>
+              <a:t>2023/12/19</a:t>
             </a:fld>
             <a:endParaRPr lang="zh-CN" altLang="en-US"/>
           </a:p>
@@ -1828,7 +1835,7 @@
           <a:p>
             <a:fld id="{683E3CE1-D14E-4ED2-81C9-39EBCC1D1285}" type="datetimeFigureOut">
               <a:rPr lang="zh-CN" altLang="en-US" smtClean="0"/>
-              <a:t>2023/9/21</a:t>
+              <a:t>2023/12/19</a:t>
             </a:fld>
             <a:endParaRPr lang="zh-CN" altLang="en-US"/>
           </a:p>
@@ -1969,7 +1976,7 @@
           <a:p>
             <a:fld id="{683E3CE1-D14E-4ED2-81C9-39EBCC1D1285}" type="datetimeFigureOut">
               <a:rPr lang="zh-CN" altLang="en-US" smtClean="0"/>
-              <a:t>2023/9/21</a:t>
+              <a:t>2023/12/19</a:t>
             </a:fld>
             <a:endParaRPr lang="zh-CN" altLang="en-US"/>
           </a:p>
@@ -2082,7 +2089,7 @@
           <a:p>
             <a:fld id="{683E3CE1-D14E-4ED2-81C9-39EBCC1D1285}" type="datetimeFigureOut">
               <a:rPr lang="zh-CN" altLang="en-US" smtClean="0"/>
-              <a:t>2023/9/21</a:t>
+              <a:t>2023/12/19</a:t>
             </a:fld>
             <a:endParaRPr lang="zh-CN" altLang="en-US"/>
           </a:p>
@@ -2393,7 +2400,7 @@
           <a:p>
             <a:fld id="{683E3CE1-D14E-4ED2-81C9-39EBCC1D1285}" type="datetimeFigureOut">
               <a:rPr lang="zh-CN" altLang="en-US" smtClean="0"/>
-              <a:t>2023/9/21</a:t>
+              <a:t>2023/12/19</a:t>
             </a:fld>
             <a:endParaRPr lang="zh-CN" altLang="en-US"/>
           </a:p>
@@ -2681,7 +2688,7 @@
           <a:p>
             <a:fld id="{683E3CE1-D14E-4ED2-81C9-39EBCC1D1285}" type="datetimeFigureOut">
               <a:rPr lang="zh-CN" altLang="en-US" smtClean="0"/>
-              <a:t>2023/9/21</a:t>
+              <a:t>2023/12/19</a:t>
             </a:fld>
             <a:endParaRPr lang="zh-CN" altLang="en-US"/>
           </a:p>
@@ -2922,7 +2929,7 @@
           <a:p>
             <a:fld id="{683E3CE1-D14E-4ED2-81C9-39EBCC1D1285}" type="datetimeFigureOut">
               <a:rPr lang="zh-CN" altLang="en-US" smtClean="0"/>
-              <a:t>2023/9/21</a:t>
+              <a:t>2023/12/19</a:t>
             </a:fld>
             <a:endParaRPr lang="zh-CN" altLang="en-US"/>
           </a:p>
@@ -7475,6 +7482,466 @@
       </p:grpSpPr>
       <p:grpSp>
         <p:nvGrpSpPr>
+          <p:cNvPr id="16" name="组合 15">
+            <a:extLst>
+              <a:ext uri="{FF2B5EF4-FFF2-40B4-BE49-F238E27FC236}">
+                <a16:creationId xmlns:a16="http://schemas.microsoft.com/office/drawing/2014/main" id="{A550AD7A-63A0-442B-B58A-F8022EA2B8A5}"/>
+              </a:ext>
+            </a:extLst>
+          </p:cNvPr>
+          <p:cNvGrpSpPr>
+            <a:grpSpLocks noChangeAspect="1"/>
+          </p:cNvGrpSpPr>
+          <p:nvPr/>
+        </p:nvGrpSpPr>
+        <p:grpSpPr>
+          <a:xfrm>
+            <a:off x="2739840" y="608818"/>
+            <a:ext cx="11943920" cy="5093577"/>
+            <a:chOff x="1404337" y="425405"/>
+            <a:chExt cx="8743401" cy="3728691"/>
+          </a:xfrm>
+        </p:grpSpPr>
+        <p:pic>
+          <p:nvPicPr>
+            <p:cNvPr id="5" name="图片 4">
+              <a:extLst>
+                <a:ext uri="{FF2B5EF4-FFF2-40B4-BE49-F238E27FC236}">
+                  <a16:creationId xmlns:a16="http://schemas.microsoft.com/office/drawing/2014/main" id="{642886C0-5925-4926-AE3A-E3B61576494A}"/>
+                </a:ext>
+              </a:extLst>
+            </p:cNvPr>
+            <p:cNvPicPr>
+              <a:picLocks noChangeAspect="1"/>
+            </p:cNvPicPr>
+            <p:nvPr/>
+          </p:nvPicPr>
+          <p:blipFill>
+            <a:blip r:embed="rId2"/>
+            <a:stretch>
+              <a:fillRect/>
+            </a:stretch>
+          </p:blipFill>
+          <p:spPr>
+            <a:xfrm>
+              <a:off x="1442028" y="425405"/>
+              <a:ext cx="4116817" cy="3356886"/>
+            </a:xfrm>
+            <a:prstGeom prst="rect">
+              <a:avLst/>
+            </a:prstGeom>
+            <a:ln>
+              <a:noFill/>
+            </a:ln>
+          </p:spPr>
+        </p:pic>
+        <p:pic>
+          <p:nvPicPr>
+            <p:cNvPr id="13" name="图片 12">
+              <a:extLst>
+                <a:ext uri="{FF2B5EF4-FFF2-40B4-BE49-F238E27FC236}">
+                  <a16:creationId xmlns:a16="http://schemas.microsoft.com/office/drawing/2014/main" id="{B253FE01-C93B-4B19-B095-AA421FFD77D2}"/>
+                </a:ext>
+              </a:extLst>
+            </p:cNvPr>
+            <p:cNvPicPr>
+              <a:picLocks noChangeAspect="1"/>
+            </p:cNvPicPr>
+            <p:nvPr/>
+          </p:nvPicPr>
+          <p:blipFill>
+            <a:blip r:embed="rId3"/>
+            <a:stretch>
+              <a:fillRect/>
+            </a:stretch>
+          </p:blipFill>
+          <p:spPr>
+            <a:xfrm>
+              <a:off x="5864399" y="425405"/>
+              <a:ext cx="4116817" cy="3356886"/>
+            </a:xfrm>
+            <a:prstGeom prst="rect">
+              <a:avLst/>
+            </a:prstGeom>
+            <a:ln>
+              <a:noFill/>
+            </a:ln>
+          </p:spPr>
+        </p:pic>
+        <p:sp>
+          <p:nvSpPr>
+            <p:cNvPr id="15" name="文本框 14">
+              <a:extLst>
+                <a:ext uri="{FF2B5EF4-FFF2-40B4-BE49-F238E27FC236}">
+                  <a16:creationId xmlns:a16="http://schemas.microsoft.com/office/drawing/2014/main" id="{895D0FE1-7313-4606-BCE6-62AA40ADF50A}"/>
+                </a:ext>
+              </a:extLst>
+            </p:cNvPr>
+            <p:cNvSpPr txBox="1"/>
+            <p:nvPr/>
+          </p:nvSpPr>
+          <p:spPr>
+            <a:xfrm>
+              <a:off x="1404337" y="3815542"/>
+              <a:ext cx="4244188" cy="338554"/>
+            </a:xfrm>
+            <a:prstGeom prst="rect">
+              <a:avLst/>
+            </a:prstGeom>
+            <a:noFill/>
+            <a:ln>
+              <a:noFill/>
+            </a:ln>
+          </p:spPr>
+          <p:txBody>
+            <a:bodyPr wrap="square" rtlCol="0">
+              <a:noAutofit/>
+            </a:bodyPr>
+            <a:lstStyle/>
+            <a:p>
+              <a:r>
+                <a:rPr lang="en-US" altLang="zh-CN" sz="2400" dirty="0"/>
+                <a:t>(b) The progress of the wrapped functions</a:t>
+              </a:r>
+              <a:endParaRPr lang="zh-CN" altLang="en-US" sz="2400" dirty="0"/>
+            </a:p>
+          </p:txBody>
+        </p:sp>
+        <p:sp>
+          <p:nvSpPr>
+            <p:cNvPr id="22" name="文本框 21">
+              <a:extLst>
+                <a:ext uri="{FF2B5EF4-FFF2-40B4-BE49-F238E27FC236}">
+                  <a16:creationId xmlns:a16="http://schemas.microsoft.com/office/drawing/2014/main" id="{EE8EE447-92F9-4152-854A-CC4F1F4B4635}"/>
+                </a:ext>
+              </a:extLst>
+            </p:cNvPr>
+            <p:cNvSpPr txBox="1"/>
+            <p:nvPr/>
+          </p:nvSpPr>
+          <p:spPr>
+            <a:xfrm>
+              <a:off x="6105966" y="3815542"/>
+              <a:ext cx="4041772" cy="338554"/>
+            </a:xfrm>
+            <a:prstGeom prst="rect">
+              <a:avLst/>
+            </a:prstGeom>
+            <a:noFill/>
+            <a:ln>
+              <a:noFill/>
+            </a:ln>
+          </p:spPr>
+          <p:txBody>
+            <a:bodyPr wrap="square" rtlCol="0">
+              <a:noAutofit/>
+            </a:bodyPr>
+            <a:lstStyle/>
+            <a:p>
+              <a:r>
+                <a:rPr lang="en-US" altLang="zh-CN" sz="2400" dirty="0"/>
+                <a:t>(c) The progress of the wrapped struts</a:t>
+              </a:r>
+              <a:endParaRPr lang="zh-CN" altLang="en-US" sz="2400" dirty="0"/>
+            </a:p>
+          </p:txBody>
+        </p:sp>
+      </p:grpSp>
+      <p:grpSp>
+        <p:nvGrpSpPr>
+          <p:cNvPr id="7" name="组合 6">
+            <a:extLst>
+              <a:ext uri="{FF2B5EF4-FFF2-40B4-BE49-F238E27FC236}">
+                <a16:creationId xmlns:a16="http://schemas.microsoft.com/office/drawing/2014/main" id="{F4A90765-CA45-4C6F-B7CB-3020F87C8EB6}"/>
+              </a:ext>
+            </a:extLst>
+          </p:cNvPr>
+          <p:cNvGrpSpPr>
+            <a:grpSpLocks noChangeAspect="1"/>
+          </p:cNvGrpSpPr>
+          <p:nvPr/>
+        </p:nvGrpSpPr>
+        <p:grpSpPr>
+          <a:xfrm>
+            <a:off x="-4129220" y="763200"/>
+            <a:ext cx="6711847" cy="4276907"/>
+            <a:chOff x="1043248" y="1005394"/>
+            <a:chExt cx="7932971" cy="5055029"/>
+          </a:xfrm>
+        </p:grpSpPr>
+        <p:pic>
+          <p:nvPicPr>
+            <p:cNvPr id="8" name="图片 7">
+              <a:extLst>
+                <a:ext uri="{FF2B5EF4-FFF2-40B4-BE49-F238E27FC236}">
+                  <a16:creationId xmlns:a16="http://schemas.microsoft.com/office/drawing/2014/main" id="{515B9FBC-CDF4-49FB-8022-78FE7ECAE68B}"/>
+                </a:ext>
+              </a:extLst>
+            </p:cNvPr>
+            <p:cNvPicPr>
+              <a:picLocks noChangeAspect="1"/>
+            </p:cNvPicPr>
+            <p:nvPr/>
+          </p:nvPicPr>
+          <p:blipFill>
+            <a:blip r:embed="rId4"/>
+            <a:stretch>
+              <a:fillRect/>
+            </a:stretch>
+          </p:blipFill>
+          <p:spPr>
+            <a:xfrm>
+              <a:off x="1043248" y="1005394"/>
+              <a:ext cx="7296271" cy="5055029"/>
+            </a:xfrm>
+            <a:prstGeom prst="rect">
+              <a:avLst/>
+            </a:prstGeom>
+            <a:ln>
+              <a:noFill/>
+            </a:ln>
+          </p:spPr>
+        </p:pic>
+        <p:sp>
+          <p:nvSpPr>
+            <p:cNvPr id="9" name="文本框 8">
+              <a:extLst>
+                <a:ext uri="{FF2B5EF4-FFF2-40B4-BE49-F238E27FC236}">
+                  <a16:creationId xmlns:a16="http://schemas.microsoft.com/office/drawing/2014/main" id="{B3FD8470-4AB5-4069-A82B-C05E33AE8264}"/>
+                </a:ext>
+              </a:extLst>
+            </p:cNvPr>
+            <p:cNvSpPr txBox="1"/>
+            <p:nvPr/>
+          </p:nvSpPr>
+          <p:spPr>
+            <a:xfrm>
+              <a:off x="2834640" y="2250860"/>
+              <a:ext cx="1921518" cy="545658"/>
+            </a:xfrm>
+            <a:prstGeom prst="rect">
+              <a:avLst/>
+            </a:prstGeom>
+            <a:noFill/>
+            <a:ln>
+              <a:noFill/>
+            </a:ln>
+          </p:spPr>
+          <p:txBody>
+            <a:bodyPr wrap="square" rtlCol="0">
+              <a:spAutoFit/>
+            </a:bodyPr>
+            <a:lstStyle/>
+            <a:p>
+              <a:r>
+                <a:rPr lang="en-US" altLang="zh-CN" sz="2400" dirty="0"/>
+                <a:t>7.1%</a:t>
+              </a:r>
+              <a:endParaRPr lang="zh-CN" altLang="en-US" sz="2400" dirty="0"/>
+            </a:p>
+          </p:txBody>
+        </p:sp>
+        <p:sp>
+          <p:nvSpPr>
+            <p:cNvPr id="10" name="文本框 9">
+              <a:extLst>
+                <a:ext uri="{FF2B5EF4-FFF2-40B4-BE49-F238E27FC236}">
+                  <a16:creationId xmlns:a16="http://schemas.microsoft.com/office/drawing/2014/main" id="{544CB999-2B92-4CDA-8E50-360657691E1C}"/>
+                </a:ext>
+              </a:extLst>
+            </p:cNvPr>
+            <p:cNvSpPr txBox="1"/>
+            <p:nvPr/>
+          </p:nvSpPr>
+          <p:spPr>
+            <a:xfrm>
+              <a:off x="2896293" y="4161462"/>
+              <a:ext cx="2815486" cy="545658"/>
+            </a:xfrm>
+            <a:prstGeom prst="rect">
+              <a:avLst/>
+            </a:prstGeom>
+            <a:noFill/>
+            <a:ln>
+              <a:noFill/>
+            </a:ln>
+          </p:spPr>
+          <p:txBody>
+            <a:bodyPr wrap="square" rtlCol="0">
+              <a:spAutoFit/>
+            </a:bodyPr>
+            <a:lstStyle/>
+            <a:p>
+              <a:r>
+                <a:rPr lang="en-US" altLang="zh-CN" sz="2400" dirty="0"/>
+                <a:t>6.4</a:t>
+              </a:r>
+              <a:r>
+                <a:rPr lang="en-US" altLang="zh-CN" sz="1600" dirty="0"/>
+                <a:t>%</a:t>
+              </a:r>
+              <a:endParaRPr lang="zh-CN" altLang="en-US" sz="1600" dirty="0"/>
+            </a:p>
+          </p:txBody>
+        </p:sp>
+        <p:sp>
+          <p:nvSpPr>
+            <p:cNvPr id="11" name="文本框 10">
+              <a:extLst>
+                <a:ext uri="{FF2B5EF4-FFF2-40B4-BE49-F238E27FC236}">
+                  <a16:creationId xmlns:a16="http://schemas.microsoft.com/office/drawing/2014/main" id="{DF07EFA9-8AB8-444F-BE7E-068A4622B2EA}"/>
+                </a:ext>
+              </a:extLst>
+            </p:cNvPr>
+            <p:cNvSpPr txBox="1"/>
+            <p:nvPr/>
+          </p:nvSpPr>
+          <p:spPr>
+            <a:xfrm>
+              <a:off x="4583085" y="2257592"/>
+              <a:ext cx="2117846" cy="545658"/>
+            </a:xfrm>
+            <a:prstGeom prst="rect">
+              <a:avLst/>
+            </a:prstGeom>
+            <a:noFill/>
+            <a:ln>
+              <a:noFill/>
+            </a:ln>
+          </p:spPr>
+          <p:txBody>
+            <a:bodyPr wrap="square" rtlCol="0">
+              <a:spAutoFit/>
+            </a:bodyPr>
+            <a:lstStyle/>
+            <a:p>
+              <a:r>
+                <a:rPr lang="en-US" altLang="zh-CN" sz="2400" dirty="0"/>
+                <a:t>37.6</a:t>
+              </a:r>
+              <a:r>
+                <a:rPr lang="en-US" altLang="zh-CN" sz="1600" dirty="0"/>
+                <a:t>%</a:t>
+              </a:r>
+              <a:endParaRPr lang="zh-CN" altLang="en-US" sz="1600" dirty="0"/>
+            </a:p>
+          </p:txBody>
+        </p:sp>
+        <p:sp>
+          <p:nvSpPr>
+            <p:cNvPr id="12" name="文本框 11">
+              <a:extLst>
+                <a:ext uri="{FF2B5EF4-FFF2-40B4-BE49-F238E27FC236}">
+                  <a16:creationId xmlns:a16="http://schemas.microsoft.com/office/drawing/2014/main" id="{467A2171-A06D-42FB-8000-A498ABEC4B65}"/>
+                </a:ext>
+              </a:extLst>
+            </p:cNvPr>
+            <p:cNvSpPr txBox="1"/>
+            <p:nvPr/>
+          </p:nvSpPr>
+          <p:spPr>
+            <a:xfrm>
+              <a:off x="6576751" y="4162713"/>
+              <a:ext cx="2399468" cy="545658"/>
+            </a:xfrm>
+            <a:prstGeom prst="rect">
+              <a:avLst/>
+            </a:prstGeom>
+            <a:noFill/>
+            <a:ln>
+              <a:noFill/>
+            </a:ln>
+          </p:spPr>
+          <p:txBody>
+            <a:bodyPr wrap="square" rtlCol="0">
+              <a:spAutoFit/>
+            </a:bodyPr>
+            <a:lstStyle/>
+            <a:p>
+              <a:r>
+                <a:rPr lang="en-US" altLang="zh-CN" sz="2400" dirty="0"/>
+                <a:t>74.6</a:t>
+              </a:r>
+              <a:r>
+                <a:rPr lang="en-US" altLang="zh-CN" sz="1600" dirty="0"/>
+                <a:t>%</a:t>
+              </a:r>
+              <a:endParaRPr lang="zh-CN" altLang="en-US" sz="1600" dirty="0"/>
+            </a:p>
+          </p:txBody>
+        </p:sp>
+      </p:grpSp>
+      <p:sp>
+        <p:nvSpPr>
+          <p:cNvPr id="14" name="文本框 13">
+            <a:extLst>
+              <a:ext uri="{FF2B5EF4-FFF2-40B4-BE49-F238E27FC236}">
+                <a16:creationId xmlns:a16="http://schemas.microsoft.com/office/drawing/2014/main" id="{4AE604D6-09F7-45C5-9811-87B0BAAB7CF9}"/>
+              </a:ext>
+            </a:extLst>
+          </p:cNvPr>
+          <p:cNvSpPr txBox="1"/>
+          <p:nvPr/>
+        </p:nvSpPr>
+        <p:spPr>
+          <a:xfrm>
+            <a:off x="-3477327" y="5239913"/>
+            <a:ext cx="5521261" cy="462482"/>
+          </a:xfrm>
+          <a:prstGeom prst="rect">
+            <a:avLst/>
+          </a:prstGeom>
+          <a:noFill/>
+          <a:ln>
+            <a:noFill/>
+          </a:ln>
+        </p:spPr>
+        <p:txBody>
+          <a:bodyPr wrap="square" rtlCol="0">
+            <a:noAutofit/>
+          </a:bodyPr>
+          <a:lstStyle/>
+          <a:p>
+            <a:r>
+              <a:rPr lang="en-US" altLang="zh-CN" sz="2400" dirty="0"/>
+              <a:t>(a) The progress of the wrapped struts</a:t>
+            </a:r>
+            <a:endParaRPr lang="zh-CN" altLang="en-US" sz="2400" dirty="0"/>
+          </a:p>
+        </p:txBody>
+      </p:sp>
+    </p:spTree>
+    <p:extLst>
+      <p:ext uri="{BB962C8B-B14F-4D97-AF65-F5344CB8AC3E}">
+        <p14:creationId xmlns:p14="http://schemas.microsoft.com/office/powerpoint/2010/main" val="101959730"/>
+      </p:ext>
+    </p:extLst>
+  </p:cSld>
+  <p:clrMapOvr>
+    <a:masterClrMapping/>
+  </p:clrMapOvr>
+</p:sld>
+</file>
+
+<file path=ppt/slides/slide11.xml><?xml version="1.0" encoding="utf-8"?>
+<p:sld xmlns:a="http://schemas.openxmlformats.org/drawingml/2006/main" xmlns:r="http://schemas.openxmlformats.org/officeDocument/2006/relationships" xmlns:p="http://schemas.openxmlformats.org/presentationml/2006/main">
+  <p:cSld>
+    <p:spTree>
+      <p:nvGrpSpPr>
+        <p:cNvPr id="1" name=""/>
+        <p:cNvGrpSpPr/>
+        <p:nvPr/>
+      </p:nvGrpSpPr>
+      <p:grpSpPr>
+        <a:xfrm>
+          <a:off x="0" y="0"/>
+          <a:ext cx="0" cy="0"/>
+          <a:chOff x="0" y="0"/>
+          <a:chExt cx="0" cy="0"/>
+        </a:xfrm>
+      </p:grpSpPr>
+      <p:grpSp>
+        <p:nvGrpSpPr>
           <p:cNvPr id="4" name="组合 3">
             <a:extLst>
               <a:ext uri="{FF2B5EF4-FFF2-40B4-BE49-F238E27FC236}">
@@ -7693,7 +8160,7 @@
 </p:sld>
 </file>
 
-<file path=ppt/slides/slide11.xml><?xml version="1.0" encoding="utf-8"?>
+<file path=ppt/slides/slide12.xml><?xml version="1.0" encoding="utf-8"?>
 <p:sld xmlns:a="http://schemas.openxmlformats.org/drawingml/2006/main" xmlns:r="http://schemas.openxmlformats.org/officeDocument/2006/relationships" xmlns:p="http://schemas.openxmlformats.org/presentationml/2006/main">
   <p:cSld>
     <p:spTree>
@@ -7723,7 +8190,7 @@
 </p:sld>
 </file>
 
-<file path=ppt/slides/slide12.xml><?xml version="1.0" encoding="utf-8"?>
+<file path=ppt/slides/slide13.xml><?xml version="1.0" encoding="utf-8"?>
 <p:sld xmlns:a="http://schemas.openxmlformats.org/drawingml/2006/main" xmlns:r="http://schemas.openxmlformats.org/officeDocument/2006/relationships" xmlns:p="http://schemas.openxmlformats.org/presentationml/2006/main">
   <p:cSld>
     <p:spTree>
@@ -8105,7 +8572,7 @@
 </p:sld>
 </file>
 
-<file path=ppt/slides/slide13.xml><?xml version="1.0" encoding="utf-8"?>
+<file path=ppt/slides/slide14.xml><?xml version="1.0" encoding="utf-8"?>
 <p:sld xmlns:a="http://schemas.openxmlformats.org/drawingml/2006/main" xmlns:r="http://schemas.openxmlformats.org/officeDocument/2006/relationships" xmlns:p="http://schemas.openxmlformats.org/presentationml/2006/main">
   <p:cSld>
     <p:spTree>
@@ -8135,7 +8602,7 @@
 </p:sld>
 </file>
 
-<file path=ppt/slides/slide14.xml><?xml version="1.0" encoding="utf-8"?>
+<file path=ppt/slides/slide15.xml><?xml version="1.0" encoding="utf-8"?>
 <p:sld xmlns:a="http://schemas.openxmlformats.org/drawingml/2006/main" xmlns:r="http://schemas.openxmlformats.org/officeDocument/2006/relationships" xmlns:p="http://schemas.openxmlformats.org/presentationml/2006/main">
   <p:cSld>
     <p:spTree>
@@ -8154,32 +8621,132 @@
       </p:grpSpPr>
       <p:grpSp>
         <p:nvGrpSpPr>
-          <p:cNvPr id="9" name="组合 8">
+          <p:cNvPr id="13" name="组合 12">
             <a:extLst>
               <a:ext uri="{FF2B5EF4-FFF2-40B4-BE49-F238E27FC236}">
-                <a16:creationId xmlns:a16="http://schemas.microsoft.com/office/drawing/2014/main" id="{8B4D01ED-3BE1-4B68-88C7-B977D38BD86F}"/>
+                <a16:creationId xmlns:a16="http://schemas.microsoft.com/office/drawing/2014/main" id="{38B66F65-E2DD-40B5-A248-4207C0779B43}"/>
               </a:ext>
             </a:extLst>
           </p:cNvPr>
-          <p:cNvGrpSpPr>
-            <a:grpSpLocks noChangeAspect="1"/>
-          </p:cNvGrpSpPr>
+          <p:cNvGrpSpPr/>
           <p:nvPr/>
         </p:nvGrpSpPr>
         <p:grpSpPr>
           <a:xfrm>
-            <a:off x="295090" y="659618"/>
-            <a:ext cx="11943920" cy="5093577"/>
-            <a:chOff x="1404337" y="425405"/>
-            <a:chExt cx="8743401" cy="3728691"/>
+            <a:off x="234950" y="1047750"/>
+            <a:ext cx="11235708" cy="4705450"/>
+            <a:chOff x="234950" y="1047750"/>
+            <a:chExt cx="11235708" cy="4705450"/>
           </a:xfrm>
         </p:grpSpPr>
+        <p:grpSp>
+          <p:nvGrpSpPr>
+            <p:cNvPr id="9" name="组合 8">
+              <a:extLst>
+                <a:ext uri="{FF2B5EF4-FFF2-40B4-BE49-F238E27FC236}">
+                  <a16:creationId xmlns:a16="http://schemas.microsoft.com/office/drawing/2014/main" id="{8B4D01ED-3BE1-4B68-88C7-B977D38BD86F}"/>
+                </a:ext>
+              </a:extLst>
+            </p:cNvPr>
+            <p:cNvGrpSpPr>
+              <a:grpSpLocks noChangeAspect="1"/>
+            </p:cNvGrpSpPr>
+            <p:nvPr/>
+          </p:nvGrpSpPr>
+          <p:grpSpPr>
+            <a:xfrm>
+              <a:off x="295090" y="5290718"/>
+              <a:ext cx="11175568" cy="462482"/>
+              <a:chOff x="1404337" y="3815542"/>
+              <a:chExt cx="8180936" cy="338554"/>
+            </a:xfrm>
+          </p:grpSpPr>
+          <p:sp>
+            <p:nvSpPr>
+              <p:cNvPr id="12" name="文本框 11">
+                <a:extLst>
+                  <a:ext uri="{FF2B5EF4-FFF2-40B4-BE49-F238E27FC236}">
+                    <a16:creationId xmlns:a16="http://schemas.microsoft.com/office/drawing/2014/main" id="{DA90E1BF-E77E-4C37-BE32-13FEA6F31BBC}"/>
+                  </a:ext>
+                </a:extLst>
+              </p:cNvPr>
+              <p:cNvSpPr txBox="1"/>
+              <p:nvPr/>
+            </p:nvSpPr>
+            <p:spPr>
+              <a:xfrm>
+                <a:off x="1404337" y="3815542"/>
+                <a:ext cx="4244188" cy="338554"/>
+              </a:xfrm>
+              <a:prstGeom prst="rect">
+                <a:avLst/>
+              </a:prstGeom>
+              <a:noFill/>
+              <a:ln>
+                <a:noFill/>
+              </a:ln>
+            </p:spPr>
+            <p:txBody>
+              <a:bodyPr wrap="square" rtlCol="0">
+                <a:noAutofit/>
+              </a:bodyPr>
+              <a:lstStyle/>
+              <a:p>
+                <a:r>
+                  <a:rPr lang="en-US" altLang="zh-CN" sz="2400" dirty="0"/>
+                  <a:t>(a) The percentage of different opinions </a:t>
+                </a:r>
+                <a:endParaRPr lang="zh-CN" altLang="en-US" sz="2400" dirty="0"/>
+              </a:p>
+            </p:txBody>
+          </p:sp>
+          <p:sp>
+            <p:nvSpPr>
+              <p:cNvPr id="17" name="文本框 16">
+                <a:extLst>
+                  <a:ext uri="{FF2B5EF4-FFF2-40B4-BE49-F238E27FC236}">
+                    <a16:creationId xmlns:a16="http://schemas.microsoft.com/office/drawing/2014/main" id="{1CB5242C-DCEB-4C0D-B479-4E3281C951FE}"/>
+                  </a:ext>
+                </a:extLst>
+              </p:cNvPr>
+              <p:cNvSpPr txBox="1"/>
+              <p:nvPr/>
+            </p:nvSpPr>
+            <p:spPr>
+              <a:xfrm>
+                <a:off x="5543501" y="3815542"/>
+                <a:ext cx="4041772" cy="338554"/>
+              </a:xfrm>
+              <a:prstGeom prst="rect">
+                <a:avLst/>
+              </a:prstGeom>
+              <a:noFill/>
+              <a:ln>
+                <a:noFill/>
+              </a:ln>
+            </p:spPr>
+            <p:txBody>
+              <a:bodyPr wrap="square" rtlCol="0">
+                <a:noAutofit/>
+              </a:bodyPr>
+              <a:lstStyle/>
+              <a:p>
+                <a:pPr algn="ctr"/>
+                <a:r>
+                  <a:rPr lang="en-US" altLang="zh-CN" sz="2400" dirty="0"/>
+                  <a:t>(b) The specific reasons</a:t>
+                </a:r>
+                <a:endParaRPr lang="zh-CN" altLang="en-US" sz="2400" dirty="0"/>
+              </a:p>
+            </p:txBody>
+          </p:sp>
+        </p:grpSp>
         <p:pic>
           <p:nvPicPr>
-            <p:cNvPr id="10" name="图片 9">
+            <p:cNvPr id="8" name="图片 7">
               <a:extLst>
                 <a:ext uri="{FF2B5EF4-FFF2-40B4-BE49-F238E27FC236}">
-                  <a16:creationId xmlns:a16="http://schemas.microsoft.com/office/drawing/2014/main" id="{434EDE8D-21BC-480A-A4E4-B9206B925605}"/>
+                  <a16:creationId xmlns:a16="http://schemas.microsoft.com/office/drawing/2014/main" id="{292E40A0-D28F-45C5-BA6E-A78A2CEF824E}"/>
                 </a:ext>
               </a:extLst>
             </p:cNvPr>
@@ -8196,56 +8763,20 @@
           </p:blipFill>
           <p:spPr>
             <a:xfrm>
-              <a:off x="1442028" y="425405"/>
-              <a:ext cx="4116817" cy="3356886"/>
+              <a:off x="234950" y="1047750"/>
+              <a:ext cx="5512697" cy="3897312"/>
             </a:xfrm>
             <a:prstGeom prst="rect">
               <a:avLst/>
             </a:prstGeom>
-            <a:ln>
-              <a:noFill/>
-            </a:ln>
-          </p:spPr>
-        </p:pic>
-        <p:pic>
-          <p:nvPicPr>
-            <p:cNvPr id="11" name="图片 10">
-              <a:extLst>
-                <a:ext uri="{FF2B5EF4-FFF2-40B4-BE49-F238E27FC236}">
-                  <a16:creationId xmlns:a16="http://schemas.microsoft.com/office/drawing/2014/main" id="{C7F38165-E455-46AE-95A1-EA9AB2EA40F3}"/>
-                </a:ext>
-              </a:extLst>
-            </p:cNvPr>
-            <p:cNvPicPr>
-              <a:picLocks noChangeAspect="1"/>
-            </p:cNvPicPr>
-            <p:nvPr/>
-          </p:nvPicPr>
-          <p:blipFill>
-            <a:blip r:embed="rId3"/>
-            <a:stretch>
-              <a:fillRect/>
-            </a:stretch>
-          </p:blipFill>
-          <p:spPr>
-            <a:xfrm>
-              <a:off x="5864399" y="425405"/>
-              <a:ext cx="4116817" cy="3356886"/>
-            </a:xfrm>
-            <a:prstGeom prst="rect">
-              <a:avLst/>
-            </a:prstGeom>
-            <a:ln>
-              <a:noFill/>
-            </a:ln>
           </p:spPr>
         </p:pic>
         <p:sp>
           <p:nvSpPr>
-            <p:cNvPr id="12" name="文本框 11">
+            <p:cNvPr id="14" name="文本框 13">
               <a:extLst>
                 <a:ext uri="{FF2B5EF4-FFF2-40B4-BE49-F238E27FC236}">
-                  <a16:creationId xmlns:a16="http://schemas.microsoft.com/office/drawing/2014/main" id="{DA90E1BF-E77E-4C37-BE32-13FEA6F31BBC}"/>
+                  <a16:creationId xmlns:a16="http://schemas.microsoft.com/office/drawing/2014/main" id="{3620F4A3-5F00-46E9-9E75-686DEA1D3CB1}"/>
                 </a:ext>
               </a:extLst>
             </p:cNvPr>
@@ -8254,8 +8785,8 @@
           </p:nvSpPr>
           <p:spPr>
             <a:xfrm>
-              <a:off x="1404337" y="3815542"/>
-              <a:ext cx="4244188" cy="338554"/>
+              <a:off x="5949397" y="1104800"/>
+              <a:ext cx="5521261" cy="3942182"/>
             </a:xfrm>
             <a:prstGeom prst="rect">
               <a:avLst/>
@@ -8272,19 +8803,251 @@
             <a:lstStyle/>
             <a:p>
               <a:r>
-                <a:rPr lang="en-US" altLang="zh-CN" sz="2400" dirty="0"/>
-                <a:t>(a) The percentage of different opinions </a:t>
-              </a:r>
-              <a:endParaRPr lang="zh-CN" altLang="en-US" sz="2400" dirty="0"/>
+                <a:rPr lang="en-US" altLang="zh-CN" sz="2400" dirty="0">
+                  <a:latin typeface="Arial" panose="020B0604020202020204" pitchFamily="34" charset="0"/>
+                  <a:cs typeface="Arial" panose="020B0604020202020204" pitchFamily="34" charset="0"/>
+                </a:rPr>
+                <a:t>Top5 of Positive reasons:</a:t>
+              </a:r>
+            </a:p>
+            <a:p>
+              <a:pPr>
+                <a:buFont typeface="+mj-lt"/>
+                <a:buAutoNum type="arabicPeriod"/>
+              </a:pPr>
+              <a:r>
+                <a:rPr lang="en-US" altLang="zh-CN" dirty="0">
+                  <a:latin typeface="Arial" panose="020B0604020202020204" pitchFamily="34" charset="0"/>
+                  <a:cs typeface="Arial" panose="020B0604020202020204" pitchFamily="34" charset="0"/>
+                </a:rPr>
+                <a:t>Safety and Memory Safety </a:t>
+              </a:r>
+            </a:p>
+            <a:p>
+              <a:pPr>
+                <a:buFont typeface="+mj-lt"/>
+                <a:buAutoNum type="arabicPeriod"/>
+              </a:pPr>
+              <a:r>
+                <a:rPr lang="en-US" altLang="zh-CN" dirty="0">
+                  <a:latin typeface="Arial" panose="020B0604020202020204" pitchFamily="34" charset="0"/>
+                  <a:cs typeface="Arial" panose="020B0604020202020204" pitchFamily="34" charset="0"/>
+                </a:rPr>
+                <a:t>Compatibility and Integration </a:t>
+              </a:r>
+            </a:p>
+            <a:p>
+              <a:pPr>
+                <a:buFont typeface="+mj-lt"/>
+                <a:buAutoNum type="arabicPeriod"/>
+              </a:pPr>
+              <a:r>
+                <a:rPr lang="en-US" altLang="zh-CN" dirty="0">
+                  <a:latin typeface="Arial" panose="020B0604020202020204" pitchFamily="34" charset="0"/>
+                  <a:cs typeface="Arial" panose="020B0604020202020204" pitchFamily="34" charset="0"/>
+                </a:rPr>
+                <a:t>Performance and Efficiency </a:t>
+              </a:r>
+            </a:p>
+            <a:p>
+              <a:pPr>
+                <a:buFont typeface="+mj-lt"/>
+                <a:buAutoNum type="arabicPeriod"/>
+              </a:pPr>
+              <a:r>
+                <a:rPr lang="en-US" altLang="zh-CN" dirty="0">
+                  <a:latin typeface="Arial" panose="020B0604020202020204" pitchFamily="34" charset="0"/>
+                  <a:cs typeface="Arial" panose="020B0604020202020204" pitchFamily="34" charset="0"/>
+                </a:rPr>
+                <a:t>Code Quality and Standards </a:t>
+              </a:r>
+            </a:p>
+            <a:p>
+              <a:pPr>
+                <a:buFont typeface="+mj-lt"/>
+                <a:buAutoNum type="arabicPeriod"/>
+              </a:pPr>
+              <a:r>
+                <a:rPr lang="en-US" altLang="zh-CN" dirty="0">
+                  <a:latin typeface="Arial" panose="020B0604020202020204" pitchFamily="34" charset="0"/>
+                  <a:cs typeface="Arial" panose="020B0604020202020204" pitchFamily="34" charset="0"/>
+                </a:rPr>
+                <a:t>Expressiveness and Features </a:t>
+              </a:r>
+            </a:p>
+            <a:p>
+              <a:pPr>
+                <a:buFont typeface="+mj-lt"/>
+                <a:buAutoNum type="arabicPeriod"/>
+              </a:pPr>
+              <a:endParaRPr lang="en-US" altLang="zh-CN" dirty="0">
+                <a:latin typeface="Arial" panose="020B0604020202020204" pitchFamily="34" charset="0"/>
+                <a:cs typeface="Arial" panose="020B0604020202020204" pitchFamily="34" charset="0"/>
+              </a:endParaRPr>
+            </a:p>
+            <a:p>
+              <a:r>
+                <a:rPr lang="en-US" altLang="zh-CN" sz="2400" dirty="0">
+                  <a:latin typeface="Arial" panose="020B0604020202020204" pitchFamily="34" charset="0"/>
+                  <a:cs typeface="Arial" panose="020B0604020202020204" pitchFamily="34" charset="0"/>
+                </a:rPr>
+                <a:t>Top5 of Negative reasons:</a:t>
+              </a:r>
+            </a:p>
+            <a:p>
+              <a:pPr>
+                <a:buFont typeface="+mj-lt"/>
+                <a:buAutoNum type="arabicPeriod"/>
+              </a:pPr>
+              <a:r>
+                <a:rPr lang="en-US" altLang="zh-CN" dirty="0">
+                  <a:latin typeface="Arial" panose="020B0604020202020204" pitchFamily="34" charset="0"/>
+                  <a:cs typeface="Arial" panose="020B0604020202020204" pitchFamily="34" charset="0"/>
+                </a:rPr>
+                <a:t>Learning Curve and Complexity </a:t>
+              </a:r>
+            </a:p>
+            <a:p>
+              <a:pPr>
+                <a:buFont typeface="+mj-lt"/>
+                <a:buAutoNum type="arabicPeriod"/>
+              </a:pPr>
+              <a:r>
+                <a:rPr lang="en-US" altLang="zh-CN" dirty="0">
+                  <a:latin typeface="Arial" panose="020B0604020202020204" pitchFamily="34" charset="0"/>
+                  <a:cs typeface="Arial" panose="020B0604020202020204" pitchFamily="34" charset="0"/>
+                </a:rPr>
+                <a:t>Kernel Compatibility </a:t>
+              </a:r>
+            </a:p>
+            <a:p>
+              <a:pPr>
+                <a:buFont typeface="+mj-lt"/>
+                <a:buAutoNum type="arabicPeriod"/>
+              </a:pPr>
+              <a:r>
+                <a:rPr lang="en-US" altLang="zh-CN" dirty="0">
+                  <a:latin typeface="Arial" panose="020B0604020202020204" pitchFamily="34" charset="0"/>
+                  <a:cs typeface="Arial" panose="020B0604020202020204" pitchFamily="34" charset="0"/>
+                </a:rPr>
+                <a:t>Resource Allocation </a:t>
+              </a:r>
+            </a:p>
+            <a:p>
+              <a:pPr>
+                <a:buFont typeface="+mj-lt"/>
+                <a:buAutoNum type="arabicPeriod"/>
+              </a:pPr>
+              <a:r>
+                <a:rPr lang="en-US" altLang="zh-CN" dirty="0">
+                  <a:latin typeface="Arial" panose="020B0604020202020204" pitchFamily="34" charset="0"/>
+                  <a:cs typeface="Arial" panose="020B0604020202020204" pitchFamily="34" charset="0"/>
+                </a:rPr>
+                <a:t>Developer Sentiment </a:t>
+              </a:r>
+            </a:p>
+            <a:p>
+              <a:pPr>
+                <a:buFont typeface="+mj-lt"/>
+                <a:buAutoNum type="arabicPeriod"/>
+              </a:pPr>
+              <a:r>
+                <a:rPr lang="en-US" altLang="zh-CN" dirty="0">
+                  <a:latin typeface="Arial" panose="020B0604020202020204" pitchFamily="34" charset="0"/>
+                  <a:cs typeface="Arial" panose="020B0604020202020204" pitchFamily="34" charset="0"/>
+                </a:rPr>
+                <a:t>Advocacy and Hype </a:t>
+              </a:r>
             </a:p>
           </p:txBody>
         </p:sp>
+      </p:grpSp>
+    </p:spTree>
+    <p:extLst>
+      <p:ext uri="{BB962C8B-B14F-4D97-AF65-F5344CB8AC3E}">
+        <p14:creationId xmlns:p14="http://schemas.microsoft.com/office/powerpoint/2010/main" val="4019282212"/>
+      </p:ext>
+    </p:extLst>
+  </p:cSld>
+  <p:clrMapOvr>
+    <a:masterClrMapping/>
+  </p:clrMapOvr>
+</p:sld>
+</file>
+
+<file path=ppt/slides/slide16.xml><?xml version="1.0" encoding="utf-8"?>
+<p:sld xmlns:a="http://schemas.openxmlformats.org/drawingml/2006/main" xmlns:r="http://schemas.openxmlformats.org/officeDocument/2006/relationships" xmlns:p="http://schemas.openxmlformats.org/presentationml/2006/main">
+  <p:cSld>
+    <p:spTree>
+      <p:nvGrpSpPr>
+        <p:cNvPr id="1" name=""/>
+        <p:cNvGrpSpPr/>
+        <p:nvPr/>
+      </p:nvGrpSpPr>
+      <p:grpSpPr>
+        <a:xfrm>
+          <a:off x="0" y="0"/>
+          <a:ext cx="0" cy="0"/>
+          <a:chOff x="0" y="0"/>
+          <a:chExt cx="0" cy="0"/>
+        </a:xfrm>
+      </p:grpSpPr>
+      <p:grpSp>
+        <p:nvGrpSpPr>
+          <p:cNvPr id="13" name="组合 12">
+            <a:extLst>
+              <a:ext uri="{FF2B5EF4-FFF2-40B4-BE49-F238E27FC236}">
+                <a16:creationId xmlns:a16="http://schemas.microsoft.com/office/drawing/2014/main" id="{38B66F65-E2DD-40B5-A248-4207C0779B43}"/>
+              </a:ext>
+            </a:extLst>
+          </p:cNvPr>
+          <p:cNvGrpSpPr/>
+          <p:nvPr/>
+        </p:nvGrpSpPr>
+        <p:grpSpPr>
+          <a:xfrm>
+            <a:off x="234950" y="1047750"/>
+            <a:ext cx="9211704" cy="4044308"/>
+            <a:chOff x="234950" y="1047750"/>
+            <a:chExt cx="9211704" cy="4044308"/>
+          </a:xfrm>
+        </p:grpSpPr>
+        <p:pic>
+          <p:nvPicPr>
+            <p:cNvPr id="8" name="图片 7">
+              <a:extLst>
+                <a:ext uri="{FF2B5EF4-FFF2-40B4-BE49-F238E27FC236}">
+                  <a16:creationId xmlns:a16="http://schemas.microsoft.com/office/drawing/2014/main" id="{292E40A0-D28F-45C5-BA6E-A78A2CEF824E}"/>
+                </a:ext>
+              </a:extLst>
+            </p:cNvPr>
+            <p:cNvPicPr>
+              <a:picLocks noChangeAspect="1"/>
+            </p:cNvPicPr>
+            <p:nvPr/>
+          </p:nvPicPr>
+          <p:blipFill>
+            <a:blip r:embed="rId2"/>
+            <a:stretch>
+              <a:fillRect/>
+            </a:stretch>
+          </p:blipFill>
+          <p:spPr>
+            <a:xfrm>
+              <a:off x="234950" y="1047750"/>
+              <a:ext cx="5512697" cy="3897312"/>
+            </a:xfrm>
+            <a:prstGeom prst="rect">
+              <a:avLst/>
+            </a:prstGeom>
+          </p:spPr>
+        </p:pic>
         <p:sp>
           <p:nvSpPr>
-            <p:cNvPr id="17" name="文本框 16">
+            <p:cNvPr id="14" name="文本框 13">
               <a:extLst>
                 <a:ext uri="{FF2B5EF4-FFF2-40B4-BE49-F238E27FC236}">
-                  <a16:creationId xmlns:a16="http://schemas.microsoft.com/office/drawing/2014/main" id="{1CB5242C-DCEB-4C0D-B479-4E3281C951FE}"/>
+                  <a16:creationId xmlns:a16="http://schemas.microsoft.com/office/drawing/2014/main" id="{3620F4A3-5F00-46E9-9E75-686DEA1D3CB1}"/>
                 </a:ext>
               </a:extLst>
             </p:cNvPr>
@@ -8293,8 +9056,8 @@
           </p:nvSpPr>
           <p:spPr>
             <a:xfrm>
-              <a:off x="6105966" y="3815542"/>
-              <a:ext cx="4041772" cy="338554"/>
+              <a:off x="5747647" y="1149876"/>
+              <a:ext cx="3699007" cy="3942182"/>
             </a:xfrm>
             <a:prstGeom prst="rect">
               <a:avLst/>
@@ -8311,14 +9074,161 @@
             <a:lstStyle/>
             <a:p>
               <a:r>
-                <a:rPr lang="en-US" altLang="zh-CN" sz="2400" dirty="0"/>
-                <a:t>(b</a:t>
-              </a:r>
-              <a:r>
-                <a:rPr lang="en-US" altLang="zh-CN" sz="2400"/>
-                <a:t>) The reasons</a:t>
-              </a:r>
-              <a:endParaRPr lang="zh-CN" altLang="en-US" sz="2400" dirty="0"/>
+                <a:rPr lang="en-US" altLang="zh-CN" sz="2400" dirty="0">
+                  <a:latin typeface="Arial" panose="020B0604020202020204" pitchFamily="34" charset="0"/>
+                  <a:cs typeface="Arial" panose="020B0604020202020204" pitchFamily="34" charset="0"/>
+                </a:rPr>
+                <a:t>Top5 of Positive reasons:</a:t>
+              </a:r>
+            </a:p>
+            <a:p>
+              <a:pPr>
+                <a:buFont typeface="+mj-lt"/>
+                <a:buAutoNum type="arabicPeriod"/>
+              </a:pPr>
+              <a:r>
+                <a:rPr lang="en-US" altLang="zh-CN" dirty="0">
+                  <a:latin typeface="Arial" panose="020B0604020202020204" pitchFamily="34" charset="0"/>
+                  <a:cs typeface="Arial" panose="020B0604020202020204" pitchFamily="34" charset="0"/>
+                </a:rPr>
+                <a:t>Safety and Memory Safety </a:t>
+              </a:r>
+            </a:p>
+            <a:p>
+              <a:pPr>
+                <a:buFont typeface="+mj-lt"/>
+                <a:buAutoNum type="arabicPeriod"/>
+              </a:pPr>
+              <a:r>
+                <a:rPr lang="en-US" altLang="zh-CN" dirty="0">
+                  <a:latin typeface="Arial" panose="020B0604020202020204" pitchFamily="34" charset="0"/>
+                  <a:cs typeface="Arial" panose="020B0604020202020204" pitchFamily="34" charset="0"/>
+                </a:rPr>
+                <a:t>Compatibility and Integration </a:t>
+              </a:r>
+            </a:p>
+            <a:p>
+              <a:pPr>
+                <a:buFont typeface="+mj-lt"/>
+                <a:buAutoNum type="arabicPeriod"/>
+              </a:pPr>
+              <a:r>
+                <a:rPr lang="en-US" altLang="zh-CN" dirty="0">
+                  <a:latin typeface="Arial" panose="020B0604020202020204" pitchFamily="34" charset="0"/>
+                  <a:cs typeface="Arial" panose="020B0604020202020204" pitchFamily="34" charset="0"/>
+                </a:rPr>
+                <a:t>Performance and Efficiency </a:t>
+              </a:r>
+            </a:p>
+            <a:p>
+              <a:pPr>
+                <a:buFont typeface="+mj-lt"/>
+                <a:buAutoNum type="arabicPeriod"/>
+              </a:pPr>
+              <a:r>
+                <a:rPr lang="en-US" altLang="zh-CN" dirty="0">
+                  <a:latin typeface="Arial" panose="020B0604020202020204" pitchFamily="34" charset="0"/>
+                  <a:cs typeface="Arial" panose="020B0604020202020204" pitchFamily="34" charset="0"/>
+                </a:rPr>
+                <a:t>Code Quality and Standards </a:t>
+              </a:r>
+            </a:p>
+            <a:p>
+              <a:pPr>
+                <a:buFont typeface="+mj-lt"/>
+                <a:buAutoNum type="arabicPeriod"/>
+              </a:pPr>
+              <a:r>
+                <a:rPr lang="en-US" altLang="zh-CN" dirty="0">
+                  <a:latin typeface="Arial" panose="020B0604020202020204" pitchFamily="34" charset="0"/>
+                  <a:cs typeface="Arial" panose="020B0604020202020204" pitchFamily="34" charset="0"/>
+                </a:rPr>
+                <a:t>Expressiveness and Features </a:t>
+              </a:r>
+            </a:p>
+            <a:p>
+              <a:pPr>
+                <a:buFont typeface="+mj-lt"/>
+                <a:buAutoNum type="arabicPeriod"/>
+              </a:pPr>
+              <a:endParaRPr lang="en-US" altLang="zh-CN" dirty="0">
+                <a:latin typeface="Arial" panose="020B0604020202020204" pitchFamily="34" charset="0"/>
+                <a:cs typeface="Arial" panose="020B0604020202020204" pitchFamily="34" charset="0"/>
+              </a:endParaRPr>
+            </a:p>
+            <a:p>
+              <a:r>
+                <a:rPr lang="en-US" altLang="zh-CN" sz="2400" dirty="0">
+                  <a:latin typeface="Arial" panose="020B0604020202020204" pitchFamily="34" charset="0"/>
+                  <a:cs typeface="Arial" panose="020B0604020202020204" pitchFamily="34" charset="0"/>
+                </a:rPr>
+                <a:t>Top5 of Negative reasons:</a:t>
+              </a:r>
+            </a:p>
+            <a:p>
+              <a:pPr>
+                <a:buFont typeface="+mj-lt"/>
+                <a:buAutoNum type="arabicPeriod"/>
+              </a:pPr>
+              <a:r>
+                <a:rPr lang="en-US" altLang="zh-CN" dirty="0">
+                  <a:latin typeface="Arial" panose="020B0604020202020204" pitchFamily="34" charset="0"/>
+                  <a:cs typeface="Arial" panose="020B0604020202020204" pitchFamily="34" charset="0"/>
+                </a:rPr>
+                <a:t>Learning Curve and Complexity </a:t>
+              </a:r>
+            </a:p>
+            <a:p>
+              <a:pPr>
+                <a:buFont typeface="+mj-lt"/>
+                <a:buAutoNum type="arabicPeriod"/>
+              </a:pPr>
+              <a:r>
+                <a:rPr lang="en-US" altLang="zh-CN" dirty="0">
+                  <a:latin typeface="Arial" panose="020B0604020202020204" pitchFamily="34" charset="0"/>
+                  <a:cs typeface="Arial" panose="020B0604020202020204" pitchFamily="34" charset="0"/>
+                </a:rPr>
+                <a:t>Kernel Compatibility </a:t>
+              </a:r>
+            </a:p>
+            <a:p>
+              <a:pPr>
+                <a:buFont typeface="+mj-lt"/>
+                <a:buAutoNum type="arabicPeriod"/>
+              </a:pPr>
+              <a:r>
+                <a:rPr lang="en-US" altLang="zh-CN" dirty="0">
+                  <a:latin typeface="Arial" panose="020B0604020202020204" pitchFamily="34" charset="0"/>
+                  <a:cs typeface="Arial" panose="020B0604020202020204" pitchFamily="34" charset="0"/>
+                </a:rPr>
+                <a:t>Resource Allocation </a:t>
+              </a:r>
+            </a:p>
+            <a:p>
+              <a:pPr>
+                <a:buFont typeface="+mj-lt"/>
+                <a:buAutoNum type="arabicPeriod"/>
+              </a:pPr>
+              <a:r>
+                <a:rPr lang="en-US" altLang="zh-CN" dirty="0">
+                  <a:latin typeface="Arial" panose="020B0604020202020204" pitchFamily="34" charset="0"/>
+                  <a:cs typeface="Arial" panose="020B0604020202020204" pitchFamily="34" charset="0"/>
+                </a:rPr>
+                <a:t>Developer Sentiment </a:t>
+              </a:r>
+            </a:p>
+            <a:p>
+              <a:pPr>
+                <a:buFont typeface="+mj-lt"/>
+                <a:buAutoNum type="arabicPeriod"/>
+              </a:pPr>
+              <a:r>
+                <a:rPr lang="en-US" altLang="zh-CN" dirty="0">
+                  <a:latin typeface="Arial" panose="020B0604020202020204" pitchFamily="34" charset="0"/>
+                  <a:cs typeface="Arial" panose="020B0604020202020204" pitchFamily="34" charset="0"/>
+                </a:rPr>
+                <a:t>Advocacy and Hype </a:t>
+              </a:r>
             </a:p>
           </p:txBody>
         </p:sp>
@@ -8326,7 +9236,2843 @@
     </p:spTree>
     <p:extLst>
       <p:ext uri="{BB962C8B-B14F-4D97-AF65-F5344CB8AC3E}">
-        <p14:creationId xmlns:p14="http://schemas.microsoft.com/office/powerpoint/2010/main" val="4019282212"/>
+        <p14:creationId xmlns:p14="http://schemas.microsoft.com/office/powerpoint/2010/main" val="2832301157"/>
+      </p:ext>
+    </p:extLst>
+  </p:cSld>
+  <p:clrMapOvr>
+    <a:masterClrMapping/>
+  </p:clrMapOvr>
+</p:sld>
+</file>
+
+<file path=ppt/slides/slide17.xml><?xml version="1.0" encoding="utf-8"?>
+<p:sld xmlns:a="http://schemas.openxmlformats.org/drawingml/2006/main" xmlns:r="http://schemas.openxmlformats.org/officeDocument/2006/relationships" xmlns:p="http://schemas.openxmlformats.org/presentationml/2006/main">
+  <p:cSld>
+    <p:spTree>
+      <p:nvGrpSpPr>
+        <p:cNvPr id="1" name=""/>
+        <p:cNvGrpSpPr/>
+        <p:nvPr/>
+      </p:nvGrpSpPr>
+      <p:grpSpPr>
+        <a:xfrm>
+          <a:off x="0" y="0"/>
+          <a:ext cx="0" cy="0"/>
+          <a:chOff x="0" y="0"/>
+          <a:chExt cx="0" cy="0"/>
+        </a:xfrm>
+      </p:grpSpPr>
+    </p:spTree>
+    <p:extLst>
+      <p:ext uri="{BB962C8B-B14F-4D97-AF65-F5344CB8AC3E}">
+        <p14:creationId xmlns:p14="http://schemas.microsoft.com/office/powerpoint/2010/main" val="882666569"/>
+      </p:ext>
+    </p:extLst>
+  </p:cSld>
+  <p:clrMapOvr>
+    <a:masterClrMapping/>
+  </p:clrMapOvr>
+</p:sld>
+</file>
+
+<file path=ppt/slides/slide18.xml><?xml version="1.0" encoding="utf-8"?>
+<p:sld xmlns:a="http://schemas.openxmlformats.org/drawingml/2006/main" xmlns:r="http://schemas.openxmlformats.org/officeDocument/2006/relationships" xmlns:p="http://schemas.openxmlformats.org/presentationml/2006/main">
+  <p:cSld>
+    <p:spTree>
+      <p:nvGrpSpPr>
+        <p:cNvPr id="1" name=""/>
+        <p:cNvGrpSpPr/>
+        <p:nvPr/>
+      </p:nvGrpSpPr>
+      <p:grpSpPr>
+        <a:xfrm>
+          <a:off x="0" y="0"/>
+          <a:ext cx="0" cy="0"/>
+          <a:chOff x="0" y="0"/>
+          <a:chExt cx="0" cy="0"/>
+        </a:xfrm>
+      </p:grpSpPr>
+      <p:grpSp>
+        <p:nvGrpSpPr>
+          <p:cNvPr id="62" name="组合 61">
+            <a:extLst>
+              <a:ext uri="{FF2B5EF4-FFF2-40B4-BE49-F238E27FC236}">
+                <a16:creationId xmlns:a16="http://schemas.microsoft.com/office/drawing/2014/main" id="{F53A39F1-8403-4F27-A46A-292116DAD832}"/>
+              </a:ext>
+            </a:extLst>
+          </p:cNvPr>
+          <p:cNvGrpSpPr/>
+          <p:nvPr/>
+        </p:nvGrpSpPr>
+        <p:grpSpPr>
+          <a:xfrm>
+            <a:off x="2008769" y="1329158"/>
+            <a:ext cx="7715717" cy="4716228"/>
+            <a:chOff x="2008769" y="1329158"/>
+            <a:chExt cx="7715717" cy="4716228"/>
+          </a:xfrm>
+        </p:grpSpPr>
+        <p:sp>
+          <p:nvSpPr>
+            <p:cNvPr id="6" name="箭头: 五边形 5">
+              <a:extLst>
+                <a:ext uri="{FF2B5EF4-FFF2-40B4-BE49-F238E27FC236}">
+                  <a16:creationId xmlns:a16="http://schemas.microsoft.com/office/drawing/2014/main" id="{CD828944-C645-4224-BD0B-F07700A3A65D}"/>
+                </a:ext>
+              </a:extLst>
+            </p:cNvPr>
+            <p:cNvSpPr/>
+            <p:nvPr/>
+          </p:nvSpPr>
+          <p:spPr>
+            <a:xfrm>
+              <a:off x="2008769" y="3578353"/>
+              <a:ext cx="7602515" cy="155448"/>
+            </a:xfrm>
+            <a:prstGeom prst="homePlate">
+              <a:avLst>
+                <a:gd name="adj" fmla="val 246073"/>
+              </a:avLst>
+            </a:prstGeom>
+            <a:solidFill>
+              <a:srgbClr val="00B0F0"/>
+            </a:solidFill>
+            <a:ln>
+              <a:solidFill>
+                <a:srgbClr val="00B0F0"/>
+              </a:solidFill>
+            </a:ln>
+          </p:spPr>
+          <p:style>
+            <a:lnRef idx="2">
+              <a:schemeClr val="accent1">
+                <a:shade val="50000"/>
+              </a:schemeClr>
+            </a:lnRef>
+            <a:fillRef idx="1">
+              <a:schemeClr val="accent1"/>
+            </a:fillRef>
+            <a:effectRef idx="0">
+              <a:schemeClr val="accent1"/>
+            </a:effectRef>
+            <a:fontRef idx="minor">
+              <a:schemeClr val="lt1"/>
+            </a:fontRef>
+          </p:style>
+          <p:txBody>
+            <a:bodyPr rtlCol="0" anchor="ctr"/>
+            <a:lstStyle/>
+            <a:p>
+              <a:pPr algn="ctr"/>
+              <a:endParaRPr lang="zh-CN" altLang="en-US"/>
+            </a:p>
+          </p:txBody>
+        </p:sp>
+        <p:cxnSp>
+          <p:nvCxnSpPr>
+            <p:cNvPr id="9" name="直接箭头连接符 8">
+              <a:extLst>
+                <a:ext uri="{FF2B5EF4-FFF2-40B4-BE49-F238E27FC236}">
+                  <a16:creationId xmlns:a16="http://schemas.microsoft.com/office/drawing/2014/main" id="{989EE027-184A-4ED3-9194-A82A88491CC1}"/>
+                </a:ext>
+              </a:extLst>
+            </p:cNvPr>
+            <p:cNvCxnSpPr>
+              <a:cxnSpLocks/>
+            </p:cNvCxnSpPr>
+            <p:nvPr/>
+          </p:nvCxnSpPr>
+          <p:spPr>
+            <a:xfrm>
+              <a:off x="2670713" y="1972349"/>
+              <a:ext cx="0" cy="1644590"/>
+            </a:xfrm>
+            <a:prstGeom prst="straightConnector1">
+              <a:avLst/>
+            </a:prstGeom>
+            <a:ln w="28575">
+              <a:solidFill>
+                <a:srgbClr val="00B0F0"/>
+              </a:solidFill>
+            </a:ln>
+          </p:spPr>
+          <p:style>
+            <a:lnRef idx="1">
+              <a:schemeClr val="accent1"/>
+            </a:lnRef>
+            <a:fillRef idx="0">
+              <a:schemeClr val="accent1"/>
+            </a:fillRef>
+            <a:effectRef idx="0">
+              <a:schemeClr val="accent1"/>
+            </a:effectRef>
+            <a:fontRef idx="minor">
+              <a:schemeClr val="tx1"/>
+            </a:fontRef>
+          </p:style>
+        </p:cxnSp>
+        <p:sp>
+          <p:nvSpPr>
+            <p:cNvPr id="10" name="矩形: 圆角 9">
+              <a:extLst>
+                <a:ext uri="{FF2B5EF4-FFF2-40B4-BE49-F238E27FC236}">
+                  <a16:creationId xmlns:a16="http://schemas.microsoft.com/office/drawing/2014/main" id="{9E6581AB-38D3-456B-8B58-B41D8B77FA1D}"/>
+                </a:ext>
+              </a:extLst>
+            </p:cNvPr>
+            <p:cNvSpPr/>
+            <p:nvPr/>
+          </p:nvSpPr>
+          <p:spPr>
+            <a:xfrm>
+              <a:off x="2008769" y="1329158"/>
+              <a:ext cx="3508889" cy="635958"/>
+            </a:xfrm>
+            <a:prstGeom prst="roundRect">
+              <a:avLst/>
+            </a:prstGeom>
+            <a:solidFill>
+              <a:schemeClr val="bg1"/>
+            </a:solidFill>
+            <a:ln w="28575">
+              <a:solidFill>
+                <a:srgbClr val="00B0F0"/>
+              </a:solidFill>
+            </a:ln>
+          </p:spPr>
+          <p:style>
+            <a:lnRef idx="2">
+              <a:schemeClr val="accent1">
+                <a:shade val="15000"/>
+              </a:schemeClr>
+            </a:lnRef>
+            <a:fillRef idx="1">
+              <a:schemeClr val="accent1"/>
+            </a:fillRef>
+            <a:effectRef idx="0">
+              <a:schemeClr val="accent1"/>
+            </a:effectRef>
+            <a:fontRef idx="minor">
+              <a:schemeClr val="lt1"/>
+            </a:fontRef>
+          </p:style>
+          <p:txBody>
+            <a:bodyPr rtlCol="0" anchor="ctr"/>
+            <a:lstStyle/>
+            <a:p>
+              <a:pPr algn="ctr"/>
+              <a:r>
+                <a:rPr lang="zh-CN" altLang="en-US" dirty="0">
+                  <a:ea typeface="等线"/>
+                  <a:cs typeface="Calibri"/>
+                </a:rPr>
+                <a:t>290</a:t>
+              </a:r>
+              <a:endParaRPr lang="zh-CN" dirty="0"/>
+            </a:p>
+          </p:txBody>
+        </p:sp>
+        <p:sp>
+          <p:nvSpPr>
+            <p:cNvPr id="11" name="椭圆 10">
+              <a:extLst>
+                <a:ext uri="{FF2B5EF4-FFF2-40B4-BE49-F238E27FC236}">
+                  <a16:creationId xmlns:a16="http://schemas.microsoft.com/office/drawing/2014/main" id="{EAD2957F-4524-4DA2-B8E5-CF3B818E6236}"/>
+                </a:ext>
+              </a:extLst>
+            </p:cNvPr>
+            <p:cNvSpPr/>
+            <p:nvPr/>
+          </p:nvSpPr>
+          <p:spPr>
+            <a:xfrm>
+              <a:off x="2550780" y="3542480"/>
+              <a:ext cx="241709" cy="241709"/>
+            </a:xfrm>
+            <a:prstGeom prst="ellipse">
+              <a:avLst/>
+            </a:prstGeom>
+            <a:solidFill>
+              <a:srgbClr val="0070C0"/>
+            </a:solidFill>
+            <a:ln>
+              <a:solidFill>
+                <a:srgbClr val="0070C0"/>
+              </a:solidFill>
+            </a:ln>
+          </p:spPr>
+          <p:style>
+            <a:lnRef idx="2">
+              <a:schemeClr val="accent1">
+                <a:shade val="15000"/>
+              </a:schemeClr>
+            </a:lnRef>
+            <a:fillRef idx="1">
+              <a:schemeClr val="accent1"/>
+            </a:fillRef>
+            <a:effectRef idx="0">
+              <a:schemeClr val="accent1"/>
+            </a:effectRef>
+            <a:fontRef idx="minor">
+              <a:schemeClr val="lt1"/>
+            </a:fontRef>
+          </p:style>
+          <p:txBody>
+            <a:bodyPr rtlCol="0" anchor="ctr"/>
+            <a:lstStyle/>
+            <a:p>
+              <a:pPr algn="ctr"/>
+              <a:endParaRPr lang="zh-CN" altLang="en-US">
+                <a:solidFill>
+                  <a:srgbClr val="0070C0"/>
+                </a:solidFill>
+              </a:endParaRPr>
+            </a:p>
+          </p:txBody>
+        </p:sp>
+        <p:sp>
+          <p:nvSpPr>
+            <p:cNvPr id="12" name="文本框 11">
+              <a:extLst>
+                <a:ext uri="{FF2B5EF4-FFF2-40B4-BE49-F238E27FC236}">
+                  <a16:creationId xmlns:a16="http://schemas.microsoft.com/office/drawing/2014/main" id="{0691D719-BB0D-4E59-B46D-244D74DD18AF}"/>
+                </a:ext>
+              </a:extLst>
+            </p:cNvPr>
+            <p:cNvSpPr txBox="1"/>
+            <p:nvPr/>
+          </p:nvSpPr>
+          <p:spPr>
+            <a:xfrm>
+              <a:off x="2073431" y="1340205"/>
+              <a:ext cx="3554227" cy="646331"/>
+            </a:xfrm>
+            <a:prstGeom prst="rect">
+              <a:avLst/>
+            </a:prstGeom>
+            <a:noFill/>
+          </p:spPr>
+          <p:txBody>
+            <a:bodyPr rot="0" spcFirstLastPara="0" vertOverflow="overflow" horzOverflow="overflow" vert="horz" wrap="square" lIns="91440" tIns="45720" rIns="91440" bIns="45720" numCol="1" spcCol="0" rtlCol="0" fromWordArt="0" anchor="t" anchorCtr="0" forceAA="0" compatLnSpc="1">
+              <a:prstTxWarp prst="textNoShape">
+                <a:avLst/>
+              </a:prstTxWarp>
+              <a:spAutoFit/>
+            </a:bodyPr>
+            <a:lstStyle/>
+            <a:p>
+              <a:r>
+                <a:rPr lang="zh-CN" altLang="en-US" dirty="0">
+                  <a:latin typeface="Arial" panose="020B0604020202020204" pitchFamily="34" charset="0"/>
+                  <a:cs typeface="Arial" panose="020B0604020202020204" pitchFamily="34" charset="0"/>
+                </a:rPr>
+                <a:t>20</a:t>
+              </a:r>
+              <a:r>
+                <a:rPr lang="en-US" altLang="zh-CN" dirty="0">
+                  <a:latin typeface="Arial" panose="020B0604020202020204" pitchFamily="34" charset="0"/>
+                  <a:cs typeface="Arial" panose="020B0604020202020204" pitchFamily="34" charset="0"/>
+                </a:rPr>
+                <a:t>13 </a:t>
+              </a:r>
+              <a:r>
+                <a:rPr lang="en-US" altLang="zh-CN" dirty="0" err="1">
+                  <a:latin typeface="Arial" panose="020B0604020202020204" pitchFamily="34" charset="0"/>
+                  <a:cs typeface="Arial" panose="020B0604020202020204" pitchFamily="34" charset="0"/>
+                </a:rPr>
+                <a:t>Taesoo</a:t>
+              </a:r>
+              <a:r>
+                <a:rPr lang="en-US" altLang="zh-CN" dirty="0">
+                  <a:latin typeface="Arial" panose="020B0604020202020204" pitchFamily="34" charset="0"/>
+                  <a:cs typeface="Arial" panose="020B0604020202020204" pitchFamily="34" charset="0"/>
+                </a:rPr>
+                <a:t> Kim started to use Rust writing Linux kernel drivers</a:t>
+              </a:r>
+              <a:endParaRPr lang="zh-CN" altLang="en-US" dirty="0">
+                <a:latin typeface="Arial" panose="020B0604020202020204" pitchFamily="34" charset="0"/>
+                <a:cs typeface="Arial" panose="020B0604020202020204" pitchFamily="34" charset="0"/>
+              </a:endParaRPr>
+            </a:p>
+          </p:txBody>
+        </p:sp>
+        <p:cxnSp>
+          <p:nvCxnSpPr>
+            <p:cNvPr id="13" name="直接箭头连接符 12">
+              <a:extLst>
+                <a:ext uri="{FF2B5EF4-FFF2-40B4-BE49-F238E27FC236}">
+                  <a16:creationId xmlns:a16="http://schemas.microsoft.com/office/drawing/2014/main" id="{733FE827-D510-4903-8910-251C07FD4FBF}"/>
+                </a:ext>
+              </a:extLst>
+            </p:cNvPr>
+            <p:cNvCxnSpPr>
+              <a:cxnSpLocks/>
+            </p:cNvCxnSpPr>
+            <p:nvPr/>
+          </p:nvCxnSpPr>
+          <p:spPr>
+            <a:xfrm>
+              <a:off x="3662941" y="3642622"/>
+              <a:ext cx="0" cy="1934288"/>
+            </a:xfrm>
+            <a:prstGeom prst="straightConnector1">
+              <a:avLst/>
+            </a:prstGeom>
+            <a:ln w="28575">
+              <a:solidFill>
+                <a:srgbClr val="00B0F0"/>
+              </a:solidFill>
+            </a:ln>
+          </p:spPr>
+          <p:style>
+            <a:lnRef idx="1">
+              <a:schemeClr val="accent1"/>
+            </a:lnRef>
+            <a:fillRef idx="0">
+              <a:schemeClr val="accent1"/>
+            </a:fillRef>
+            <a:effectRef idx="0">
+              <a:schemeClr val="accent1"/>
+            </a:effectRef>
+            <a:fontRef idx="minor">
+              <a:schemeClr val="tx1"/>
+            </a:fontRef>
+          </p:style>
+        </p:cxnSp>
+        <p:sp>
+          <p:nvSpPr>
+            <p:cNvPr id="14" name="椭圆 13">
+              <a:extLst>
+                <a:ext uri="{FF2B5EF4-FFF2-40B4-BE49-F238E27FC236}">
+                  <a16:creationId xmlns:a16="http://schemas.microsoft.com/office/drawing/2014/main" id="{D1D4FD4C-F2E3-436F-A827-B56D7736F01E}"/>
+                </a:ext>
+              </a:extLst>
+            </p:cNvPr>
+            <p:cNvSpPr/>
+            <p:nvPr/>
+          </p:nvSpPr>
+          <p:spPr>
+            <a:xfrm>
+              <a:off x="3543824" y="3519821"/>
+              <a:ext cx="241709" cy="241709"/>
+            </a:xfrm>
+            <a:prstGeom prst="ellipse">
+              <a:avLst/>
+            </a:prstGeom>
+            <a:solidFill>
+              <a:srgbClr val="0070C0"/>
+            </a:solidFill>
+            <a:ln>
+              <a:solidFill>
+                <a:srgbClr val="0070C0"/>
+              </a:solidFill>
+            </a:ln>
+          </p:spPr>
+          <p:style>
+            <a:lnRef idx="2">
+              <a:schemeClr val="accent1">
+                <a:shade val="15000"/>
+              </a:schemeClr>
+            </a:lnRef>
+            <a:fillRef idx="1">
+              <a:schemeClr val="accent1"/>
+            </a:fillRef>
+            <a:effectRef idx="0">
+              <a:schemeClr val="accent1"/>
+            </a:effectRef>
+            <a:fontRef idx="minor">
+              <a:schemeClr val="lt1"/>
+            </a:fontRef>
+          </p:style>
+          <p:txBody>
+            <a:bodyPr rtlCol="0" anchor="ctr"/>
+            <a:lstStyle/>
+            <a:p>
+              <a:pPr algn="ctr"/>
+              <a:endParaRPr lang="zh-CN" altLang="en-US">
+                <a:solidFill>
+                  <a:srgbClr val="0070C0"/>
+                </a:solidFill>
+              </a:endParaRPr>
+            </a:p>
+          </p:txBody>
+        </p:sp>
+        <p:sp>
+          <p:nvSpPr>
+            <p:cNvPr id="15" name="矩形: 圆角 14">
+              <a:extLst>
+                <a:ext uri="{FF2B5EF4-FFF2-40B4-BE49-F238E27FC236}">
+                  <a16:creationId xmlns:a16="http://schemas.microsoft.com/office/drawing/2014/main" id="{137C72DD-BD3A-4E1E-BD53-1EF29BAF3547}"/>
+                </a:ext>
+              </a:extLst>
+            </p:cNvPr>
+            <p:cNvSpPr/>
+            <p:nvPr/>
+          </p:nvSpPr>
+          <p:spPr>
+            <a:xfrm>
+              <a:off x="2401822" y="5084020"/>
+              <a:ext cx="3768435" cy="715975"/>
+            </a:xfrm>
+            <a:prstGeom prst="roundRect">
+              <a:avLst/>
+            </a:prstGeom>
+            <a:solidFill>
+              <a:schemeClr val="bg1"/>
+            </a:solidFill>
+            <a:ln w="28575">
+              <a:solidFill>
+                <a:srgbClr val="00B0F0"/>
+              </a:solidFill>
+            </a:ln>
+          </p:spPr>
+          <p:style>
+            <a:lnRef idx="2">
+              <a:schemeClr val="accent1">
+                <a:shade val="15000"/>
+              </a:schemeClr>
+            </a:lnRef>
+            <a:fillRef idx="1">
+              <a:schemeClr val="accent1"/>
+            </a:fillRef>
+            <a:effectRef idx="0">
+              <a:schemeClr val="accent1"/>
+            </a:effectRef>
+            <a:fontRef idx="minor">
+              <a:schemeClr val="lt1"/>
+            </a:fontRef>
+          </p:style>
+          <p:txBody>
+            <a:bodyPr rtlCol="0" anchor="ctr"/>
+            <a:lstStyle/>
+            <a:p>
+              <a:pPr algn="ctr"/>
+              <a:r>
+                <a:rPr lang="zh-CN" altLang="en-US" dirty="0"/>
+                <a:t>290</a:t>
+              </a:r>
+            </a:p>
+          </p:txBody>
+        </p:sp>
+        <p:sp>
+          <p:nvSpPr>
+            <p:cNvPr id="16" name="文本框 15">
+              <a:extLst>
+                <a:ext uri="{FF2B5EF4-FFF2-40B4-BE49-F238E27FC236}">
+                  <a16:creationId xmlns:a16="http://schemas.microsoft.com/office/drawing/2014/main" id="{C10B3973-A5D9-4F68-AC79-E878B92ED560}"/>
+                </a:ext>
+              </a:extLst>
+            </p:cNvPr>
+            <p:cNvSpPr txBox="1"/>
+            <p:nvPr/>
+          </p:nvSpPr>
+          <p:spPr>
+            <a:xfrm>
+              <a:off x="2374580" y="5122056"/>
+              <a:ext cx="3805696" cy="646331"/>
+            </a:xfrm>
+            <a:prstGeom prst="rect">
+              <a:avLst/>
+            </a:prstGeom>
+            <a:noFill/>
+          </p:spPr>
+          <p:txBody>
+            <a:bodyPr rot="0" spcFirstLastPara="0" vertOverflow="overflow" horzOverflow="overflow" vert="horz" wrap="square" lIns="91440" tIns="45720" rIns="91440" bIns="45720" numCol="1" spcCol="0" rtlCol="0" fromWordArt="0" anchor="t" anchorCtr="0" forceAA="0" compatLnSpc="1">
+              <a:prstTxWarp prst="textNoShape">
+                <a:avLst/>
+              </a:prstTxWarp>
+              <a:spAutoFit/>
+            </a:bodyPr>
+            <a:lstStyle/>
+            <a:p>
+              <a:r>
+                <a:rPr lang="en-US" altLang="zh-CN" dirty="0">
+                  <a:latin typeface="Arial" panose="020B0604020202020204" pitchFamily="34" charset="0"/>
+                  <a:cs typeface="Arial" panose="020B0604020202020204" pitchFamily="34" charset="0"/>
+                </a:rPr>
+                <a:t>2019 Alex and Thomas presented the </a:t>
+              </a:r>
+              <a:r>
+                <a:rPr lang="en-US" altLang="zh-CN" dirty="0" err="1">
+                  <a:latin typeface="Arial" panose="020B0604020202020204" pitchFamily="34" charset="0"/>
+                  <a:cs typeface="Arial" panose="020B0604020202020204" pitchFamily="34" charset="0"/>
+                </a:rPr>
+                <a:t>linux</a:t>
+              </a:r>
+              <a:r>
+                <a:rPr lang="en-US" altLang="zh-CN" dirty="0">
+                  <a:latin typeface="Arial" panose="020B0604020202020204" pitchFamily="34" charset="0"/>
+                  <a:cs typeface="Arial" panose="020B0604020202020204" pitchFamily="34" charset="0"/>
+                </a:rPr>
+                <a:t>-kernel-module-rust project</a:t>
+              </a:r>
+              <a:endParaRPr lang="zh-CN" altLang="en-US" dirty="0">
+                <a:latin typeface="Arial" panose="020B0604020202020204" pitchFamily="34" charset="0"/>
+                <a:cs typeface="Arial" panose="020B0604020202020204" pitchFamily="34" charset="0"/>
+              </a:endParaRPr>
+            </a:p>
+          </p:txBody>
+        </p:sp>
+        <p:cxnSp>
+          <p:nvCxnSpPr>
+            <p:cNvPr id="29" name="直接箭头连接符 28">
+              <a:extLst>
+                <a:ext uri="{FF2B5EF4-FFF2-40B4-BE49-F238E27FC236}">
+                  <a16:creationId xmlns:a16="http://schemas.microsoft.com/office/drawing/2014/main" id="{0523F07B-0C92-45DB-ACFA-A91A588BEE03}"/>
+                </a:ext>
+              </a:extLst>
+            </p:cNvPr>
+            <p:cNvCxnSpPr>
+              <a:cxnSpLocks/>
+            </p:cNvCxnSpPr>
+            <p:nvPr/>
+          </p:nvCxnSpPr>
+          <p:spPr>
+            <a:xfrm flipH="1">
+              <a:off x="5696309" y="3622957"/>
+              <a:ext cx="1987" cy="919031"/>
+            </a:xfrm>
+            <a:prstGeom prst="straightConnector1">
+              <a:avLst/>
+            </a:prstGeom>
+            <a:ln w="28575">
+              <a:solidFill>
+                <a:srgbClr val="00B0F0"/>
+              </a:solidFill>
+            </a:ln>
+          </p:spPr>
+          <p:style>
+            <a:lnRef idx="1">
+              <a:schemeClr val="accent1"/>
+            </a:lnRef>
+            <a:fillRef idx="0">
+              <a:schemeClr val="accent1"/>
+            </a:fillRef>
+            <a:effectRef idx="0">
+              <a:schemeClr val="accent1"/>
+            </a:effectRef>
+            <a:fontRef idx="minor">
+              <a:schemeClr val="tx1"/>
+            </a:fontRef>
+          </p:style>
+        </p:cxnSp>
+        <p:sp>
+          <p:nvSpPr>
+            <p:cNvPr id="30" name="椭圆 29">
+              <a:extLst>
+                <a:ext uri="{FF2B5EF4-FFF2-40B4-BE49-F238E27FC236}">
+                  <a16:creationId xmlns:a16="http://schemas.microsoft.com/office/drawing/2014/main" id="{E8AFFCEE-CE47-44A0-BA0C-310463CE3FF5}"/>
+                </a:ext>
+              </a:extLst>
+            </p:cNvPr>
+            <p:cNvSpPr/>
+            <p:nvPr/>
+          </p:nvSpPr>
+          <p:spPr>
+            <a:xfrm>
+              <a:off x="5575455" y="3519821"/>
+              <a:ext cx="241709" cy="241709"/>
+            </a:xfrm>
+            <a:prstGeom prst="ellipse">
+              <a:avLst/>
+            </a:prstGeom>
+            <a:solidFill>
+              <a:srgbClr val="0070C0"/>
+            </a:solidFill>
+            <a:ln>
+              <a:solidFill>
+                <a:srgbClr val="0070C0"/>
+              </a:solidFill>
+            </a:ln>
+          </p:spPr>
+          <p:style>
+            <a:lnRef idx="2">
+              <a:schemeClr val="accent1">
+                <a:shade val="15000"/>
+              </a:schemeClr>
+            </a:lnRef>
+            <a:fillRef idx="1">
+              <a:schemeClr val="accent1"/>
+            </a:fillRef>
+            <a:effectRef idx="0">
+              <a:schemeClr val="accent1"/>
+            </a:effectRef>
+            <a:fontRef idx="minor">
+              <a:schemeClr val="lt1"/>
+            </a:fontRef>
+          </p:style>
+          <p:txBody>
+            <a:bodyPr rtlCol="0" anchor="ctr"/>
+            <a:lstStyle/>
+            <a:p>
+              <a:pPr algn="ctr"/>
+              <a:endParaRPr lang="zh-CN" altLang="en-US">
+                <a:solidFill>
+                  <a:srgbClr val="0070C0"/>
+                </a:solidFill>
+              </a:endParaRPr>
+            </a:p>
+          </p:txBody>
+        </p:sp>
+        <p:sp>
+          <p:nvSpPr>
+            <p:cNvPr id="31" name="矩形: 圆角 30">
+              <a:extLst>
+                <a:ext uri="{FF2B5EF4-FFF2-40B4-BE49-F238E27FC236}">
+                  <a16:creationId xmlns:a16="http://schemas.microsoft.com/office/drawing/2014/main" id="{F09EB6F6-535D-4AB9-972D-5E122E0D9E91}"/>
+                </a:ext>
+              </a:extLst>
+            </p:cNvPr>
+            <p:cNvSpPr/>
+            <p:nvPr/>
+          </p:nvSpPr>
+          <p:spPr>
+            <a:xfrm>
+              <a:off x="4129532" y="3993441"/>
+              <a:ext cx="3133554" cy="923330"/>
+            </a:xfrm>
+            <a:prstGeom prst="roundRect">
+              <a:avLst/>
+            </a:prstGeom>
+            <a:solidFill>
+              <a:schemeClr val="bg1"/>
+            </a:solidFill>
+            <a:ln w="28575">
+              <a:solidFill>
+                <a:srgbClr val="00B0F0"/>
+              </a:solidFill>
+            </a:ln>
+          </p:spPr>
+          <p:style>
+            <a:lnRef idx="2">
+              <a:schemeClr val="accent1">
+                <a:shade val="15000"/>
+              </a:schemeClr>
+            </a:lnRef>
+            <a:fillRef idx="1">
+              <a:schemeClr val="accent1"/>
+            </a:fillRef>
+            <a:effectRef idx="0">
+              <a:schemeClr val="accent1"/>
+            </a:effectRef>
+            <a:fontRef idx="minor">
+              <a:schemeClr val="lt1"/>
+            </a:fontRef>
+          </p:style>
+          <p:txBody>
+            <a:bodyPr rtlCol="0" anchor="ctr"/>
+            <a:lstStyle/>
+            <a:p>
+              <a:pPr algn="ctr"/>
+              <a:r>
+                <a:rPr lang="zh-CN" altLang="en-US" dirty="0">
+                  <a:ea typeface="等线"/>
+                  <a:cs typeface="Calibri"/>
+                </a:rPr>
+                <a:t>290</a:t>
+              </a:r>
+              <a:endParaRPr lang="zh-CN" dirty="0"/>
+            </a:p>
+          </p:txBody>
+        </p:sp>
+        <p:cxnSp>
+          <p:nvCxnSpPr>
+            <p:cNvPr id="40" name="直接箭头连接符 39">
+              <a:extLst>
+                <a:ext uri="{FF2B5EF4-FFF2-40B4-BE49-F238E27FC236}">
+                  <a16:creationId xmlns:a16="http://schemas.microsoft.com/office/drawing/2014/main" id="{4F197F71-4AFF-4A43-A7F7-64DF4E20A326}"/>
+                </a:ext>
+              </a:extLst>
+            </p:cNvPr>
+            <p:cNvCxnSpPr>
+              <a:cxnSpLocks/>
+            </p:cNvCxnSpPr>
+            <p:nvPr/>
+          </p:nvCxnSpPr>
+          <p:spPr>
+            <a:xfrm>
+              <a:off x="4764593" y="2828012"/>
+              <a:ext cx="0" cy="788927"/>
+            </a:xfrm>
+            <a:prstGeom prst="straightConnector1">
+              <a:avLst/>
+            </a:prstGeom>
+            <a:ln w="28575">
+              <a:solidFill>
+                <a:srgbClr val="00B0F0"/>
+              </a:solidFill>
+            </a:ln>
+          </p:spPr>
+          <p:style>
+            <a:lnRef idx="1">
+              <a:schemeClr val="accent1"/>
+            </a:lnRef>
+            <a:fillRef idx="0">
+              <a:schemeClr val="accent1"/>
+            </a:fillRef>
+            <a:effectRef idx="0">
+              <a:schemeClr val="accent1"/>
+            </a:effectRef>
+            <a:fontRef idx="minor">
+              <a:schemeClr val="tx1"/>
+            </a:fontRef>
+          </p:style>
+        </p:cxnSp>
+        <p:sp>
+          <p:nvSpPr>
+            <p:cNvPr id="41" name="矩形: 圆角 40">
+              <a:extLst>
+                <a:ext uri="{FF2B5EF4-FFF2-40B4-BE49-F238E27FC236}">
+                  <a16:creationId xmlns:a16="http://schemas.microsoft.com/office/drawing/2014/main" id="{793AAAD4-7178-4503-990C-FCA97E3B9EC6}"/>
+                </a:ext>
+              </a:extLst>
+            </p:cNvPr>
+            <p:cNvSpPr/>
+            <p:nvPr/>
+          </p:nvSpPr>
+          <p:spPr>
+            <a:xfrm>
+              <a:off x="3218782" y="2213538"/>
+              <a:ext cx="3283282" cy="963649"/>
+            </a:xfrm>
+            <a:prstGeom prst="roundRect">
+              <a:avLst/>
+            </a:prstGeom>
+            <a:solidFill>
+              <a:schemeClr val="bg1"/>
+            </a:solidFill>
+            <a:ln w="28575">
+              <a:solidFill>
+                <a:srgbClr val="00B0F0"/>
+              </a:solidFill>
+            </a:ln>
+          </p:spPr>
+          <p:style>
+            <a:lnRef idx="2">
+              <a:schemeClr val="accent1">
+                <a:shade val="15000"/>
+              </a:schemeClr>
+            </a:lnRef>
+            <a:fillRef idx="1">
+              <a:schemeClr val="accent1"/>
+            </a:fillRef>
+            <a:effectRef idx="0">
+              <a:schemeClr val="accent1"/>
+            </a:effectRef>
+            <a:fontRef idx="minor">
+              <a:schemeClr val="lt1"/>
+            </a:fontRef>
+          </p:style>
+          <p:txBody>
+            <a:bodyPr rtlCol="0" anchor="ctr"/>
+            <a:lstStyle/>
+            <a:p>
+              <a:pPr algn="ctr"/>
+              <a:r>
+                <a:rPr lang="zh-CN" altLang="en-US" dirty="0">
+                  <a:ea typeface="等线"/>
+                  <a:cs typeface="Calibri"/>
+                </a:rPr>
+                <a:t>290</a:t>
+              </a:r>
+              <a:endParaRPr lang="zh-CN" dirty="0"/>
+            </a:p>
+          </p:txBody>
+        </p:sp>
+        <p:sp>
+          <p:nvSpPr>
+            <p:cNvPr id="42" name="椭圆 41">
+              <a:extLst>
+                <a:ext uri="{FF2B5EF4-FFF2-40B4-BE49-F238E27FC236}">
+                  <a16:creationId xmlns:a16="http://schemas.microsoft.com/office/drawing/2014/main" id="{E9E93837-C7AB-4A28-B174-351CA090E7DD}"/>
+                </a:ext>
+              </a:extLst>
+            </p:cNvPr>
+            <p:cNvSpPr/>
+            <p:nvPr/>
+          </p:nvSpPr>
+          <p:spPr>
+            <a:xfrm>
+              <a:off x="4644660" y="3542480"/>
+              <a:ext cx="241709" cy="241709"/>
+            </a:xfrm>
+            <a:prstGeom prst="ellipse">
+              <a:avLst/>
+            </a:prstGeom>
+            <a:solidFill>
+              <a:srgbClr val="0070C0"/>
+            </a:solidFill>
+            <a:ln>
+              <a:solidFill>
+                <a:srgbClr val="0070C0"/>
+              </a:solidFill>
+            </a:ln>
+          </p:spPr>
+          <p:style>
+            <a:lnRef idx="2">
+              <a:schemeClr val="accent1">
+                <a:shade val="15000"/>
+              </a:schemeClr>
+            </a:lnRef>
+            <a:fillRef idx="1">
+              <a:schemeClr val="accent1"/>
+            </a:fillRef>
+            <a:effectRef idx="0">
+              <a:schemeClr val="accent1"/>
+            </a:effectRef>
+            <a:fontRef idx="minor">
+              <a:schemeClr val="lt1"/>
+            </a:fontRef>
+          </p:style>
+          <p:txBody>
+            <a:bodyPr rtlCol="0" anchor="ctr"/>
+            <a:lstStyle/>
+            <a:p>
+              <a:pPr algn="ctr"/>
+              <a:endParaRPr lang="zh-CN" altLang="en-US">
+                <a:solidFill>
+                  <a:srgbClr val="0070C0"/>
+                </a:solidFill>
+              </a:endParaRPr>
+            </a:p>
+          </p:txBody>
+        </p:sp>
+        <p:sp>
+          <p:nvSpPr>
+            <p:cNvPr id="43" name="文本框 42">
+              <a:extLst>
+                <a:ext uri="{FF2B5EF4-FFF2-40B4-BE49-F238E27FC236}">
+                  <a16:creationId xmlns:a16="http://schemas.microsoft.com/office/drawing/2014/main" id="{B3A5F285-000B-41B4-B866-749819E7B6B6}"/>
+                </a:ext>
+              </a:extLst>
+            </p:cNvPr>
+            <p:cNvSpPr txBox="1"/>
+            <p:nvPr/>
+          </p:nvSpPr>
+          <p:spPr>
+            <a:xfrm>
+              <a:off x="3308110" y="2253858"/>
+              <a:ext cx="3156517" cy="923330"/>
+            </a:xfrm>
+            <a:prstGeom prst="rect">
+              <a:avLst/>
+            </a:prstGeom>
+            <a:noFill/>
+          </p:spPr>
+          <p:txBody>
+            <a:bodyPr rot="0" spcFirstLastPara="0" vertOverflow="overflow" horzOverflow="overflow" vert="horz" wrap="square" lIns="91440" tIns="45720" rIns="91440" bIns="45720" numCol="1" spcCol="0" rtlCol="0" fromWordArt="0" anchor="t" anchorCtr="0" forceAA="0" compatLnSpc="1">
+              <a:prstTxWarp prst="textNoShape">
+                <a:avLst/>
+              </a:prstTxWarp>
+              <a:spAutoFit/>
+            </a:bodyPr>
+            <a:lstStyle/>
+            <a:p>
+              <a:r>
+                <a:rPr lang="zh-CN" altLang="en-US" dirty="0">
+                  <a:latin typeface="Arial" panose="020B0604020202020204" pitchFamily="34" charset="0"/>
+                  <a:cs typeface="Arial" panose="020B0604020202020204" pitchFamily="34" charset="0"/>
+                </a:rPr>
+                <a:t>20</a:t>
+              </a:r>
+              <a:r>
+                <a:rPr lang="en-US" altLang="zh-CN" dirty="0">
+                  <a:latin typeface="Arial" panose="020B0604020202020204" pitchFamily="34" charset="0"/>
+                  <a:cs typeface="Arial" panose="020B0604020202020204" pitchFamily="34" charset="0"/>
+                </a:rPr>
+                <a:t>20 Nick started a session in LPC to bring attention from the community</a:t>
+              </a:r>
+              <a:endParaRPr lang="zh-CN" altLang="en-US" dirty="0">
+                <a:latin typeface="Arial" panose="020B0604020202020204" pitchFamily="34" charset="0"/>
+                <a:cs typeface="Arial" panose="020B0604020202020204" pitchFamily="34" charset="0"/>
+              </a:endParaRPr>
+            </a:p>
+          </p:txBody>
+        </p:sp>
+        <p:sp>
+          <p:nvSpPr>
+            <p:cNvPr id="47" name="文本框 46">
+              <a:extLst>
+                <a:ext uri="{FF2B5EF4-FFF2-40B4-BE49-F238E27FC236}">
+                  <a16:creationId xmlns:a16="http://schemas.microsoft.com/office/drawing/2014/main" id="{3CED8707-1F56-4062-B0D1-B1227E556E01}"/>
+                </a:ext>
+              </a:extLst>
+            </p:cNvPr>
+            <p:cNvSpPr txBox="1"/>
+            <p:nvPr/>
+          </p:nvSpPr>
+          <p:spPr>
+            <a:xfrm>
+              <a:off x="4187008" y="4006427"/>
+              <a:ext cx="3018601" cy="923330"/>
+            </a:xfrm>
+            <a:prstGeom prst="rect">
+              <a:avLst/>
+            </a:prstGeom>
+            <a:noFill/>
+          </p:spPr>
+          <p:txBody>
+            <a:bodyPr rot="0" spcFirstLastPara="0" vertOverflow="overflow" horzOverflow="overflow" vert="horz" wrap="square" lIns="91440" tIns="45720" rIns="91440" bIns="45720" numCol="1" spcCol="0" rtlCol="0" fromWordArt="0" anchor="t" anchorCtr="0" forceAA="0" compatLnSpc="1">
+              <a:prstTxWarp prst="textNoShape">
+                <a:avLst/>
+              </a:prstTxWarp>
+              <a:spAutoFit/>
+            </a:bodyPr>
+            <a:lstStyle/>
+            <a:p>
+              <a:r>
+                <a:rPr lang="en-US" altLang="zh-CN" dirty="0">
+                  <a:latin typeface="Arial" panose="020B0604020202020204" pitchFamily="34" charset="0"/>
+                  <a:cs typeface="Arial" panose="020B0604020202020204" pitchFamily="34" charset="0"/>
+                </a:rPr>
+                <a:t>2020 The first PR of RFL was committed by</a:t>
+              </a:r>
+              <a:r>
+                <a:rPr lang="zh-CN" altLang="en-US" dirty="0">
+                  <a:latin typeface="Arial" panose="020B0604020202020204" pitchFamily="34" charset="0"/>
+                  <a:cs typeface="Arial" panose="020B0604020202020204" pitchFamily="34" charset="0"/>
+                </a:rPr>
+                <a:t> </a:t>
+              </a:r>
+              <a:r>
+                <a:rPr lang="en-US" altLang="zh-CN" dirty="0">
+                  <a:latin typeface="Arial" panose="020B0604020202020204" pitchFamily="34" charset="0"/>
+                  <a:cs typeface="Arial" panose="020B0604020202020204" pitchFamily="34" charset="0"/>
+                </a:rPr>
+                <a:t>Miguel Ojeda on the GitHub</a:t>
+              </a:r>
+              <a:endParaRPr lang="zh-CN" altLang="en-US" dirty="0">
+                <a:latin typeface="Arial" panose="020B0604020202020204" pitchFamily="34" charset="0"/>
+                <a:cs typeface="Arial" panose="020B0604020202020204" pitchFamily="34" charset="0"/>
+              </a:endParaRPr>
+            </a:p>
+          </p:txBody>
+        </p:sp>
+        <p:cxnSp>
+          <p:nvCxnSpPr>
+            <p:cNvPr id="52" name="直接箭头连接符 51">
+              <a:extLst>
+                <a:ext uri="{FF2B5EF4-FFF2-40B4-BE49-F238E27FC236}">
+                  <a16:creationId xmlns:a16="http://schemas.microsoft.com/office/drawing/2014/main" id="{0E1C5DAA-D2E8-475E-B790-322133A01295}"/>
+                </a:ext>
+              </a:extLst>
+            </p:cNvPr>
+            <p:cNvCxnSpPr>
+              <a:cxnSpLocks/>
+            </p:cNvCxnSpPr>
+            <p:nvPr/>
+          </p:nvCxnSpPr>
+          <p:spPr>
+            <a:xfrm>
+              <a:off x="6764339" y="1972349"/>
+              <a:ext cx="0" cy="1644590"/>
+            </a:xfrm>
+            <a:prstGeom prst="straightConnector1">
+              <a:avLst/>
+            </a:prstGeom>
+            <a:ln w="28575">
+              <a:solidFill>
+                <a:srgbClr val="00B0F0"/>
+              </a:solidFill>
+            </a:ln>
+          </p:spPr>
+          <p:style>
+            <a:lnRef idx="1">
+              <a:schemeClr val="accent1"/>
+            </a:lnRef>
+            <a:fillRef idx="0">
+              <a:schemeClr val="accent1"/>
+            </a:fillRef>
+            <a:effectRef idx="0">
+              <a:schemeClr val="accent1"/>
+            </a:effectRef>
+            <a:fontRef idx="minor">
+              <a:schemeClr val="tx1"/>
+            </a:fontRef>
+          </p:style>
+        </p:cxnSp>
+        <p:sp>
+          <p:nvSpPr>
+            <p:cNvPr id="53" name="矩形: 圆角 52">
+              <a:extLst>
+                <a:ext uri="{FF2B5EF4-FFF2-40B4-BE49-F238E27FC236}">
+                  <a16:creationId xmlns:a16="http://schemas.microsoft.com/office/drawing/2014/main" id="{CC24FA15-8A84-4DF3-9613-02719CF5FDC7}"/>
+                </a:ext>
+              </a:extLst>
+            </p:cNvPr>
+            <p:cNvSpPr/>
+            <p:nvPr/>
+          </p:nvSpPr>
+          <p:spPr>
+            <a:xfrm>
+              <a:off x="6102395" y="1329158"/>
+              <a:ext cx="3508889" cy="635958"/>
+            </a:xfrm>
+            <a:prstGeom prst="roundRect">
+              <a:avLst/>
+            </a:prstGeom>
+            <a:solidFill>
+              <a:schemeClr val="bg1"/>
+            </a:solidFill>
+            <a:ln w="28575">
+              <a:solidFill>
+                <a:srgbClr val="00B0F0"/>
+              </a:solidFill>
+            </a:ln>
+          </p:spPr>
+          <p:style>
+            <a:lnRef idx="2">
+              <a:schemeClr val="accent1">
+                <a:shade val="15000"/>
+              </a:schemeClr>
+            </a:lnRef>
+            <a:fillRef idx="1">
+              <a:schemeClr val="accent1"/>
+            </a:fillRef>
+            <a:effectRef idx="0">
+              <a:schemeClr val="accent1"/>
+            </a:effectRef>
+            <a:fontRef idx="minor">
+              <a:schemeClr val="lt1"/>
+            </a:fontRef>
+          </p:style>
+          <p:txBody>
+            <a:bodyPr rtlCol="0" anchor="ctr"/>
+            <a:lstStyle/>
+            <a:p>
+              <a:pPr algn="ctr"/>
+              <a:r>
+                <a:rPr lang="zh-CN" altLang="en-US" dirty="0">
+                  <a:ea typeface="等线"/>
+                  <a:cs typeface="Calibri"/>
+                </a:rPr>
+                <a:t>290</a:t>
+              </a:r>
+              <a:endParaRPr lang="zh-CN" dirty="0"/>
+            </a:p>
+          </p:txBody>
+        </p:sp>
+        <p:sp>
+          <p:nvSpPr>
+            <p:cNvPr id="54" name="椭圆 53">
+              <a:extLst>
+                <a:ext uri="{FF2B5EF4-FFF2-40B4-BE49-F238E27FC236}">
+                  <a16:creationId xmlns:a16="http://schemas.microsoft.com/office/drawing/2014/main" id="{CDF39267-214F-41EB-B4A7-C4B5123C5DDF}"/>
+                </a:ext>
+              </a:extLst>
+            </p:cNvPr>
+            <p:cNvSpPr/>
+            <p:nvPr/>
+          </p:nvSpPr>
+          <p:spPr>
+            <a:xfrm>
+              <a:off x="6644406" y="3542480"/>
+              <a:ext cx="241709" cy="241709"/>
+            </a:xfrm>
+            <a:prstGeom prst="ellipse">
+              <a:avLst/>
+            </a:prstGeom>
+            <a:solidFill>
+              <a:srgbClr val="0070C0"/>
+            </a:solidFill>
+            <a:ln>
+              <a:solidFill>
+                <a:srgbClr val="0070C0"/>
+              </a:solidFill>
+            </a:ln>
+          </p:spPr>
+          <p:style>
+            <a:lnRef idx="2">
+              <a:schemeClr val="accent1">
+                <a:shade val="15000"/>
+              </a:schemeClr>
+            </a:lnRef>
+            <a:fillRef idx="1">
+              <a:schemeClr val="accent1"/>
+            </a:fillRef>
+            <a:effectRef idx="0">
+              <a:schemeClr val="accent1"/>
+            </a:effectRef>
+            <a:fontRef idx="minor">
+              <a:schemeClr val="lt1"/>
+            </a:fontRef>
+          </p:style>
+          <p:txBody>
+            <a:bodyPr rtlCol="0" anchor="ctr"/>
+            <a:lstStyle/>
+            <a:p>
+              <a:pPr algn="ctr"/>
+              <a:endParaRPr lang="zh-CN" altLang="en-US">
+                <a:solidFill>
+                  <a:srgbClr val="0070C0"/>
+                </a:solidFill>
+              </a:endParaRPr>
+            </a:p>
+          </p:txBody>
+        </p:sp>
+        <p:sp>
+          <p:nvSpPr>
+            <p:cNvPr id="55" name="文本框 54">
+              <a:extLst>
+                <a:ext uri="{FF2B5EF4-FFF2-40B4-BE49-F238E27FC236}">
+                  <a16:creationId xmlns:a16="http://schemas.microsoft.com/office/drawing/2014/main" id="{3DD74712-E9CE-45DB-B47B-2A3A14484686}"/>
+                </a:ext>
+              </a:extLst>
+            </p:cNvPr>
+            <p:cNvSpPr txBox="1"/>
+            <p:nvPr/>
+          </p:nvSpPr>
+          <p:spPr>
+            <a:xfrm>
+              <a:off x="6170259" y="1340205"/>
+              <a:ext cx="3554227" cy="646331"/>
+            </a:xfrm>
+            <a:prstGeom prst="rect">
+              <a:avLst/>
+            </a:prstGeom>
+            <a:noFill/>
+          </p:spPr>
+          <p:txBody>
+            <a:bodyPr rot="0" spcFirstLastPara="0" vertOverflow="overflow" horzOverflow="overflow" vert="horz" wrap="square" lIns="91440" tIns="45720" rIns="91440" bIns="45720" numCol="1" spcCol="0" rtlCol="0" fromWordArt="0" anchor="t" anchorCtr="0" forceAA="0" compatLnSpc="1">
+              <a:prstTxWarp prst="textNoShape">
+                <a:avLst/>
+              </a:prstTxWarp>
+              <a:spAutoFit/>
+            </a:bodyPr>
+            <a:lstStyle/>
+            <a:p>
+              <a:r>
+                <a:rPr lang="zh-CN" altLang="en-US" dirty="0">
+                  <a:latin typeface="Arial" panose="020B0604020202020204" pitchFamily="34" charset="0"/>
+                  <a:cs typeface="Arial" panose="020B0604020202020204" pitchFamily="34" charset="0"/>
+                </a:rPr>
+                <a:t>20</a:t>
+              </a:r>
+              <a:r>
+                <a:rPr lang="en-US" altLang="zh-CN" dirty="0">
+                  <a:latin typeface="Arial" panose="020B0604020202020204" pitchFamily="34" charset="0"/>
+                  <a:cs typeface="Arial" panose="020B0604020202020204" pitchFamily="34" charset="0"/>
+                </a:rPr>
+                <a:t>21 Miguel Ojeda gave an RFL RFC in the mailing list</a:t>
+              </a:r>
+              <a:endParaRPr lang="zh-CN" altLang="en-US" dirty="0">
+                <a:latin typeface="Arial" panose="020B0604020202020204" pitchFamily="34" charset="0"/>
+                <a:cs typeface="Arial" panose="020B0604020202020204" pitchFamily="34" charset="0"/>
+              </a:endParaRPr>
+            </a:p>
+          </p:txBody>
+        </p:sp>
+        <p:cxnSp>
+          <p:nvCxnSpPr>
+            <p:cNvPr id="56" name="直接箭头连接符 55">
+              <a:extLst>
+                <a:ext uri="{FF2B5EF4-FFF2-40B4-BE49-F238E27FC236}">
+                  <a16:creationId xmlns:a16="http://schemas.microsoft.com/office/drawing/2014/main" id="{8B9A2E23-F1DD-4DF1-9C73-BC2B6E19B698}"/>
+                </a:ext>
+              </a:extLst>
+            </p:cNvPr>
+            <p:cNvCxnSpPr>
+              <a:cxnSpLocks/>
+            </p:cNvCxnSpPr>
+            <p:nvPr/>
+          </p:nvCxnSpPr>
+          <p:spPr>
+            <a:xfrm>
+              <a:off x="7759271" y="3680658"/>
+              <a:ext cx="0" cy="1934288"/>
+            </a:xfrm>
+            <a:prstGeom prst="straightConnector1">
+              <a:avLst/>
+            </a:prstGeom>
+            <a:ln w="28575">
+              <a:solidFill>
+                <a:srgbClr val="00B0F0"/>
+              </a:solidFill>
+            </a:ln>
+          </p:spPr>
+          <p:style>
+            <a:lnRef idx="1">
+              <a:schemeClr val="accent1"/>
+            </a:lnRef>
+            <a:fillRef idx="0">
+              <a:schemeClr val="accent1"/>
+            </a:fillRef>
+            <a:effectRef idx="0">
+              <a:schemeClr val="accent1"/>
+            </a:effectRef>
+            <a:fontRef idx="minor">
+              <a:schemeClr val="tx1"/>
+            </a:fontRef>
+          </p:style>
+        </p:cxnSp>
+        <p:sp>
+          <p:nvSpPr>
+            <p:cNvPr id="57" name="椭圆 56">
+              <a:extLst>
+                <a:ext uri="{FF2B5EF4-FFF2-40B4-BE49-F238E27FC236}">
+                  <a16:creationId xmlns:a16="http://schemas.microsoft.com/office/drawing/2014/main" id="{50F512EE-9D87-423D-845D-5D94EA5FDC40}"/>
+                </a:ext>
+              </a:extLst>
+            </p:cNvPr>
+            <p:cNvSpPr/>
+            <p:nvPr/>
+          </p:nvSpPr>
+          <p:spPr>
+            <a:xfrm>
+              <a:off x="7640154" y="3557857"/>
+              <a:ext cx="241709" cy="241709"/>
+            </a:xfrm>
+            <a:prstGeom prst="ellipse">
+              <a:avLst/>
+            </a:prstGeom>
+            <a:solidFill>
+              <a:srgbClr val="0070C0"/>
+            </a:solidFill>
+            <a:ln>
+              <a:solidFill>
+                <a:srgbClr val="0070C0"/>
+              </a:solidFill>
+            </a:ln>
+          </p:spPr>
+          <p:style>
+            <a:lnRef idx="2">
+              <a:schemeClr val="accent1">
+                <a:shade val="15000"/>
+              </a:schemeClr>
+            </a:lnRef>
+            <a:fillRef idx="1">
+              <a:schemeClr val="accent1"/>
+            </a:fillRef>
+            <a:effectRef idx="0">
+              <a:schemeClr val="accent1"/>
+            </a:effectRef>
+            <a:fontRef idx="minor">
+              <a:schemeClr val="lt1"/>
+            </a:fontRef>
+          </p:style>
+          <p:txBody>
+            <a:bodyPr rtlCol="0" anchor="ctr"/>
+            <a:lstStyle/>
+            <a:p>
+              <a:pPr algn="ctr"/>
+              <a:endParaRPr lang="zh-CN" altLang="en-US">
+                <a:solidFill>
+                  <a:srgbClr val="0070C0"/>
+                </a:solidFill>
+              </a:endParaRPr>
+            </a:p>
+          </p:txBody>
+        </p:sp>
+        <p:sp>
+          <p:nvSpPr>
+            <p:cNvPr id="58" name="矩形: 圆角 57">
+              <a:extLst>
+                <a:ext uri="{FF2B5EF4-FFF2-40B4-BE49-F238E27FC236}">
+                  <a16:creationId xmlns:a16="http://schemas.microsoft.com/office/drawing/2014/main" id="{CE3BF6E0-66FD-41C8-BFF2-3B684F31B10A}"/>
+                </a:ext>
+              </a:extLst>
+            </p:cNvPr>
+            <p:cNvSpPr/>
+            <p:nvPr/>
+          </p:nvSpPr>
+          <p:spPr>
+            <a:xfrm>
+              <a:off x="6502064" y="5118195"/>
+              <a:ext cx="3032141" cy="715975"/>
+            </a:xfrm>
+            <a:prstGeom prst="roundRect">
+              <a:avLst/>
+            </a:prstGeom>
+            <a:solidFill>
+              <a:schemeClr val="bg1"/>
+            </a:solidFill>
+            <a:ln w="28575">
+              <a:solidFill>
+                <a:srgbClr val="00B0F0"/>
+              </a:solidFill>
+            </a:ln>
+          </p:spPr>
+          <p:style>
+            <a:lnRef idx="2">
+              <a:schemeClr val="accent1">
+                <a:shade val="15000"/>
+              </a:schemeClr>
+            </a:lnRef>
+            <a:fillRef idx="1">
+              <a:schemeClr val="accent1"/>
+            </a:fillRef>
+            <a:effectRef idx="0">
+              <a:schemeClr val="accent1"/>
+            </a:effectRef>
+            <a:fontRef idx="minor">
+              <a:schemeClr val="lt1"/>
+            </a:fontRef>
+          </p:style>
+          <p:txBody>
+            <a:bodyPr rtlCol="0" anchor="ctr"/>
+            <a:lstStyle/>
+            <a:p>
+              <a:pPr algn="ctr"/>
+              <a:r>
+                <a:rPr lang="zh-CN" altLang="en-US" dirty="0"/>
+                <a:t>290</a:t>
+              </a:r>
+            </a:p>
+          </p:txBody>
+        </p:sp>
+        <p:sp>
+          <p:nvSpPr>
+            <p:cNvPr id="61" name="文本框 60">
+              <a:extLst>
+                <a:ext uri="{FF2B5EF4-FFF2-40B4-BE49-F238E27FC236}">
+                  <a16:creationId xmlns:a16="http://schemas.microsoft.com/office/drawing/2014/main" id="{56395EF6-3E2C-47A9-8F8D-A4FA77FFC4B6}"/>
+                </a:ext>
+              </a:extLst>
+            </p:cNvPr>
+            <p:cNvSpPr txBox="1"/>
+            <p:nvPr/>
+          </p:nvSpPr>
+          <p:spPr>
+            <a:xfrm>
+              <a:off x="6477059" y="5122056"/>
+              <a:ext cx="3018602" cy="923330"/>
+            </a:xfrm>
+            <a:prstGeom prst="rect">
+              <a:avLst/>
+            </a:prstGeom>
+            <a:noFill/>
+          </p:spPr>
+          <p:txBody>
+            <a:bodyPr rot="0" spcFirstLastPara="0" vertOverflow="overflow" horzOverflow="overflow" vert="horz" wrap="square" lIns="91440" tIns="45720" rIns="91440" bIns="45720" numCol="1" spcCol="0" rtlCol="0" fromWordArt="0" anchor="t" anchorCtr="0" forceAA="0" compatLnSpc="1">
+              <a:prstTxWarp prst="textNoShape">
+                <a:avLst/>
+              </a:prstTxWarp>
+              <a:spAutoFit/>
+            </a:bodyPr>
+            <a:lstStyle/>
+            <a:p>
+              <a:r>
+                <a:rPr lang="zh-CN" altLang="en-US" dirty="0">
+                  <a:latin typeface="Arial" panose="020B0604020202020204" pitchFamily="34" charset="0"/>
+                  <a:cs typeface="Arial" panose="020B0604020202020204" pitchFamily="34" charset="0"/>
+                </a:rPr>
+                <a:t>20</a:t>
+              </a:r>
+              <a:r>
+                <a:rPr lang="en-US" altLang="zh-CN" dirty="0">
+                  <a:latin typeface="Arial" panose="020B0604020202020204" pitchFamily="34" charset="0"/>
+                  <a:cs typeface="Arial" panose="020B0604020202020204" pitchFamily="34" charset="0"/>
+                </a:rPr>
+                <a:t>22 RFL was merged into the Linux mainline in 6.1</a:t>
+              </a:r>
+              <a:endParaRPr lang="zh-CN" altLang="en-US" dirty="0">
+                <a:latin typeface="Arial" panose="020B0604020202020204" pitchFamily="34" charset="0"/>
+                <a:cs typeface="Arial" panose="020B0604020202020204" pitchFamily="34" charset="0"/>
+              </a:endParaRPr>
+            </a:p>
+            <a:p>
+              <a:endParaRPr lang="zh-CN" altLang="en-US" dirty="0">
+                <a:latin typeface="Arial" panose="020B0604020202020204" pitchFamily="34" charset="0"/>
+                <a:cs typeface="Arial" panose="020B0604020202020204" pitchFamily="34" charset="0"/>
+              </a:endParaRPr>
+            </a:p>
+          </p:txBody>
+        </p:sp>
+      </p:grpSp>
+    </p:spTree>
+    <p:extLst>
+      <p:ext uri="{BB962C8B-B14F-4D97-AF65-F5344CB8AC3E}">
+        <p14:creationId xmlns:p14="http://schemas.microsoft.com/office/powerpoint/2010/main" val="699177282"/>
+      </p:ext>
+    </p:extLst>
+  </p:cSld>
+  <p:clrMapOvr>
+    <a:masterClrMapping/>
+  </p:clrMapOvr>
+</p:sld>
+</file>
+
+<file path=ppt/slides/slide19.xml><?xml version="1.0" encoding="utf-8"?>
+<p:sld xmlns:a="http://schemas.openxmlformats.org/drawingml/2006/main" xmlns:r="http://schemas.openxmlformats.org/officeDocument/2006/relationships" xmlns:p="http://schemas.openxmlformats.org/presentationml/2006/main">
+  <p:cSld>
+    <p:spTree>
+      <p:nvGrpSpPr>
+        <p:cNvPr id="1" name=""/>
+        <p:cNvGrpSpPr/>
+        <p:nvPr/>
+      </p:nvGrpSpPr>
+      <p:grpSpPr>
+        <a:xfrm>
+          <a:off x="0" y="0"/>
+          <a:ext cx="0" cy="0"/>
+          <a:chOff x="0" y="0"/>
+          <a:chExt cx="0" cy="0"/>
+        </a:xfrm>
+      </p:grpSpPr>
+      <p:grpSp>
+        <p:nvGrpSpPr>
+          <p:cNvPr id="62" name="组合 61">
+            <a:extLst>
+              <a:ext uri="{FF2B5EF4-FFF2-40B4-BE49-F238E27FC236}">
+                <a16:creationId xmlns:a16="http://schemas.microsoft.com/office/drawing/2014/main" id="{F53A39F1-8403-4F27-A46A-292116DAD832}"/>
+              </a:ext>
+            </a:extLst>
+          </p:cNvPr>
+          <p:cNvGrpSpPr/>
+          <p:nvPr/>
+        </p:nvGrpSpPr>
+        <p:grpSpPr>
+          <a:xfrm>
+            <a:off x="2008769" y="1329158"/>
+            <a:ext cx="7715717" cy="4716228"/>
+            <a:chOff x="2008769" y="1329158"/>
+            <a:chExt cx="7715717" cy="4716228"/>
+          </a:xfrm>
+        </p:grpSpPr>
+        <p:sp>
+          <p:nvSpPr>
+            <p:cNvPr id="6" name="箭头: 五边形 5">
+              <a:extLst>
+                <a:ext uri="{FF2B5EF4-FFF2-40B4-BE49-F238E27FC236}">
+                  <a16:creationId xmlns:a16="http://schemas.microsoft.com/office/drawing/2014/main" id="{CD828944-C645-4224-BD0B-F07700A3A65D}"/>
+                </a:ext>
+              </a:extLst>
+            </p:cNvPr>
+            <p:cNvSpPr/>
+            <p:nvPr/>
+          </p:nvSpPr>
+          <p:spPr>
+            <a:xfrm>
+              <a:off x="2008769" y="3578353"/>
+              <a:ext cx="7602515" cy="155448"/>
+            </a:xfrm>
+            <a:prstGeom prst="homePlate">
+              <a:avLst>
+                <a:gd name="adj" fmla="val 246073"/>
+              </a:avLst>
+            </a:prstGeom>
+            <a:solidFill>
+              <a:srgbClr val="00B0F0"/>
+            </a:solidFill>
+            <a:ln>
+              <a:solidFill>
+                <a:srgbClr val="00B0F0"/>
+              </a:solidFill>
+            </a:ln>
+          </p:spPr>
+          <p:style>
+            <a:lnRef idx="2">
+              <a:schemeClr val="accent1">
+                <a:shade val="50000"/>
+              </a:schemeClr>
+            </a:lnRef>
+            <a:fillRef idx="1">
+              <a:schemeClr val="accent1"/>
+            </a:fillRef>
+            <a:effectRef idx="0">
+              <a:schemeClr val="accent1"/>
+            </a:effectRef>
+            <a:fontRef idx="minor">
+              <a:schemeClr val="lt1"/>
+            </a:fontRef>
+          </p:style>
+          <p:txBody>
+            <a:bodyPr rtlCol="0" anchor="ctr"/>
+            <a:lstStyle/>
+            <a:p>
+              <a:pPr algn="ctr"/>
+              <a:endParaRPr lang="zh-CN" altLang="en-US"/>
+            </a:p>
+          </p:txBody>
+        </p:sp>
+        <p:cxnSp>
+          <p:nvCxnSpPr>
+            <p:cNvPr id="9" name="直接箭头连接符 8">
+              <a:extLst>
+                <a:ext uri="{FF2B5EF4-FFF2-40B4-BE49-F238E27FC236}">
+                  <a16:creationId xmlns:a16="http://schemas.microsoft.com/office/drawing/2014/main" id="{989EE027-184A-4ED3-9194-A82A88491CC1}"/>
+                </a:ext>
+              </a:extLst>
+            </p:cNvPr>
+            <p:cNvCxnSpPr>
+              <a:cxnSpLocks/>
+            </p:cNvCxnSpPr>
+            <p:nvPr/>
+          </p:nvCxnSpPr>
+          <p:spPr>
+            <a:xfrm>
+              <a:off x="2670713" y="1972349"/>
+              <a:ext cx="0" cy="1644590"/>
+            </a:xfrm>
+            <a:prstGeom prst="straightConnector1">
+              <a:avLst/>
+            </a:prstGeom>
+            <a:ln w="28575">
+              <a:solidFill>
+                <a:srgbClr val="00B0F0"/>
+              </a:solidFill>
+            </a:ln>
+          </p:spPr>
+          <p:style>
+            <a:lnRef idx="1">
+              <a:schemeClr val="accent1"/>
+            </a:lnRef>
+            <a:fillRef idx="0">
+              <a:schemeClr val="accent1"/>
+            </a:fillRef>
+            <a:effectRef idx="0">
+              <a:schemeClr val="accent1"/>
+            </a:effectRef>
+            <a:fontRef idx="minor">
+              <a:schemeClr val="tx1"/>
+            </a:fontRef>
+          </p:style>
+        </p:cxnSp>
+        <p:sp>
+          <p:nvSpPr>
+            <p:cNvPr id="10" name="矩形: 圆角 9">
+              <a:extLst>
+                <a:ext uri="{FF2B5EF4-FFF2-40B4-BE49-F238E27FC236}">
+                  <a16:creationId xmlns:a16="http://schemas.microsoft.com/office/drawing/2014/main" id="{9E6581AB-38D3-456B-8B58-B41D8B77FA1D}"/>
+                </a:ext>
+              </a:extLst>
+            </p:cNvPr>
+            <p:cNvSpPr/>
+            <p:nvPr/>
+          </p:nvSpPr>
+          <p:spPr>
+            <a:xfrm>
+              <a:off x="2008769" y="1329158"/>
+              <a:ext cx="3508889" cy="635958"/>
+            </a:xfrm>
+            <a:prstGeom prst="roundRect">
+              <a:avLst/>
+            </a:prstGeom>
+            <a:solidFill>
+              <a:schemeClr val="bg1"/>
+            </a:solidFill>
+            <a:ln w="28575">
+              <a:solidFill>
+                <a:srgbClr val="00B0F0"/>
+              </a:solidFill>
+            </a:ln>
+          </p:spPr>
+          <p:style>
+            <a:lnRef idx="2">
+              <a:schemeClr val="accent1">
+                <a:shade val="15000"/>
+              </a:schemeClr>
+            </a:lnRef>
+            <a:fillRef idx="1">
+              <a:schemeClr val="accent1"/>
+            </a:fillRef>
+            <a:effectRef idx="0">
+              <a:schemeClr val="accent1"/>
+            </a:effectRef>
+            <a:fontRef idx="minor">
+              <a:schemeClr val="lt1"/>
+            </a:fontRef>
+          </p:style>
+          <p:txBody>
+            <a:bodyPr rtlCol="0" anchor="ctr"/>
+            <a:lstStyle/>
+            <a:p>
+              <a:pPr algn="ctr"/>
+              <a:r>
+                <a:rPr lang="zh-CN" altLang="en-US" dirty="0">
+                  <a:ea typeface="等线"/>
+                  <a:cs typeface="Calibri"/>
+                </a:rPr>
+                <a:t>290</a:t>
+              </a:r>
+              <a:endParaRPr lang="zh-CN" dirty="0"/>
+            </a:p>
+          </p:txBody>
+        </p:sp>
+        <p:sp>
+          <p:nvSpPr>
+            <p:cNvPr id="11" name="椭圆 10">
+              <a:extLst>
+                <a:ext uri="{FF2B5EF4-FFF2-40B4-BE49-F238E27FC236}">
+                  <a16:creationId xmlns:a16="http://schemas.microsoft.com/office/drawing/2014/main" id="{EAD2957F-4524-4DA2-B8E5-CF3B818E6236}"/>
+                </a:ext>
+              </a:extLst>
+            </p:cNvPr>
+            <p:cNvSpPr/>
+            <p:nvPr/>
+          </p:nvSpPr>
+          <p:spPr>
+            <a:xfrm>
+              <a:off x="2550780" y="3542480"/>
+              <a:ext cx="241709" cy="241709"/>
+            </a:xfrm>
+            <a:prstGeom prst="ellipse">
+              <a:avLst/>
+            </a:prstGeom>
+            <a:solidFill>
+              <a:srgbClr val="0070C0"/>
+            </a:solidFill>
+            <a:ln>
+              <a:solidFill>
+                <a:srgbClr val="0070C0"/>
+              </a:solidFill>
+            </a:ln>
+          </p:spPr>
+          <p:style>
+            <a:lnRef idx="2">
+              <a:schemeClr val="accent1">
+                <a:shade val="15000"/>
+              </a:schemeClr>
+            </a:lnRef>
+            <a:fillRef idx="1">
+              <a:schemeClr val="accent1"/>
+            </a:fillRef>
+            <a:effectRef idx="0">
+              <a:schemeClr val="accent1"/>
+            </a:effectRef>
+            <a:fontRef idx="minor">
+              <a:schemeClr val="lt1"/>
+            </a:fontRef>
+          </p:style>
+          <p:txBody>
+            <a:bodyPr rtlCol="0" anchor="ctr"/>
+            <a:lstStyle/>
+            <a:p>
+              <a:pPr algn="ctr"/>
+              <a:endParaRPr lang="zh-CN" altLang="en-US">
+                <a:solidFill>
+                  <a:srgbClr val="0070C0"/>
+                </a:solidFill>
+              </a:endParaRPr>
+            </a:p>
+          </p:txBody>
+        </p:sp>
+        <p:sp>
+          <p:nvSpPr>
+            <p:cNvPr id="12" name="文本框 11">
+              <a:extLst>
+                <a:ext uri="{FF2B5EF4-FFF2-40B4-BE49-F238E27FC236}">
+                  <a16:creationId xmlns:a16="http://schemas.microsoft.com/office/drawing/2014/main" id="{0691D719-BB0D-4E59-B46D-244D74DD18AF}"/>
+                </a:ext>
+              </a:extLst>
+            </p:cNvPr>
+            <p:cNvSpPr txBox="1"/>
+            <p:nvPr/>
+          </p:nvSpPr>
+          <p:spPr>
+            <a:xfrm>
+              <a:off x="2073431" y="1340205"/>
+              <a:ext cx="3554227" cy="646331"/>
+            </a:xfrm>
+            <a:prstGeom prst="rect">
+              <a:avLst/>
+            </a:prstGeom>
+            <a:noFill/>
+          </p:spPr>
+          <p:txBody>
+            <a:bodyPr rot="0" spcFirstLastPara="0" vertOverflow="overflow" horzOverflow="overflow" vert="horz" wrap="square" lIns="91440" tIns="45720" rIns="91440" bIns="45720" numCol="1" spcCol="0" rtlCol="0" fromWordArt="0" anchor="t" anchorCtr="0" forceAA="0" compatLnSpc="1">
+              <a:prstTxWarp prst="textNoShape">
+                <a:avLst/>
+              </a:prstTxWarp>
+              <a:spAutoFit/>
+            </a:bodyPr>
+            <a:lstStyle/>
+            <a:p>
+              <a:r>
+                <a:rPr lang="zh-CN" altLang="en-US" dirty="0">
+                  <a:latin typeface="Arial" panose="020B0604020202020204" pitchFamily="34" charset="0"/>
+                  <a:cs typeface="Arial" panose="020B0604020202020204" pitchFamily="34" charset="0"/>
+                </a:rPr>
+                <a:t>20</a:t>
+              </a:r>
+              <a:r>
+                <a:rPr lang="en-US" altLang="zh-CN" dirty="0">
+                  <a:latin typeface="Arial" panose="020B0604020202020204" pitchFamily="34" charset="0"/>
+                  <a:cs typeface="Arial" panose="020B0604020202020204" pitchFamily="34" charset="0"/>
+                </a:rPr>
+                <a:t>13 First project started to use Rust writing Linux kernel drivers</a:t>
+              </a:r>
+              <a:endParaRPr lang="zh-CN" altLang="en-US" dirty="0">
+                <a:latin typeface="Arial" panose="020B0604020202020204" pitchFamily="34" charset="0"/>
+                <a:cs typeface="Arial" panose="020B0604020202020204" pitchFamily="34" charset="0"/>
+              </a:endParaRPr>
+            </a:p>
+          </p:txBody>
+        </p:sp>
+        <p:cxnSp>
+          <p:nvCxnSpPr>
+            <p:cNvPr id="13" name="直接箭头连接符 12">
+              <a:extLst>
+                <a:ext uri="{FF2B5EF4-FFF2-40B4-BE49-F238E27FC236}">
+                  <a16:creationId xmlns:a16="http://schemas.microsoft.com/office/drawing/2014/main" id="{733FE827-D510-4903-8910-251C07FD4FBF}"/>
+                </a:ext>
+              </a:extLst>
+            </p:cNvPr>
+            <p:cNvCxnSpPr>
+              <a:cxnSpLocks/>
+            </p:cNvCxnSpPr>
+            <p:nvPr/>
+          </p:nvCxnSpPr>
+          <p:spPr>
+            <a:xfrm>
+              <a:off x="3662941" y="3642622"/>
+              <a:ext cx="0" cy="1934288"/>
+            </a:xfrm>
+            <a:prstGeom prst="straightConnector1">
+              <a:avLst/>
+            </a:prstGeom>
+            <a:ln w="28575">
+              <a:solidFill>
+                <a:srgbClr val="00B0F0"/>
+              </a:solidFill>
+            </a:ln>
+          </p:spPr>
+          <p:style>
+            <a:lnRef idx="1">
+              <a:schemeClr val="accent1"/>
+            </a:lnRef>
+            <a:fillRef idx="0">
+              <a:schemeClr val="accent1"/>
+            </a:fillRef>
+            <a:effectRef idx="0">
+              <a:schemeClr val="accent1"/>
+            </a:effectRef>
+            <a:fontRef idx="minor">
+              <a:schemeClr val="tx1"/>
+            </a:fontRef>
+          </p:style>
+        </p:cxnSp>
+        <p:sp>
+          <p:nvSpPr>
+            <p:cNvPr id="14" name="椭圆 13">
+              <a:extLst>
+                <a:ext uri="{FF2B5EF4-FFF2-40B4-BE49-F238E27FC236}">
+                  <a16:creationId xmlns:a16="http://schemas.microsoft.com/office/drawing/2014/main" id="{D1D4FD4C-F2E3-436F-A827-B56D7736F01E}"/>
+                </a:ext>
+              </a:extLst>
+            </p:cNvPr>
+            <p:cNvSpPr/>
+            <p:nvPr/>
+          </p:nvSpPr>
+          <p:spPr>
+            <a:xfrm>
+              <a:off x="3543824" y="3519821"/>
+              <a:ext cx="241709" cy="241709"/>
+            </a:xfrm>
+            <a:prstGeom prst="ellipse">
+              <a:avLst/>
+            </a:prstGeom>
+            <a:solidFill>
+              <a:srgbClr val="0070C0"/>
+            </a:solidFill>
+            <a:ln>
+              <a:solidFill>
+                <a:srgbClr val="0070C0"/>
+              </a:solidFill>
+            </a:ln>
+          </p:spPr>
+          <p:style>
+            <a:lnRef idx="2">
+              <a:schemeClr val="accent1">
+                <a:shade val="15000"/>
+              </a:schemeClr>
+            </a:lnRef>
+            <a:fillRef idx="1">
+              <a:schemeClr val="accent1"/>
+            </a:fillRef>
+            <a:effectRef idx="0">
+              <a:schemeClr val="accent1"/>
+            </a:effectRef>
+            <a:fontRef idx="minor">
+              <a:schemeClr val="lt1"/>
+            </a:fontRef>
+          </p:style>
+          <p:txBody>
+            <a:bodyPr rtlCol="0" anchor="ctr"/>
+            <a:lstStyle/>
+            <a:p>
+              <a:pPr algn="ctr"/>
+              <a:endParaRPr lang="zh-CN" altLang="en-US">
+                <a:solidFill>
+                  <a:srgbClr val="0070C0"/>
+                </a:solidFill>
+              </a:endParaRPr>
+            </a:p>
+          </p:txBody>
+        </p:sp>
+        <p:sp>
+          <p:nvSpPr>
+            <p:cNvPr id="15" name="矩形: 圆角 14">
+              <a:extLst>
+                <a:ext uri="{FF2B5EF4-FFF2-40B4-BE49-F238E27FC236}">
+                  <a16:creationId xmlns:a16="http://schemas.microsoft.com/office/drawing/2014/main" id="{137C72DD-BD3A-4E1E-BD53-1EF29BAF3547}"/>
+                </a:ext>
+              </a:extLst>
+            </p:cNvPr>
+            <p:cNvSpPr/>
+            <p:nvPr/>
+          </p:nvSpPr>
+          <p:spPr>
+            <a:xfrm>
+              <a:off x="2401822" y="5084020"/>
+              <a:ext cx="3768435" cy="715975"/>
+            </a:xfrm>
+            <a:prstGeom prst="roundRect">
+              <a:avLst/>
+            </a:prstGeom>
+            <a:solidFill>
+              <a:schemeClr val="bg1"/>
+            </a:solidFill>
+            <a:ln w="28575">
+              <a:solidFill>
+                <a:srgbClr val="00B0F0"/>
+              </a:solidFill>
+            </a:ln>
+          </p:spPr>
+          <p:style>
+            <a:lnRef idx="2">
+              <a:schemeClr val="accent1">
+                <a:shade val="15000"/>
+              </a:schemeClr>
+            </a:lnRef>
+            <a:fillRef idx="1">
+              <a:schemeClr val="accent1"/>
+            </a:fillRef>
+            <a:effectRef idx="0">
+              <a:schemeClr val="accent1"/>
+            </a:effectRef>
+            <a:fontRef idx="minor">
+              <a:schemeClr val="lt1"/>
+            </a:fontRef>
+          </p:style>
+          <p:txBody>
+            <a:bodyPr rtlCol="0" anchor="ctr"/>
+            <a:lstStyle/>
+            <a:p>
+              <a:pPr algn="ctr"/>
+              <a:r>
+                <a:rPr lang="zh-CN" altLang="en-US" dirty="0"/>
+                <a:t>290</a:t>
+              </a:r>
+            </a:p>
+          </p:txBody>
+        </p:sp>
+        <p:sp>
+          <p:nvSpPr>
+            <p:cNvPr id="16" name="文本框 15">
+              <a:extLst>
+                <a:ext uri="{FF2B5EF4-FFF2-40B4-BE49-F238E27FC236}">
+                  <a16:creationId xmlns:a16="http://schemas.microsoft.com/office/drawing/2014/main" id="{C10B3973-A5D9-4F68-AC79-E878B92ED560}"/>
+                </a:ext>
+              </a:extLst>
+            </p:cNvPr>
+            <p:cNvSpPr txBox="1"/>
+            <p:nvPr/>
+          </p:nvSpPr>
+          <p:spPr>
+            <a:xfrm>
+              <a:off x="2374580" y="5122056"/>
+              <a:ext cx="3805696" cy="646331"/>
+            </a:xfrm>
+            <a:prstGeom prst="rect">
+              <a:avLst/>
+            </a:prstGeom>
+            <a:noFill/>
+          </p:spPr>
+          <p:txBody>
+            <a:bodyPr rot="0" spcFirstLastPara="0" vertOverflow="overflow" horzOverflow="overflow" vert="horz" wrap="square" lIns="91440" tIns="45720" rIns="91440" bIns="45720" numCol="1" spcCol="0" rtlCol="0" fromWordArt="0" anchor="t" anchorCtr="0" forceAA="0" compatLnSpc="1">
+              <a:prstTxWarp prst="textNoShape">
+                <a:avLst/>
+              </a:prstTxWarp>
+              <a:spAutoFit/>
+            </a:bodyPr>
+            <a:lstStyle/>
+            <a:p>
+              <a:r>
+                <a:rPr lang="en-US" altLang="zh-CN" dirty="0">
+                  <a:latin typeface="Arial" panose="020B0604020202020204" pitchFamily="34" charset="0"/>
+                  <a:cs typeface="Arial" panose="020B0604020202020204" pitchFamily="34" charset="0"/>
+                </a:rPr>
+                <a:t>2019 First public presentation of the </a:t>
+              </a:r>
+              <a:r>
+                <a:rPr lang="en-US" altLang="zh-CN" dirty="0" err="1">
+                  <a:latin typeface="Arial" panose="020B0604020202020204" pitchFamily="34" charset="0"/>
+                  <a:cs typeface="Arial" panose="020B0604020202020204" pitchFamily="34" charset="0"/>
+                </a:rPr>
+                <a:t>linux</a:t>
+              </a:r>
+              <a:r>
+                <a:rPr lang="en-US" altLang="zh-CN" dirty="0">
+                  <a:latin typeface="Arial" panose="020B0604020202020204" pitchFamily="34" charset="0"/>
+                  <a:cs typeface="Arial" panose="020B0604020202020204" pitchFamily="34" charset="0"/>
+                </a:rPr>
+                <a:t>-kernel-module-rust project</a:t>
+              </a:r>
+              <a:endParaRPr lang="zh-CN" altLang="en-US" dirty="0">
+                <a:latin typeface="Arial" panose="020B0604020202020204" pitchFamily="34" charset="0"/>
+                <a:cs typeface="Arial" panose="020B0604020202020204" pitchFamily="34" charset="0"/>
+              </a:endParaRPr>
+            </a:p>
+          </p:txBody>
+        </p:sp>
+        <p:cxnSp>
+          <p:nvCxnSpPr>
+            <p:cNvPr id="29" name="直接箭头连接符 28">
+              <a:extLst>
+                <a:ext uri="{FF2B5EF4-FFF2-40B4-BE49-F238E27FC236}">
+                  <a16:creationId xmlns:a16="http://schemas.microsoft.com/office/drawing/2014/main" id="{0523F07B-0C92-45DB-ACFA-A91A588BEE03}"/>
+                </a:ext>
+              </a:extLst>
+            </p:cNvPr>
+            <p:cNvCxnSpPr>
+              <a:cxnSpLocks/>
+            </p:cNvCxnSpPr>
+            <p:nvPr/>
+          </p:nvCxnSpPr>
+          <p:spPr>
+            <a:xfrm flipH="1">
+              <a:off x="5696309" y="3622957"/>
+              <a:ext cx="1987" cy="919031"/>
+            </a:xfrm>
+            <a:prstGeom prst="straightConnector1">
+              <a:avLst/>
+            </a:prstGeom>
+            <a:ln w="28575">
+              <a:solidFill>
+                <a:srgbClr val="00B0F0"/>
+              </a:solidFill>
+            </a:ln>
+          </p:spPr>
+          <p:style>
+            <a:lnRef idx="1">
+              <a:schemeClr val="accent1"/>
+            </a:lnRef>
+            <a:fillRef idx="0">
+              <a:schemeClr val="accent1"/>
+            </a:fillRef>
+            <a:effectRef idx="0">
+              <a:schemeClr val="accent1"/>
+            </a:effectRef>
+            <a:fontRef idx="minor">
+              <a:schemeClr val="tx1"/>
+            </a:fontRef>
+          </p:style>
+        </p:cxnSp>
+        <p:sp>
+          <p:nvSpPr>
+            <p:cNvPr id="30" name="椭圆 29">
+              <a:extLst>
+                <a:ext uri="{FF2B5EF4-FFF2-40B4-BE49-F238E27FC236}">
+                  <a16:creationId xmlns:a16="http://schemas.microsoft.com/office/drawing/2014/main" id="{E8AFFCEE-CE47-44A0-BA0C-310463CE3FF5}"/>
+                </a:ext>
+              </a:extLst>
+            </p:cNvPr>
+            <p:cNvSpPr/>
+            <p:nvPr/>
+          </p:nvSpPr>
+          <p:spPr>
+            <a:xfrm>
+              <a:off x="5575455" y="3519821"/>
+              <a:ext cx="241709" cy="241709"/>
+            </a:xfrm>
+            <a:prstGeom prst="ellipse">
+              <a:avLst/>
+            </a:prstGeom>
+            <a:solidFill>
+              <a:srgbClr val="0070C0"/>
+            </a:solidFill>
+            <a:ln>
+              <a:solidFill>
+                <a:srgbClr val="0070C0"/>
+              </a:solidFill>
+            </a:ln>
+          </p:spPr>
+          <p:style>
+            <a:lnRef idx="2">
+              <a:schemeClr val="accent1">
+                <a:shade val="15000"/>
+              </a:schemeClr>
+            </a:lnRef>
+            <a:fillRef idx="1">
+              <a:schemeClr val="accent1"/>
+            </a:fillRef>
+            <a:effectRef idx="0">
+              <a:schemeClr val="accent1"/>
+            </a:effectRef>
+            <a:fontRef idx="minor">
+              <a:schemeClr val="lt1"/>
+            </a:fontRef>
+          </p:style>
+          <p:txBody>
+            <a:bodyPr rtlCol="0" anchor="ctr"/>
+            <a:lstStyle/>
+            <a:p>
+              <a:pPr algn="ctr"/>
+              <a:endParaRPr lang="zh-CN" altLang="en-US">
+                <a:solidFill>
+                  <a:srgbClr val="0070C0"/>
+                </a:solidFill>
+              </a:endParaRPr>
+            </a:p>
+          </p:txBody>
+        </p:sp>
+        <p:sp>
+          <p:nvSpPr>
+            <p:cNvPr id="31" name="矩形: 圆角 30">
+              <a:extLst>
+                <a:ext uri="{FF2B5EF4-FFF2-40B4-BE49-F238E27FC236}">
+                  <a16:creationId xmlns:a16="http://schemas.microsoft.com/office/drawing/2014/main" id="{F09EB6F6-535D-4AB9-972D-5E122E0D9E91}"/>
+                </a:ext>
+              </a:extLst>
+            </p:cNvPr>
+            <p:cNvSpPr/>
+            <p:nvPr/>
+          </p:nvSpPr>
+          <p:spPr>
+            <a:xfrm>
+              <a:off x="4129532" y="3993441"/>
+              <a:ext cx="3133554" cy="659317"/>
+            </a:xfrm>
+            <a:prstGeom prst="roundRect">
+              <a:avLst/>
+            </a:prstGeom>
+            <a:solidFill>
+              <a:schemeClr val="bg1"/>
+            </a:solidFill>
+            <a:ln w="28575">
+              <a:solidFill>
+                <a:srgbClr val="00B0F0"/>
+              </a:solidFill>
+            </a:ln>
+          </p:spPr>
+          <p:style>
+            <a:lnRef idx="2">
+              <a:schemeClr val="accent1">
+                <a:shade val="15000"/>
+              </a:schemeClr>
+            </a:lnRef>
+            <a:fillRef idx="1">
+              <a:schemeClr val="accent1"/>
+            </a:fillRef>
+            <a:effectRef idx="0">
+              <a:schemeClr val="accent1"/>
+            </a:effectRef>
+            <a:fontRef idx="minor">
+              <a:schemeClr val="lt1"/>
+            </a:fontRef>
+          </p:style>
+          <p:txBody>
+            <a:bodyPr rtlCol="0" anchor="ctr"/>
+            <a:lstStyle/>
+            <a:p>
+              <a:pPr algn="ctr"/>
+              <a:r>
+                <a:rPr lang="zh-CN" altLang="en-US" dirty="0">
+                  <a:ea typeface="等线"/>
+                  <a:cs typeface="Calibri"/>
+                </a:rPr>
+                <a:t>290</a:t>
+              </a:r>
+              <a:endParaRPr lang="zh-CN" dirty="0"/>
+            </a:p>
+          </p:txBody>
+        </p:sp>
+        <p:cxnSp>
+          <p:nvCxnSpPr>
+            <p:cNvPr id="40" name="直接箭头连接符 39">
+              <a:extLst>
+                <a:ext uri="{FF2B5EF4-FFF2-40B4-BE49-F238E27FC236}">
+                  <a16:creationId xmlns:a16="http://schemas.microsoft.com/office/drawing/2014/main" id="{4F197F71-4AFF-4A43-A7F7-64DF4E20A326}"/>
+                </a:ext>
+              </a:extLst>
+            </p:cNvPr>
+            <p:cNvCxnSpPr>
+              <a:cxnSpLocks/>
+            </p:cNvCxnSpPr>
+            <p:nvPr/>
+          </p:nvCxnSpPr>
+          <p:spPr>
+            <a:xfrm>
+              <a:off x="4764593" y="2828012"/>
+              <a:ext cx="0" cy="788927"/>
+            </a:xfrm>
+            <a:prstGeom prst="straightConnector1">
+              <a:avLst/>
+            </a:prstGeom>
+            <a:ln w="28575">
+              <a:solidFill>
+                <a:srgbClr val="00B0F0"/>
+              </a:solidFill>
+            </a:ln>
+          </p:spPr>
+          <p:style>
+            <a:lnRef idx="1">
+              <a:schemeClr val="accent1"/>
+            </a:lnRef>
+            <a:fillRef idx="0">
+              <a:schemeClr val="accent1"/>
+            </a:fillRef>
+            <a:effectRef idx="0">
+              <a:schemeClr val="accent1"/>
+            </a:effectRef>
+            <a:fontRef idx="minor">
+              <a:schemeClr val="tx1"/>
+            </a:fontRef>
+          </p:style>
+        </p:cxnSp>
+        <p:sp>
+          <p:nvSpPr>
+            <p:cNvPr id="41" name="矩形: 圆角 40">
+              <a:extLst>
+                <a:ext uri="{FF2B5EF4-FFF2-40B4-BE49-F238E27FC236}">
+                  <a16:creationId xmlns:a16="http://schemas.microsoft.com/office/drawing/2014/main" id="{793AAAD4-7178-4503-990C-FCA97E3B9EC6}"/>
+                </a:ext>
+              </a:extLst>
+            </p:cNvPr>
+            <p:cNvSpPr/>
+            <p:nvPr/>
+          </p:nvSpPr>
+          <p:spPr>
+            <a:xfrm>
+              <a:off x="3218782" y="2213538"/>
+              <a:ext cx="3283282" cy="963649"/>
+            </a:xfrm>
+            <a:prstGeom prst="roundRect">
+              <a:avLst/>
+            </a:prstGeom>
+            <a:solidFill>
+              <a:schemeClr val="bg1"/>
+            </a:solidFill>
+            <a:ln w="28575">
+              <a:solidFill>
+                <a:srgbClr val="00B0F0"/>
+              </a:solidFill>
+            </a:ln>
+          </p:spPr>
+          <p:style>
+            <a:lnRef idx="2">
+              <a:schemeClr val="accent1">
+                <a:shade val="15000"/>
+              </a:schemeClr>
+            </a:lnRef>
+            <a:fillRef idx="1">
+              <a:schemeClr val="accent1"/>
+            </a:fillRef>
+            <a:effectRef idx="0">
+              <a:schemeClr val="accent1"/>
+            </a:effectRef>
+            <a:fontRef idx="minor">
+              <a:schemeClr val="lt1"/>
+            </a:fontRef>
+          </p:style>
+          <p:txBody>
+            <a:bodyPr rtlCol="0" anchor="ctr"/>
+            <a:lstStyle/>
+            <a:p>
+              <a:pPr algn="ctr"/>
+              <a:r>
+                <a:rPr lang="zh-CN" altLang="en-US" dirty="0">
+                  <a:ea typeface="等线"/>
+                  <a:cs typeface="Calibri"/>
+                </a:rPr>
+                <a:t>290</a:t>
+              </a:r>
+              <a:endParaRPr lang="zh-CN" dirty="0"/>
+            </a:p>
+          </p:txBody>
+        </p:sp>
+        <p:sp>
+          <p:nvSpPr>
+            <p:cNvPr id="42" name="椭圆 41">
+              <a:extLst>
+                <a:ext uri="{FF2B5EF4-FFF2-40B4-BE49-F238E27FC236}">
+                  <a16:creationId xmlns:a16="http://schemas.microsoft.com/office/drawing/2014/main" id="{E9E93837-C7AB-4A28-B174-351CA090E7DD}"/>
+                </a:ext>
+              </a:extLst>
+            </p:cNvPr>
+            <p:cNvSpPr/>
+            <p:nvPr/>
+          </p:nvSpPr>
+          <p:spPr>
+            <a:xfrm>
+              <a:off x="4644660" y="3542480"/>
+              <a:ext cx="241709" cy="241709"/>
+            </a:xfrm>
+            <a:prstGeom prst="ellipse">
+              <a:avLst/>
+            </a:prstGeom>
+            <a:solidFill>
+              <a:srgbClr val="0070C0"/>
+            </a:solidFill>
+            <a:ln>
+              <a:solidFill>
+                <a:srgbClr val="0070C0"/>
+              </a:solidFill>
+            </a:ln>
+          </p:spPr>
+          <p:style>
+            <a:lnRef idx="2">
+              <a:schemeClr val="accent1">
+                <a:shade val="15000"/>
+              </a:schemeClr>
+            </a:lnRef>
+            <a:fillRef idx="1">
+              <a:schemeClr val="accent1"/>
+            </a:fillRef>
+            <a:effectRef idx="0">
+              <a:schemeClr val="accent1"/>
+            </a:effectRef>
+            <a:fontRef idx="minor">
+              <a:schemeClr val="lt1"/>
+            </a:fontRef>
+          </p:style>
+          <p:txBody>
+            <a:bodyPr rtlCol="0" anchor="ctr"/>
+            <a:lstStyle/>
+            <a:p>
+              <a:pPr algn="ctr"/>
+              <a:endParaRPr lang="zh-CN" altLang="en-US">
+                <a:solidFill>
+                  <a:srgbClr val="0070C0"/>
+                </a:solidFill>
+              </a:endParaRPr>
+            </a:p>
+          </p:txBody>
+        </p:sp>
+        <p:sp>
+          <p:nvSpPr>
+            <p:cNvPr id="43" name="文本框 42">
+              <a:extLst>
+                <a:ext uri="{FF2B5EF4-FFF2-40B4-BE49-F238E27FC236}">
+                  <a16:creationId xmlns:a16="http://schemas.microsoft.com/office/drawing/2014/main" id="{B3A5F285-000B-41B4-B866-749819E7B6B6}"/>
+                </a:ext>
+              </a:extLst>
+            </p:cNvPr>
+            <p:cNvSpPr txBox="1"/>
+            <p:nvPr/>
+          </p:nvSpPr>
+          <p:spPr>
+            <a:xfrm>
+              <a:off x="3308110" y="2253858"/>
+              <a:ext cx="3156517" cy="923330"/>
+            </a:xfrm>
+            <a:prstGeom prst="rect">
+              <a:avLst/>
+            </a:prstGeom>
+            <a:noFill/>
+          </p:spPr>
+          <p:txBody>
+            <a:bodyPr rot="0" spcFirstLastPara="0" vertOverflow="overflow" horzOverflow="overflow" vert="horz" wrap="square" lIns="91440" tIns="45720" rIns="91440" bIns="45720" numCol="1" spcCol="0" rtlCol="0" fromWordArt="0" anchor="t" anchorCtr="0" forceAA="0" compatLnSpc="1">
+              <a:prstTxWarp prst="textNoShape">
+                <a:avLst/>
+              </a:prstTxWarp>
+              <a:spAutoFit/>
+            </a:bodyPr>
+            <a:lstStyle/>
+            <a:p>
+              <a:r>
+                <a:rPr lang="zh-CN" altLang="en-US" dirty="0">
+                  <a:latin typeface="Arial" panose="020B0604020202020204" pitchFamily="34" charset="0"/>
+                  <a:cs typeface="Arial" panose="020B0604020202020204" pitchFamily="34" charset="0"/>
+                </a:rPr>
+                <a:t>20</a:t>
+              </a:r>
+              <a:r>
+                <a:rPr lang="en-US" altLang="zh-CN" dirty="0">
+                  <a:latin typeface="Arial" panose="020B0604020202020204" pitchFamily="34" charset="0"/>
+                  <a:cs typeface="Arial" panose="020B0604020202020204" pitchFamily="34" charset="0"/>
+                </a:rPr>
+                <a:t>20 First session in LPC to bring attention from the community</a:t>
+              </a:r>
+              <a:endParaRPr lang="zh-CN" altLang="en-US" dirty="0">
+                <a:latin typeface="Arial" panose="020B0604020202020204" pitchFamily="34" charset="0"/>
+                <a:cs typeface="Arial" panose="020B0604020202020204" pitchFamily="34" charset="0"/>
+              </a:endParaRPr>
+            </a:p>
+          </p:txBody>
+        </p:sp>
+        <p:sp>
+          <p:nvSpPr>
+            <p:cNvPr id="47" name="文本框 46">
+              <a:extLst>
+                <a:ext uri="{FF2B5EF4-FFF2-40B4-BE49-F238E27FC236}">
+                  <a16:creationId xmlns:a16="http://schemas.microsoft.com/office/drawing/2014/main" id="{3CED8707-1F56-4062-B0D1-B1227E556E01}"/>
+                </a:ext>
+              </a:extLst>
+            </p:cNvPr>
+            <p:cNvSpPr txBox="1"/>
+            <p:nvPr/>
+          </p:nvSpPr>
+          <p:spPr>
+            <a:xfrm>
+              <a:off x="4187008" y="4006427"/>
+              <a:ext cx="3018601" cy="646331"/>
+            </a:xfrm>
+            <a:prstGeom prst="rect">
+              <a:avLst/>
+            </a:prstGeom>
+            <a:noFill/>
+          </p:spPr>
+          <p:txBody>
+            <a:bodyPr rot="0" spcFirstLastPara="0" vertOverflow="overflow" horzOverflow="overflow" vert="horz" wrap="square" lIns="91440" tIns="45720" rIns="91440" bIns="45720" numCol="1" spcCol="0" rtlCol="0" fromWordArt="0" anchor="t" anchorCtr="0" forceAA="0" compatLnSpc="1">
+              <a:prstTxWarp prst="textNoShape">
+                <a:avLst/>
+              </a:prstTxWarp>
+              <a:spAutoFit/>
+            </a:bodyPr>
+            <a:lstStyle/>
+            <a:p>
+              <a:r>
+                <a:rPr lang="en-US" altLang="zh-CN" dirty="0">
+                  <a:latin typeface="Arial" panose="020B0604020202020204" pitchFamily="34" charset="0"/>
+                  <a:cs typeface="Arial" panose="020B0604020202020204" pitchFamily="34" charset="0"/>
+                </a:rPr>
+                <a:t>2020 First PR of RFL was committed on the GitHub</a:t>
+              </a:r>
+              <a:endParaRPr lang="zh-CN" altLang="en-US" dirty="0">
+                <a:latin typeface="Arial" panose="020B0604020202020204" pitchFamily="34" charset="0"/>
+                <a:cs typeface="Arial" panose="020B0604020202020204" pitchFamily="34" charset="0"/>
+              </a:endParaRPr>
+            </a:p>
+          </p:txBody>
+        </p:sp>
+        <p:cxnSp>
+          <p:nvCxnSpPr>
+            <p:cNvPr id="52" name="直接箭头连接符 51">
+              <a:extLst>
+                <a:ext uri="{FF2B5EF4-FFF2-40B4-BE49-F238E27FC236}">
+                  <a16:creationId xmlns:a16="http://schemas.microsoft.com/office/drawing/2014/main" id="{0E1C5DAA-D2E8-475E-B790-322133A01295}"/>
+                </a:ext>
+              </a:extLst>
+            </p:cNvPr>
+            <p:cNvCxnSpPr>
+              <a:cxnSpLocks/>
+            </p:cNvCxnSpPr>
+            <p:nvPr/>
+          </p:nvCxnSpPr>
+          <p:spPr>
+            <a:xfrm>
+              <a:off x="6764339" y="1972349"/>
+              <a:ext cx="0" cy="1644590"/>
+            </a:xfrm>
+            <a:prstGeom prst="straightConnector1">
+              <a:avLst/>
+            </a:prstGeom>
+            <a:ln w="28575">
+              <a:solidFill>
+                <a:srgbClr val="00B0F0"/>
+              </a:solidFill>
+            </a:ln>
+          </p:spPr>
+          <p:style>
+            <a:lnRef idx="1">
+              <a:schemeClr val="accent1"/>
+            </a:lnRef>
+            <a:fillRef idx="0">
+              <a:schemeClr val="accent1"/>
+            </a:fillRef>
+            <a:effectRef idx="0">
+              <a:schemeClr val="accent1"/>
+            </a:effectRef>
+            <a:fontRef idx="minor">
+              <a:schemeClr val="tx1"/>
+            </a:fontRef>
+          </p:style>
+        </p:cxnSp>
+        <p:sp>
+          <p:nvSpPr>
+            <p:cNvPr id="53" name="矩形: 圆角 52">
+              <a:extLst>
+                <a:ext uri="{FF2B5EF4-FFF2-40B4-BE49-F238E27FC236}">
+                  <a16:creationId xmlns:a16="http://schemas.microsoft.com/office/drawing/2014/main" id="{CC24FA15-8A84-4DF3-9613-02719CF5FDC7}"/>
+                </a:ext>
+              </a:extLst>
+            </p:cNvPr>
+            <p:cNvSpPr/>
+            <p:nvPr/>
+          </p:nvSpPr>
+          <p:spPr>
+            <a:xfrm>
+              <a:off x="6102395" y="1329158"/>
+              <a:ext cx="3508889" cy="635958"/>
+            </a:xfrm>
+            <a:prstGeom prst="roundRect">
+              <a:avLst/>
+            </a:prstGeom>
+            <a:solidFill>
+              <a:schemeClr val="bg1"/>
+            </a:solidFill>
+            <a:ln w="28575">
+              <a:solidFill>
+                <a:srgbClr val="00B0F0"/>
+              </a:solidFill>
+            </a:ln>
+          </p:spPr>
+          <p:style>
+            <a:lnRef idx="2">
+              <a:schemeClr val="accent1">
+                <a:shade val="15000"/>
+              </a:schemeClr>
+            </a:lnRef>
+            <a:fillRef idx="1">
+              <a:schemeClr val="accent1"/>
+            </a:fillRef>
+            <a:effectRef idx="0">
+              <a:schemeClr val="accent1"/>
+            </a:effectRef>
+            <a:fontRef idx="minor">
+              <a:schemeClr val="lt1"/>
+            </a:fontRef>
+          </p:style>
+          <p:txBody>
+            <a:bodyPr rtlCol="0" anchor="ctr"/>
+            <a:lstStyle/>
+            <a:p>
+              <a:pPr algn="ctr"/>
+              <a:r>
+                <a:rPr lang="zh-CN" altLang="en-US" dirty="0">
+                  <a:ea typeface="等线"/>
+                  <a:cs typeface="Calibri"/>
+                </a:rPr>
+                <a:t>290</a:t>
+              </a:r>
+              <a:endParaRPr lang="zh-CN" dirty="0"/>
+            </a:p>
+          </p:txBody>
+        </p:sp>
+        <p:sp>
+          <p:nvSpPr>
+            <p:cNvPr id="54" name="椭圆 53">
+              <a:extLst>
+                <a:ext uri="{FF2B5EF4-FFF2-40B4-BE49-F238E27FC236}">
+                  <a16:creationId xmlns:a16="http://schemas.microsoft.com/office/drawing/2014/main" id="{CDF39267-214F-41EB-B4A7-C4B5123C5DDF}"/>
+                </a:ext>
+              </a:extLst>
+            </p:cNvPr>
+            <p:cNvSpPr/>
+            <p:nvPr/>
+          </p:nvSpPr>
+          <p:spPr>
+            <a:xfrm>
+              <a:off x="6644406" y="3542480"/>
+              <a:ext cx="241709" cy="241709"/>
+            </a:xfrm>
+            <a:prstGeom prst="ellipse">
+              <a:avLst/>
+            </a:prstGeom>
+            <a:solidFill>
+              <a:srgbClr val="0070C0"/>
+            </a:solidFill>
+            <a:ln>
+              <a:solidFill>
+                <a:srgbClr val="0070C0"/>
+              </a:solidFill>
+            </a:ln>
+          </p:spPr>
+          <p:style>
+            <a:lnRef idx="2">
+              <a:schemeClr val="accent1">
+                <a:shade val="15000"/>
+              </a:schemeClr>
+            </a:lnRef>
+            <a:fillRef idx="1">
+              <a:schemeClr val="accent1"/>
+            </a:fillRef>
+            <a:effectRef idx="0">
+              <a:schemeClr val="accent1"/>
+            </a:effectRef>
+            <a:fontRef idx="minor">
+              <a:schemeClr val="lt1"/>
+            </a:fontRef>
+          </p:style>
+          <p:txBody>
+            <a:bodyPr rtlCol="0" anchor="ctr"/>
+            <a:lstStyle/>
+            <a:p>
+              <a:pPr algn="ctr"/>
+              <a:endParaRPr lang="zh-CN" altLang="en-US">
+                <a:solidFill>
+                  <a:srgbClr val="0070C0"/>
+                </a:solidFill>
+              </a:endParaRPr>
+            </a:p>
+          </p:txBody>
+        </p:sp>
+        <p:sp>
+          <p:nvSpPr>
+            <p:cNvPr id="55" name="文本框 54">
+              <a:extLst>
+                <a:ext uri="{FF2B5EF4-FFF2-40B4-BE49-F238E27FC236}">
+                  <a16:creationId xmlns:a16="http://schemas.microsoft.com/office/drawing/2014/main" id="{3DD74712-E9CE-45DB-B47B-2A3A14484686}"/>
+                </a:ext>
+              </a:extLst>
+            </p:cNvPr>
+            <p:cNvSpPr txBox="1"/>
+            <p:nvPr/>
+          </p:nvSpPr>
+          <p:spPr>
+            <a:xfrm>
+              <a:off x="6170259" y="1340205"/>
+              <a:ext cx="3554227" cy="646331"/>
+            </a:xfrm>
+            <a:prstGeom prst="rect">
+              <a:avLst/>
+            </a:prstGeom>
+            <a:noFill/>
+          </p:spPr>
+          <p:txBody>
+            <a:bodyPr rot="0" spcFirstLastPara="0" vertOverflow="overflow" horzOverflow="overflow" vert="horz" wrap="square" lIns="91440" tIns="45720" rIns="91440" bIns="45720" numCol="1" spcCol="0" rtlCol="0" fromWordArt="0" anchor="t" anchorCtr="0" forceAA="0" compatLnSpc="1">
+              <a:prstTxWarp prst="textNoShape">
+                <a:avLst/>
+              </a:prstTxWarp>
+              <a:spAutoFit/>
+            </a:bodyPr>
+            <a:lstStyle/>
+            <a:p>
+              <a:r>
+                <a:rPr lang="zh-CN" altLang="en-US" dirty="0">
+                  <a:latin typeface="Arial" panose="020B0604020202020204" pitchFamily="34" charset="0"/>
+                  <a:cs typeface="Arial" panose="020B0604020202020204" pitchFamily="34" charset="0"/>
+                </a:rPr>
+                <a:t>20</a:t>
+              </a:r>
+              <a:r>
+                <a:rPr lang="en-US" altLang="zh-CN" dirty="0">
+                  <a:latin typeface="Arial" panose="020B0604020202020204" pitchFamily="34" charset="0"/>
+                  <a:cs typeface="Arial" panose="020B0604020202020204" pitchFamily="34" charset="0"/>
+                </a:rPr>
+                <a:t>21 First RFC of RFL in the mailing list</a:t>
+              </a:r>
+              <a:endParaRPr lang="zh-CN" altLang="en-US" dirty="0">
+                <a:latin typeface="Arial" panose="020B0604020202020204" pitchFamily="34" charset="0"/>
+                <a:cs typeface="Arial" panose="020B0604020202020204" pitchFamily="34" charset="0"/>
+              </a:endParaRPr>
+            </a:p>
+          </p:txBody>
+        </p:sp>
+        <p:cxnSp>
+          <p:nvCxnSpPr>
+            <p:cNvPr id="56" name="直接箭头连接符 55">
+              <a:extLst>
+                <a:ext uri="{FF2B5EF4-FFF2-40B4-BE49-F238E27FC236}">
+                  <a16:creationId xmlns:a16="http://schemas.microsoft.com/office/drawing/2014/main" id="{8B9A2E23-F1DD-4DF1-9C73-BC2B6E19B698}"/>
+                </a:ext>
+              </a:extLst>
+            </p:cNvPr>
+            <p:cNvCxnSpPr>
+              <a:cxnSpLocks/>
+            </p:cNvCxnSpPr>
+            <p:nvPr/>
+          </p:nvCxnSpPr>
+          <p:spPr>
+            <a:xfrm>
+              <a:off x="7759271" y="3680658"/>
+              <a:ext cx="0" cy="1934288"/>
+            </a:xfrm>
+            <a:prstGeom prst="straightConnector1">
+              <a:avLst/>
+            </a:prstGeom>
+            <a:ln w="28575">
+              <a:solidFill>
+                <a:srgbClr val="00B0F0"/>
+              </a:solidFill>
+            </a:ln>
+          </p:spPr>
+          <p:style>
+            <a:lnRef idx="1">
+              <a:schemeClr val="accent1"/>
+            </a:lnRef>
+            <a:fillRef idx="0">
+              <a:schemeClr val="accent1"/>
+            </a:fillRef>
+            <a:effectRef idx="0">
+              <a:schemeClr val="accent1"/>
+            </a:effectRef>
+            <a:fontRef idx="minor">
+              <a:schemeClr val="tx1"/>
+            </a:fontRef>
+          </p:style>
+        </p:cxnSp>
+        <p:sp>
+          <p:nvSpPr>
+            <p:cNvPr id="57" name="椭圆 56">
+              <a:extLst>
+                <a:ext uri="{FF2B5EF4-FFF2-40B4-BE49-F238E27FC236}">
+                  <a16:creationId xmlns:a16="http://schemas.microsoft.com/office/drawing/2014/main" id="{50F512EE-9D87-423D-845D-5D94EA5FDC40}"/>
+                </a:ext>
+              </a:extLst>
+            </p:cNvPr>
+            <p:cNvSpPr/>
+            <p:nvPr/>
+          </p:nvSpPr>
+          <p:spPr>
+            <a:xfrm>
+              <a:off x="7640154" y="3557857"/>
+              <a:ext cx="241709" cy="241709"/>
+            </a:xfrm>
+            <a:prstGeom prst="ellipse">
+              <a:avLst/>
+            </a:prstGeom>
+            <a:solidFill>
+              <a:srgbClr val="0070C0"/>
+            </a:solidFill>
+            <a:ln>
+              <a:solidFill>
+                <a:srgbClr val="0070C0"/>
+              </a:solidFill>
+            </a:ln>
+          </p:spPr>
+          <p:style>
+            <a:lnRef idx="2">
+              <a:schemeClr val="accent1">
+                <a:shade val="15000"/>
+              </a:schemeClr>
+            </a:lnRef>
+            <a:fillRef idx="1">
+              <a:schemeClr val="accent1"/>
+            </a:fillRef>
+            <a:effectRef idx="0">
+              <a:schemeClr val="accent1"/>
+            </a:effectRef>
+            <a:fontRef idx="minor">
+              <a:schemeClr val="lt1"/>
+            </a:fontRef>
+          </p:style>
+          <p:txBody>
+            <a:bodyPr rtlCol="0" anchor="ctr"/>
+            <a:lstStyle/>
+            <a:p>
+              <a:pPr algn="ctr"/>
+              <a:endParaRPr lang="zh-CN" altLang="en-US">
+                <a:solidFill>
+                  <a:srgbClr val="0070C0"/>
+                </a:solidFill>
+              </a:endParaRPr>
+            </a:p>
+          </p:txBody>
+        </p:sp>
+        <p:sp>
+          <p:nvSpPr>
+            <p:cNvPr id="58" name="矩形: 圆角 57">
+              <a:extLst>
+                <a:ext uri="{FF2B5EF4-FFF2-40B4-BE49-F238E27FC236}">
+                  <a16:creationId xmlns:a16="http://schemas.microsoft.com/office/drawing/2014/main" id="{CE3BF6E0-66FD-41C8-BFF2-3B684F31B10A}"/>
+                </a:ext>
+              </a:extLst>
+            </p:cNvPr>
+            <p:cNvSpPr/>
+            <p:nvPr/>
+          </p:nvSpPr>
+          <p:spPr>
+            <a:xfrm>
+              <a:off x="6502064" y="5118195"/>
+              <a:ext cx="3032141" cy="715975"/>
+            </a:xfrm>
+            <a:prstGeom prst="roundRect">
+              <a:avLst/>
+            </a:prstGeom>
+            <a:solidFill>
+              <a:schemeClr val="bg1"/>
+            </a:solidFill>
+            <a:ln w="28575">
+              <a:solidFill>
+                <a:srgbClr val="00B0F0"/>
+              </a:solidFill>
+            </a:ln>
+          </p:spPr>
+          <p:style>
+            <a:lnRef idx="2">
+              <a:schemeClr val="accent1">
+                <a:shade val="15000"/>
+              </a:schemeClr>
+            </a:lnRef>
+            <a:fillRef idx="1">
+              <a:schemeClr val="accent1"/>
+            </a:fillRef>
+            <a:effectRef idx="0">
+              <a:schemeClr val="accent1"/>
+            </a:effectRef>
+            <a:fontRef idx="minor">
+              <a:schemeClr val="lt1"/>
+            </a:fontRef>
+          </p:style>
+          <p:txBody>
+            <a:bodyPr rtlCol="0" anchor="ctr"/>
+            <a:lstStyle/>
+            <a:p>
+              <a:pPr algn="ctr"/>
+              <a:r>
+                <a:rPr lang="zh-CN" altLang="en-US" dirty="0"/>
+                <a:t>290</a:t>
+              </a:r>
+            </a:p>
+          </p:txBody>
+        </p:sp>
+        <p:sp>
+          <p:nvSpPr>
+            <p:cNvPr id="61" name="文本框 60">
+              <a:extLst>
+                <a:ext uri="{FF2B5EF4-FFF2-40B4-BE49-F238E27FC236}">
+                  <a16:creationId xmlns:a16="http://schemas.microsoft.com/office/drawing/2014/main" id="{56395EF6-3E2C-47A9-8F8D-A4FA77FFC4B6}"/>
+                </a:ext>
+              </a:extLst>
+            </p:cNvPr>
+            <p:cNvSpPr txBox="1"/>
+            <p:nvPr/>
+          </p:nvSpPr>
+          <p:spPr>
+            <a:xfrm>
+              <a:off x="6477059" y="5122056"/>
+              <a:ext cx="3018602" cy="923330"/>
+            </a:xfrm>
+            <a:prstGeom prst="rect">
+              <a:avLst/>
+            </a:prstGeom>
+            <a:noFill/>
+          </p:spPr>
+          <p:txBody>
+            <a:bodyPr rot="0" spcFirstLastPara="0" vertOverflow="overflow" horzOverflow="overflow" vert="horz" wrap="square" lIns="91440" tIns="45720" rIns="91440" bIns="45720" numCol="1" spcCol="0" rtlCol="0" fromWordArt="0" anchor="t" anchorCtr="0" forceAA="0" compatLnSpc="1">
+              <a:prstTxWarp prst="textNoShape">
+                <a:avLst/>
+              </a:prstTxWarp>
+              <a:spAutoFit/>
+            </a:bodyPr>
+            <a:lstStyle/>
+            <a:p>
+              <a:r>
+                <a:rPr lang="zh-CN" altLang="en-US" dirty="0">
+                  <a:latin typeface="Arial" panose="020B0604020202020204" pitchFamily="34" charset="0"/>
+                  <a:cs typeface="Arial" panose="020B0604020202020204" pitchFamily="34" charset="0"/>
+                </a:rPr>
+                <a:t>20</a:t>
+              </a:r>
+              <a:r>
+                <a:rPr lang="en-US" altLang="zh-CN" dirty="0">
+                  <a:latin typeface="Arial" panose="020B0604020202020204" pitchFamily="34" charset="0"/>
+                  <a:cs typeface="Arial" panose="020B0604020202020204" pitchFamily="34" charset="0"/>
+                </a:rPr>
+                <a:t>22 RFL was merged into the Linux mainline in 6.1</a:t>
+              </a:r>
+              <a:endParaRPr lang="zh-CN" altLang="en-US" dirty="0">
+                <a:latin typeface="Arial" panose="020B0604020202020204" pitchFamily="34" charset="0"/>
+                <a:cs typeface="Arial" panose="020B0604020202020204" pitchFamily="34" charset="0"/>
+              </a:endParaRPr>
+            </a:p>
+            <a:p>
+              <a:endParaRPr lang="zh-CN" altLang="en-US" dirty="0">
+                <a:latin typeface="Arial" panose="020B0604020202020204" pitchFamily="34" charset="0"/>
+                <a:cs typeface="Arial" panose="020B0604020202020204" pitchFamily="34" charset="0"/>
+              </a:endParaRPr>
+            </a:p>
+          </p:txBody>
+        </p:sp>
+      </p:grpSp>
+    </p:spTree>
+    <p:extLst>
+      <p:ext uri="{BB962C8B-B14F-4D97-AF65-F5344CB8AC3E}">
+        <p14:creationId xmlns:p14="http://schemas.microsoft.com/office/powerpoint/2010/main" val="897987928"/>
       </p:ext>
     </p:extLst>
   </p:cSld>
@@ -11057,6 +14803,4170 @@
     <p:extLst>
       <p:ext uri="{BB962C8B-B14F-4D97-AF65-F5344CB8AC3E}">
         <p14:creationId xmlns:p14="http://schemas.microsoft.com/office/powerpoint/2010/main" val="3633447658"/>
+      </p:ext>
+    </p:extLst>
+  </p:cSld>
+  <p:clrMapOvr>
+    <a:masterClrMapping/>
+  </p:clrMapOvr>
+</p:sld>
+</file>
+
+<file path=ppt/slides/slide20.xml><?xml version="1.0" encoding="utf-8"?>
+<p:sld xmlns:a="http://schemas.openxmlformats.org/drawingml/2006/main" xmlns:r="http://schemas.openxmlformats.org/officeDocument/2006/relationships" xmlns:p="http://schemas.openxmlformats.org/presentationml/2006/main">
+  <p:cSld>
+    <p:spTree>
+      <p:nvGrpSpPr>
+        <p:cNvPr id="1" name=""/>
+        <p:cNvGrpSpPr/>
+        <p:nvPr/>
+      </p:nvGrpSpPr>
+      <p:grpSpPr>
+        <a:xfrm>
+          <a:off x="0" y="0"/>
+          <a:ext cx="0" cy="0"/>
+          <a:chOff x="0" y="0"/>
+          <a:chExt cx="0" cy="0"/>
+        </a:xfrm>
+      </p:grpSpPr>
+    </p:spTree>
+    <p:extLst>
+      <p:ext uri="{BB962C8B-B14F-4D97-AF65-F5344CB8AC3E}">
+        <p14:creationId xmlns:p14="http://schemas.microsoft.com/office/powerpoint/2010/main" val="3765632055"/>
+      </p:ext>
+    </p:extLst>
+  </p:cSld>
+  <p:clrMapOvr>
+    <a:masterClrMapping/>
+  </p:clrMapOvr>
+</p:sld>
+</file>
+
+<file path=ppt/slides/slide21.xml><?xml version="1.0" encoding="utf-8"?>
+<p:sld xmlns:a="http://schemas.openxmlformats.org/drawingml/2006/main" xmlns:r="http://schemas.openxmlformats.org/officeDocument/2006/relationships" xmlns:p="http://schemas.openxmlformats.org/presentationml/2006/main">
+  <p:cSld>
+    <p:spTree>
+      <p:nvGrpSpPr>
+        <p:cNvPr id="1" name=""/>
+        <p:cNvGrpSpPr/>
+        <p:nvPr/>
+      </p:nvGrpSpPr>
+      <p:grpSpPr>
+        <a:xfrm>
+          <a:off x="0" y="0"/>
+          <a:ext cx="0" cy="0"/>
+          <a:chOff x="0" y="0"/>
+          <a:chExt cx="0" cy="0"/>
+        </a:xfrm>
+      </p:grpSpPr>
+      <p:grpSp>
+        <p:nvGrpSpPr>
+          <p:cNvPr id="2" name="组合 1">
+            <a:extLst>
+              <a:ext uri="{FF2B5EF4-FFF2-40B4-BE49-F238E27FC236}">
+                <a16:creationId xmlns:a16="http://schemas.microsoft.com/office/drawing/2014/main" id="{06BF0033-C0EB-4DFD-AC21-BCB5DC70FAA5}"/>
+              </a:ext>
+            </a:extLst>
+          </p:cNvPr>
+          <p:cNvGrpSpPr/>
+          <p:nvPr/>
+        </p:nvGrpSpPr>
+        <p:grpSpPr>
+          <a:xfrm>
+            <a:off x="16932" y="216114"/>
+            <a:ext cx="12149668" cy="6714434"/>
+            <a:chOff x="16932" y="216114"/>
+            <a:chExt cx="12149668" cy="6714434"/>
+          </a:xfrm>
+        </p:grpSpPr>
+        <p:sp>
+          <p:nvSpPr>
+            <p:cNvPr id="4" name="文本框 3">
+              <a:extLst>
+                <a:ext uri="{FF2B5EF4-FFF2-40B4-BE49-F238E27FC236}">
+                  <a16:creationId xmlns:a16="http://schemas.microsoft.com/office/drawing/2014/main" id="{F40F76D4-2089-4701-822C-DD0E82FD7259}"/>
+                </a:ext>
+              </a:extLst>
+            </p:cNvPr>
+            <p:cNvSpPr txBox="1"/>
+            <p:nvPr/>
+          </p:nvSpPr>
+          <p:spPr>
+            <a:xfrm>
+              <a:off x="16932" y="216114"/>
+              <a:ext cx="3705157" cy="6425776"/>
+            </a:xfrm>
+            <a:prstGeom prst="rect">
+              <a:avLst/>
+            </a:prstGeom>
+            <a:noFill/>
+            <a:ln>
+              <a:solidFill>
+                <a:schemeClr val="tx1"/>
+              </a:solidFill>
+            </a:ln>
+          </p:spPr>
+          <p:txBody>
+            <a:bodyPr wrap="square">
+              <a:noAutofit/>
+            </a:bodyPr>
+            <a:lstStyle/>
+            <a:p>
+              <a:r>
+                <a:rPr lang="en-US" altLang="zh-CN" sz="1401" dirty="0">
+                  <a:solidFill>
+                    <a:srgbClr val="3B3B3B"/>
+                  </a:solidFill>
+                  <a:latin typeface="Consolas" panose="020B0609020204030204" pitchFamily="49" charset="0"/>
+                </a:rPr>
+                <a:t>// include/</a:t>
+              </a:r>
+              <a:r>
+                <a:rPr lang="en-US" altLang="zh-CN" sz="1401" dirty="0" err="1">
+                  <a:solidFill>
+                    <a:srgbClr val="3B3B3B"/>
+                  </a:solidFill>
+                  <a:latin typeface="Consolas" panose="020B0609020204030204" pitchFamily="49" charset="0"/>
+                </a:rPr>
+                <a:t>linux</a:t>
+              </a:r>
+              <a:r>
+                <a:rPr lang="en-US" altLang="zh-CN" sz="1401" dirty="0">
+                  <a:solidFill>
+                    <a:srgbClr val="3B3B3B"/>
+                  </a:solidFill>
+                  <a:latin typeface="Consolas" panose="020B0609020204030204" pitchFamily="49" charset="0"/>
+                </a:rPr>
+                <a:t>/</a:t>
+              </a:r>
+              <a:r>
+                <a:rPr lang="en-US" altLang="zh-CN" sz="1401" dirty="0" err="1">
+                  <a:solidFill>
+                    <a:srgbClr val="3B3B3B"/>
+                  </a:solidFill>
+                  <a:latin typeface="Consolas" panose="020B0609020204030204" pitchFamily="49" charset="0"/>
+                </a:rPr>
+                <a:t>cdev.h</a:t>
+              </a:r>
+              <a:endParaRPr lang="en-US" altLang="zh-CN" sz="1401" dirty="0">
+                <a:solidFill>
+                  <a:srgbClr val="3B3B3B"/>
+                </a:solidFill>
+                <a:latin typeface="Consolas" panose="020B0609020204030204" pitchFamily="49" charset="0"/>
+              </a:endParaRPr>
+            </a:p>
+            <a:p>
+              <a:r>
+                <a:rPr lang="en-US" altLang="zh-CN" sz="1401" dirty="0">
+                  <a:solidFill>
+                    <a:srgbClr val="0000FF"/>
+                  </a:solidFill>
+                  <a:latin typeface="Consolas" panose="020B0609020204030204" pitchFamily="49" charset="0"/>
+                </a:rPr>
+                <a:t>struct</a:t>
+              </a:r>
+              <a:r>
+                <a:rPr lang="en-US" altLang="zh-CN" sz="1401" dirty="0">
+                  <a:solidFill>
+                    <a:srgbClr val="3B3B3B"/>
+                  </a:solidFill>
+                  <a:latin typeface="Consolas" panose="020B0609020204030204" pitchFamily="49" charset="0"/>
+                </a:rPr>
+                <a:t> </a:t>
+              </a:r>
+              <a:r>
+                <a:rPr lang="en-US" altLang="zh-CN" sz="1401" dirty="0" err="1">
+                  <a:solidFill>
+                    <a:srgbClr val="267F99"/>
+                  </a:solidFill>
+                  <a:latin typeface="Consolas" panose="020B0609020204030204" pitchFamily="49" charset="0"/>
+                </a:rPr>
+                <a:t>cdev</a:t>
+              </a:r>
+              <a:r>
+                <a:rPr lang="en-US" altLang="zh-CN" sz="1401" dirty="0">
+                  <a:solidFill>
+                    <a:srgbClr val="3B3B3B"/>
+                  </a:solidFill>
+                  <a:latin typeface="Consolas" panose="020B0609020204030204" pitchFamily="49" charset="0"/>
+                </a:rPr>
+                <a:t> {</a:t>
+              </a:r>
+            </a:p>
+            <a:p>
+              <a:r>
+                <a:rPr lang="en-US" altLang="zh-CN" sz="1401" dirty="0">
+                  <a:solidFill>
+                    <a:srgbClr val="3B3B3B"/>
+                  </a:solidFill>
+                  <a:latin typeface="Consolas" panose="020B0609020204030204" pitchFamily="49" charset="0"/>
+                </a:rPr>
+                <a:t>    </a:t>
+              </a:r>
+              <a:r>
+                <a:rPr lang="en-US" altLang="zh-CN" sz="1401" dirty="0">
+                  <a:solidFill>
+                    <a:srgbClr val="0000FF"/>
+                  </a:solidFill>
+                  <a:latin typeface="Consolas" panose="020B0609020204030204" pitchFamily="49" charset="0"/>
+                </a:rPr>
+                <a:t>struct</a:t>
+              </a:r>
+              <a:r>
+                <a:rPr lang="en-US" altLang="zh-CN" sz="1401" dirty="0">
+                  <a:solidFill>
+                    <a:srgbClr val="3B3B3B"/>
+                  </a:solidFill>
+                  <a:latin typeface="Consolas" panose="020B0609020204030204" pitchFamily="49" charset="0"/>
+                </a:rPr>
+                <a:t> </a:t>
+              </a:r>
+              <a:r>
+                <a:rPr lang="en-US" altLang="zh-CN" sz="1401" dirty="0" err="1">
+                  <a:solidFill>
+                    <a:srgbClr val="267F99"/>
+                  </a:solidFill>
+                  <a:latin typeface="Consolas" panose="020B0609020204030204" pitchFamily="49" charset="0"/>
+                </a:rPr>
+                <a:t>kobject</a:t>
+              </a:r>
+              <a:r>
+                <a:rPr lang="en-US" altLang="zh-CN" sz="1401" dirty="0">
+                  <a:solidFill>
+                    <a:srgbClr val="3B3B3B"/>
+                  </a:solidFill>
+                  <a:latin typeface="Consolas" panose="020B0609020204030204" pitchFamily="49" charset="0"/>
+                </a:rPr>
+                <a:t> </a:t>
+              </a:r>
+              <a:r>
+                <a:rPr lang="en-US" altLang="zh-CN" sz="1401" dirty="0" err="1">
+                  <a:solidFill>
+                    <a:srgbClr val="001080"/>
+                  </a:solidFill>
+                  <a:latin typeface="Consolas" panose="020B0609020204030204" pitchFamily="49" charset="0"/>
+                </a:rPr>
+                <a:t>kobj</a:t>
+              </a:r>
+              <a:r>
+                <a:rPr lang="en-US" altLang="zh-CN" sz="1401" dirty="0">
+                  <a:solidFill>
+                    <a:srgbClr val="3B3B3B"/>
+                  </a:solidFill>
+                  <a:latin typeface="Consolas" panose="020B0609020204030204" pitchFamily="49" charset="0"/>
+                </a:rPr>
+                <a:t>;</a:t>
+              </a:r>
+            </a:p>
+            <a:p>
+              <a:r>
+                <a:rPr lang="en-US" altLang="zh-CN" sz="1401" dirty="0">
+                  <a:solidFill>
+                    <a:srgbClr val="3B3B3B"/>
+                  </a:solidFill>
+                  <a:latin typeface="Consolas" panose="020B0609020204030204" pitchFamily="49" charset="0"/>
+                </a:rPr>
+                <a:t>    </a:t>
+              </a:r>
+              <a:r>
+                <a:rPr lang="en-US" altLang="zh-CN" sz="1401" dirty="0">
+                  <a:solidFill>
+                    <a:srgbClr val="0000FF"/>
+                  </a:solidFill>
+                  <a:latin typeface="Consolas" panose="020B0609020204030204" pitchFamily="49" charset="0"/>
+                </a:rPr>
+                <a:t>struct</a:t>
+              </a:r>
+              <a:r>
+                <a:rPr lang="en-US" altLang="zh-CN" sz="1401" dirty="0">
+                  <a:solidFill>
+                    <a:srgbClr val="3B3B3B"/>
+                  </a:solidFill>
+                  <a:latin typeface="Consolas" panose="020B0609020204030204" pitchFamily="49" charset="0"/>
+                </a:rPr>
+                <a:t> </a:t>
+              </a:r>
+              <a:r>
+                <a:rPr lang="en-US" altLang="zh-CN" sz="1401" dirty="0">
+                  <a:solidFill>
+                    <a:srgbClr val="267F99"/>
+                  </a:solidFill>
+                  <a:latin typeface="Consolas" panose="020B0609020204030204" pitchFamily="49" charset="0"/>
+                </a:rPr>
+                <a:t>module</a:t>
+              </a:r>
+              <a:r>
+                <a:rPr lang="en-US" altLang="zh-CN" sz="1401" dirty="0">
+                  <a:solidFill>
+                    <a:srgbClr val="3B3B3B"/>
+                  </a:solidFill>
+                  <a:latin typeface="Consolas" panose="020B0609020204030204" pitchFamily="49" charset="0"/>
+                </a:rPr>
+                <a:t> </a:t>
+              </a:r>
+              <a:r>
+                <a:rPr lang="en-US" altLang="zh-CN" sz="1401" dirty="0">
+                  <a:solidFill>
+                    <a:srgbClr val="0000FF"/>
+                  </a:solidFill>
+                  <a:latin typeface="Consolas" panose="020B0609020204030204" pitchFamily="49" charset="0"/>
+                </a:rPr>
+                <a:t>*</a:t>
+              </a:r>
+              <a:r>
+                <a:rPr lang="en-US" altLang="zh-CN" sz="1401" dirty="0">
+                  <a:solidFill>
+                    <a:srgbClr val="001080"/>
+                  </a:solidFill>
+                  <a:latin typeface="Consolas" panose="020B0609020204030204" pitchFamily="49" charset="0"/>
+                </a:rPr>
+                <a:t>owner</a:t>
+              </a:r>
+              <a:r>
+                <a:rPr lang="en-US" altLang="zh-CN" sz="1401" dirty="0">
+                  <a:solidFill>
+                    <a:srgbClr val="3B3B3B"/>
+                  </a:solidFill>
+                  <a:latin typeface="Consolas" panose="020B0609020204030204" pitchFamily="49" charset="0"/>
+                </a:rPr>
+                <a:t>;</a:t>
+              </a:r>
+            </a:p>
+            <a:p>
+              <a:r>
+                <a:rPr lang="en-US" altLang="zh-CN" sz="1401" dirty="0">
+                  <a:solidFill>
+                    <a:srgbClr val="3B3B3B"/>
+                  </a:solidFill>
+                  <a:latin typeface="Consolas" panose="020B0609020204030204" pitchFamily="49" charset="0"/>
+                </a:rPr>
+                <a:t>    </a:t>
+              </a:r>
+              <a:r>
+                <a:rPr lang="en-US" altLang="zh-CN" sz="1401" dirty="0">
+                  <a:solidFill>
+                    <a:srgbClr val="0000FF"/>
+                  </a:solidFill>
+                  <a:latin typeface="Consolas" panose="020B0609020204030204" pitchFamily="49" charset="0"/>
+                </a:rPr>
+                <a:t>const</a:t>
+              </a:r>
+              <a:r>
+                <a:rPr lang="en-US" altLang="zh-CN" sz="1401" dirty="0">
+                  <a:solidFill>
+                    <a:srgbClr val="3B3B3B"/>
+                  </a:solidFill>
+                  <a:latin typeface="Consolas" panose="020B0609020204030204" pitchFamily="49" charset="0"/>
+                </a:rPr>
+                <a:t> </a:t>
+              </a:r>
+              <a:r>
+                <a:rPr lang="en-US" altLang="zh-CN" sz="1401" dirty="0">
+                  <a:solidFill>
+                    <a:srgbClr val="0000FF"/>
+                  </a:solidFill>
+                  <a:latin typeface="Consolas" panose="020B0609020204030204" pitchFamily="49" charset="0"/>
+                </a:rPr>
+                <a:t>struct</a:t>
+              </a:r>
+              <a:r>
+                <a:rPr lang="en-US" altLang="zh-CN" sz="1401" dirty="0">
+                  <a:solidFill>
+                    <a:srgbClr val="3B3B3B"/>
+                  </a:solidFill>
+                  <a:latin typeface="Consolas" panose="020B0609020204030204" pitchFamily="49" charset="0"/>
+                </a:rPr>
+                <a:t> </a:t>
+              </a:r>
+              <a:r>
+                <a:rPr lang="en-US" altLang="zh-CN" sz="1401" dirty="0" err="1">
+                  <a:solidFill>
+                    <a:srgbClr val="267F99"/>
+                  </a:solidFill>
+                  <a:latin typeface="Consolas" panose="020B0609020204030204" pitchFamily="49" charset="0"/>
+                </a:rPr>
+                <a:t>file_operations</a:t>
+              </a:r>
+              <a:r>
+                <a:rPr lang="en-US" altLang="zh-CN" sz="1401" dirty="0">
+                  <a:solidFill>
+                    <a:srgbClr val="3B3B3B"/>
+                  </a:solidFill>
+                  <a:latin typeface="Consolas" panose="020B0609020204030204" pitchFamily="49" charset="0"/>
+                </a:rPr>
+                <a:t> </a:t>
+              </a:r>
+              <a:r>
+                <a:rPr lang="en-US" altLang="zh-CN" sz="1401" dirty="0">
+                  <a:solidFill>
+                    <a:srgbClr val="0000FF"/>
+                  </a:solidFill>
+                  <a:latin typeface="Consolas" panose="020B0609020204030204" pitchFamily="49" charset="0"/>
+                </a:rPr>
+                <a:t>*</a:t>
+              </a:r>
+              <a:r>
+                <a:rPr lang="en-US" altLang="zh-CN" sz="1401" dirty="0">
+                  <a:solidFill>
+                    <a:srgbClr val="001080"/>
+                  </a:solidFill>
+                  <a:latin typeface="Consolas" panose="020B0609020204030204" pitchFamily="49" charset="0"/>
+                </a:rPr>
+                <a:t>ops</a:t>
+              </a:r>
+              <a:r>
+                <a:rPr lang="en-US" altLang="zh-CN" sz="1401" dirty="0">
+                  <a:solidFill>
+                    <a:srgbClr val="3B3B3B"/>
+                  </a:solidFill>
+                  <a:latin typeface="Consolas" panose="020B0609020204030204" pitchFamily="49" charset="0"/>
+                </a:rPr>
+                <a:t>;</a:t>
+              </a:r>
+            </a:p>
+            <a:p>
+              <a:r>
+                <a:rPr lang="en-US" altLang="zh-CN" sz="1401" dirty="0">
+                  <a:solidFill>
+                    <a:srgbClr val="3B3B3B"/>
+                  </a:solidFill>
+                  <a:latin typeface="Consolas" panose="020B0609020204030204" pitchFamily="49" charset="0"/>
+                </a:rPr>
+                <a:t>    </a:t>
+              </a:r>
+              <a:r>
+                <a:rPr lang="en-US" altLang="zh-CN" sz="1401" dirty="0">
+                  <a:solidFill>
+                    <a:srgbClr val="0000FF"/>
+                  </a:solidFill>
+                  <a:latin typeface="Consolas" panose="020B0609020204030204" pitchFamily="49" charset="0"/>
+                </a:rPr>
+                <a:t>struct</a:t>
+              </a:r>
+              <a:r>
+                <a:rPr lang="en-US" altLang="zh-CN" sz="1401" dirty="0">
+                  <a:solidFill>
+                    <a:srgbClr val="3B3B3B"/>
+                  </a:solidFill>
+                  <a:latin typeface="Consolas" panose="020B0609020204030204" pitchFamily="49" charset="0"/>
+                </a:rPr>
+                <a:t> </a:t>
+              </a:r>
+              <a:r>
+                <a:rPr lang="en-US" altLang="zh-CN" sz="1401" dirty="0" err="1">
+                  <a:solidFill>
+                    <a:srgbClr val="267F99"/>
+                  </a:solidFill>
+                  <a:latin typeface="Consolas" panose="020B0609020204030204" pitchFamily="49" charset="0"/>
+                </a:rPr>
+                <a:t>list_head</a:t>
+              </a:r>
+              <a:r>
+                <a:rPr lang="en-US" altLang="zh-CN" sz="1401" dirty="0">
+                  <a:solidFill>
+                    <a:srgbClr val="3B3B3B"/>
+                  </a:solidFill>
+                  <a:latin typeface="Consolas" panose="020B0609020204030204" pitchFamily="49" charset="0"/>
+                </a:rPr>
+                <a:t> </a:t>
+              </a:r>
+              <a:r>
+                <a:rPr lang="en-US" altLang="zh-CN" sz="1401" dirty="0">
+                  <a:solidFill>
+                    <a:srgbClr val="001080"/>
+                  </a:solidFill>
+                  <a:latin typeface="Consolas" panose="020B0609020204030204" pitchFamily="49" charset="0"/>
+                </a:rPr>
+                <a:t>list</a:t>
+              </a:r>
+              <a:r>
+                <a:rPr lang="en-US" altLang="zh-CN" sz="1401" dirty="0">
+                  <a:solidFill>
+                    <a:srgbClr val="3B3B3B"/>
+                  </a:solidFill>
+                  <a:latin typeface="Consolas" panose="020B0609020204030204" pitchFamily="49" charset="0"/>
+                </a:rPr>
+                <a:t>;</a:t>
+              </a:r>
+            </a:p>
+            <a:p>
+              <a:r>
+                <a:rPr lang="en-US" altLang="zh-CN" sz="1401" dirty="0">
+                  <a:solidFill>
+                    <a:srgbClr val="3B3B3B"/>
+                  </a:solidFill>
+                  <a:latin typeface="Consolas" panose="020B0609020204030204" pitchFamily="49" charset="0"/>
+                </a:rPr>
+                <a:t>    </a:t>
+              </a:r>
+              <a:r>
+                <a:rPr lang="en-US" altLang="zh-CN" sz="1401" dirty="0" err="1">
+                  <a:solidFill>
+                    <a:srgbClr val="0000FF"/>
+                  </a:solidFill>
+                  <a:latin typeface="Consolas" panose="020B0609020204030204" pitchFamily="49" charset="0"/>
+                </a:rPr>
+                <a:t>dev_t</a:t>
+              </a:r>
+              <a:r>
+                <a:rPr lang="en-US" altLang="zh-CN" sz="1401" dirty="0">
+                  <a:solidFill>
+                    <a:srgbClr val="3B3B3B"/>
+                  </a:solidFill>
+                  <a:latin typeface="Consolas" panose="020B0609020204030204" pitchFamily="49" charset="0"/>
+                </a:rPr>
+                <a:t> dev;</a:t>
+              </a:r>
+            </a:p>
+            <a:p>
+              <a:r>
+                <a:rPr lang="en-US" altLang="zh-CN" sz="1401" dirty="0">
+                  <a:solidFill>
+                    <a:srgbClr val="3B3B3B"/>
+                  </a:solidFill>
+                  <a:latin typeface="Consolas" panose="020B0609020204030204" pitchFamily="49" charset="0"/>
+                </a:rPr>
+                <a:t>    </a:t>
+              </a:r>
+              <a:r>
+                <a:rPr lang="en-US" altLang="zh-CN" sz="1401" dirty="0">
+                  <a:solidFill>
+                    <a:srgbClr val="0000FF"/>
+                  </a:solidFill>
+                  <a:latin typeface="Consolas" panose="020B0609020204030204" pitchFamily="49" charset="0"/>
+                </a:rPr>
+                <a:t>unsigned</a:t>
+              </a:r>
+              <a:r>
+                <a:rPr lang="en-US" altLang="zh-CN" sz="1401" dirty="0">
+                  <a:solidFill>
+                    <a:srgbClr val="3B3B3B"/>
+                  </a:solidFill>
+                  <a:latin typeface="Consolas" panose="020B0609020204030204" pitchFamily="49" charset="0"/>
+                </a:rPr>
+                <a:t> </a:t>
+              </a:r>
+              <a:r>
+                <a:rPr lang="en-US" altLang="zh-CN" sz="1401" dirty="0">
+                  <a:solidFill>
+                    <a:srgbClr val="0000FF"/>
+                  </a:solidFill>
+                  <a:latin typeface="Consolas" panose="020B0609020204030204" pitchFamily="49" charset="0"/>
+                </a:rPr>
+                <a:t>int</a:t>
+              </a:r>
+              <a:r>
+                <a:rPr lang="en-US" altLang="zh-CN" sz="1401" dirty="0">
+                  <a:solidFill>
+                    <a:srgbClr val="3B3B3B"/>
+                  </a:solidFill>
+                  <a:latin typeface="Consolas" panose="020B0609020204030204" pitchFamily="49" charset="0"/>
+                </a:rPr>
+                <a:t> count;</a:t>
+              </a:r>
+            </a:p>
+            <a:p>
+              <a:r>
+                <a:rPr lang="en-US" altLang="zh-CN" sz="1401" dirty="0">
+                  <a:solidFill>
+                    <a:srgbClr val="3B3B3B"/>
+                  </a:solidFill>
+                  <a:latin typeface="Consolas" panose="020B0609020204030204" pitchFamily="49" charset="0"/>
+                </a:rPr>
+                <a:t>} __</a:t>
+              </a:r>
+              <a:r>
+                <a:rPr lang="en-US" altLang="zh-CN" sz="1401" dirty="0" err="1">
+                  <a:solidFill>
+                    <a:srgbClr val="3B3B3B"/>
+                  </a:solidFill>
+                  <a:latin typeface="Consolas" panose="020B0609020204030204" pitchFamily="49" charset="0"/>
+                </a:rPr>
+                <a:t>randomize_layout</a:t>
+              </a:r>
+              <a:r>
+                <a:rPr lang="en-US" altLang="zh-CN" sz="1401" dirty="0">
+                  <a:solidFill>
+                    <a:srgbClr val="3B3B3B"/>
+                  </a:solidFill>
+                  <a:latin typeface="Consolas" panose="020B0609020204030204" pitchFamily="49" charset="0"/>
+                </a:rPr>
+                <a:t>;</a:t>
+              </a:r>
+            </a:p>
+            <a:p>
+              <a:endParaRPr lang="en-US" altLang="zh-CN" sz="1401" dirty="0">
+                <a:solidFill>
+                  <a:srgbClr val="3B3B3B"/>
+                </a:solidFill>
+                <a:latin typeface="Consolas" panose="020B0609020204030204" pitchFamily="49" charset="0"/>
+              </a:endParaRPr>
+            </a:p>
+            <a:p>
+              <a:endParaRPr lang="en-US" altLang="zh-CN" sz="1401" dirty="0">
+                <a:solidFill>
+                  <a:srgbClr val="3B3B3B"/>
+                </a:solidFill>
+                <a:latin typeface="Consolas" panose="020B0609020204030204" pitchFamily="49" charset="0"/>
+              </a:endParaRPr>
+            </a:p>
+            <a:p>
+              <a:r>
+                <a:rPr lang="en-US" altLang="zh-CN" sz="1401" dirty="0">
+                  <a:solidFill>
+                    <a:srgbClr val="3B3B3B"/>
+                  </a:solidFill>
+                  <a:latin typeface="Consolas" panose="020B0609020204030204" pitchFamily="49" charset="0"/>
+                </a:rPr>
+                <a:t>// rust/bindings/</a:t>
+              </a:r>
+              <a:r>
+                <a:rPr lang="en-US" altLang="zh-CN" sz="1401" dirty="0" err="1">
+                  <a:solidFill>
+                    <a:srgbClr val="3B3B3B"/>
+                  </a:solidFill>
+                  <a:latin typeface="Consolas" panose="020B0609020204030204" pitchFamily="49" charset="0"/>
+                </a:rPr>
+                <a:t>bindings_helper.h</a:t>
+              </a:r>
+              <a:endParaRPr lang="en-US" altLang="zh-CN" sz="1401" dirty="0">
+                <a:solidFill>
+                  <a:srgbClr val="3B3B3B"/>
+                </a:solidFill>
+                <a:latin typeface="Consolas" panose="020B0609020204030204" pitchFamily="49" charset="0"/>
+              </a:endParaRPr>
+            </a:p>
+            <a:p>
+              <a:r>
+                <a:rPr lang="en-US" altLang="zh-CN" sz="1401" dirty="0">
+                  <a:solidFill>
+                    <a:srgbClr val="AF00DB"/>
+                  </a:solidFill>
+                  <a:latin typeface="Consolas" panose="020B0609020204030204" pitchFamily="49" charset="0"/>
+                </a:rPr>
+                <a:t>#include</a:t>
+              </a:r>
+              <a:r>
+                <a:rPr lang="en-US" altLang="zh-CN" sz="1401" dirty="0">
+                  <a:solidFill>
+                    <a:srgbClr val="0000FF"/>
+                  </a:solidFill>
+                  <a:latin typeface="Consolas" panose="020B0609020204030204" pitchFamily="49" charset="0"/>
+                </a:rPr>
+                <a:t> </a:t>
+              </a:r>
+              <a:r>
+                <a:rPr lang="en-US" altLang="zh-CN" sz="1401" dirty="0">
+                  <a:solidFill>
+                    <a:srgbClr val="A31515"/>
+                  </a:solidFill>
+                  <a:latin typeface="Consolas" panose="020B0609020204030204" pitchFamily="49" charset="0"/>
+                </a:rPr>
+                <a:t>&lt;</a:t>
+              </a:r>
+              <a:r>
+                <a:rPr lang="en-US" altLang="zh-CN" sz="1401" dirty="0" err="1">
+                  <a:solidFill>
+                    <a:srgbClr val="A31515"/>
+                  </a:solidFill>
+                  <a:latin typeface="Consolas" panose="020B0609020204030204" pitchFamily="49" charset="0"/>
+                </a:rPr>
+                <a:t>linux</a:t>
+              </a:r>
+              <a:r>
+                <a:rPr lang="en-US" altLang="zh-CN" sz="1401" dirty="0">
+                  <a:solidFill>
+                    <a:srgbClr val="A31515"/>
+                  </a:solidFill>
+                  <a:latin typeface="Consolas" panose="020B0609020204030204" pitchFamily="49" charset="0"/>
+                </a:rPr>
+                <a:t>/</a:t>
+              </a:r>
+              <a:r>
+                <a:rPr lang="en-US" altLang="zh-CN" sz="1401" dirty="0" err="1">
+                  <a:solidFill>
+                    <a:srgbClr val="A31515"/>
+                  </a:solidFill>
+                  <a:latin typeface="Consolas" panose="020B0609020204030204" pitchFamily="49" charset="0"/>
+                </a:rPr>
+                <a:t>cdev.h</a:t>
+              </a:r>
+              <a:r>
+                <a:rPr lang="en-US" altLang="zh-CN" sz="1401" dirty="0">
+                  <a:solidFill>
+                    <a:srgbClr val="A31515"/>
+                  </a:solidFill>
+                  <a:latin typeface="Consolas" panose="020B0609020204030204" pitchFamily="49" charset="0"/>
+                </a:rPr>
+                <a:t>&gt;</a:t>
+              </a:r>
+              <a:endParaRPr lang="en-US" altLang="zh-CN" sz="1401" dirty="0">
+                <a:solidFill>
+                  <a:srgbClr val="3B3B3B"/>
+                </a:solidFill>
+                <a:latin typeface="Consolas" panose="020B0609020204030204" pitchFamily="49" charset="0"/>
+              </a:endParaRPr>
+            </a:p>
+            <a:p>
+              <a:endParaRPr lang="en-US" altLang="zh-CN" sz="1401" dirty="0">
+                <a:solidFill>
+                  <a:srgbClr val="3B3B3B"/>
+                </a:solidFill>
+                <a:latin typeface="Consolas" panose="020B0609020204030204" pitchFamily="49" charset="0"/>
+              </a:endParaRPr>
+            </a:p>
+            <a:p>
+              <a:r>
+                <a:rPr lang="en-US" altLang="zh-CN" sz="1401" dirty="0">
+                  <a:solidFill>
+                    <a:srgbClr val="3B3B3B"/>
+                  </a:solidFill>
+                  <a:latin typeface="Consolas" panose="020B0609020204030204" pitchFamily="49" charset="0"/>
+                </a:rPr>
+                <a:t>// rust/bindings/bindings_generated.rs</a:t>
+              </a:r>
+            </a:p>
+            <a:p>
+              <a:r>
+                <a:rPr lang="en-US" altLang="zh-CN" sz="1401" dirty="0">
+                  <a:solidFill>
+                    <a:srgbClr val="3B3B3B"/>
+                  </a:solidFill>
+                  <a:latin typeface="Consolas" panose="020B0609020204030204" pitchFamily="49" charset="0"/>
+                </a:rPr>
+                <a:t>#[repr(</a:t>
+              </a:r>
+              <a:r>
+                <a:rPr lang="en-US" altLang="zh-CN" sz="1401" dirty="0">
+                  <a:solidFill>
+                    <a:srgbClr val="267F99"/>
+                  </a:solidFill>
+                  <a:latin typeface="Consolas" panose="020B0609020204030204" pitchFamily="49" charset="0"/>
+                </a:rPr>
+                <a:t>C</a:t>
+              </a:r>
+              <a:r>
+                <a:rPr lang="en-US" altLang="zh-CN" sz="1401" dirty="0">
+                  <a:solidFill>
+                    <a:srgbClr val="3B3B3B"/>
+                  </a:solidFill>
+                  <a:latin typeface="Consolas" panose="020B0609020204030204" pitchFamily="49" charset="0"/>
+                </a:rPr>
+                <a:t>)]</a:t>
+              </a:r>
+            </a:p>
+            <a:p>
+              <a:r>
+                <a:rPr lang="en-US" altLang="zh-CN" sz="1401" dirty="0">
+                  <a:solidFill>
+                    <a:srgbClr val="3B3B3B"/>
+                  </a:solidFill>
+                  <a:latin typeface="Consolas" panose="020B0609020204030204" pitchFamily="49" charset="0"/>
+                </a:rPr>
+                <a:t>#[derive(</a:t>
+              </a:r>
+              <a:r>
+                <a:rPr lang="en-US" altLang="zh-CN" sz="1401" dirty="0">
+                  <a:solidFill>
+                    <a:srgbClr val="267F99"/>
+                  </a:solidFill>
+                  <a:latin typeface="Consolas" panose="020B0609020204030204" pitchFamily="49" charset="0"/>
+                </a:rPr>
+                <a:t>Copy</a:t>
+              </a:r>
+              <a:r>
+                <a:rPr lang="en-US" altLang="zh-CN" sz="1401" dirty="0">
+                  <a:solidFill>
+                    <a:srgbClr val="3B3B3B"/>
+                  </a:solidFill>
+                  <a:latin typeface="Consolas" panose="020B0609020204030204" pitchFamily="49" charset="0"/>
+                </a:rPr>
+                <a:t>, </a:t>
+              </a:r>
+              <a:r>
+                <a:rPr lang="en-US" altLang="zh-CN" sz="1401" dirty="0">
+                  <a:solidFill>
+                    <a:srgbClr val="267F99"/>
+                  </a:solidFill>
+                  <a:latin typeface="Consolas" panose="020B0609020204030204" pitchFamily="49" charset="0"/>
+                </a:rPr>
+                <a:t>Clone</a:t>
+              </a:r>
+              <a:r>
+                <a:rPr lang="en-US" altLang="zh-CN" sz="1401" dirty="0">
+                  <a:solidFill>
+                    <a:srgbClr val="3B3B3B"/>
+                  </a:solidFill>
+                  <a:latin typeface="Consolas" panose="020B0609020204030204" pitchFamily="49" charset="0"/>
+                </a:rPr>
+                <a:t>)]</a:t>
+              </a:r>
+            </a:p>
+            <a:p>
+              <a:r>
+                <a:rPr lang="en-US" altLang="zh-CN" sz="1401" dirty="0">
+                  <a:solidFill>
+                    <a:srgbClr val="0000FF"/>
+                  </a:solidFill>
+                  <a:latin typeface="Consolas" panose="020B0609020204030204" pitchFamily="49" charset="0"/>
+                </a:rPr>
+                <a:t>pub</a:t>
+              </a:r>
+              <a:r>
+                <a:rPr lang="en-US" altLang="zh-CN" sz="1401" dirty="0">
+                  <a:solidFill>
+                    <a:srgbClr val="3B3B3B"/>
+                  </a:solidFill>
+                  <a:latin typeface="Consolas" panose="020B0609020204030204" pitchFamily="49" charset="0"/>
+                </a:rPr>
+                <a:t> </a:t>
+              </a:r>
+              <a:r>
+                <a:rPr lang="en-US" altLang="zh-CN" sz="1401" dirty="0">
+                  <a:solidFill>
+                    <a:srgbClr val="0000FF"/>
+                  </a:solidFill>
+                  <a:latin typeface="Consolas" panose="020B0609020204030204" pitchFamily="49" charset="0"/>
+                </a:rPr>
+                <a:t>struct</a:t>
+              </a:r>
+              <a:r>
+                <a:rPr lang="en-US" altLang="zh-CN" sz="1401" dirty="0">
+                  <a:solidFill>
+                    <a:srgbClr val="3B3B3B"/>
+                  </a:solidFill>
+                  <a:latin typeface="Consolas" panose="020B0609020204030204" pitchFamily="49" charset="0"/>
+                </a:rPr>
+                <a:t> </a:t>
+              </a:r>
+              <a:r>
+                <a:rPr lang="en-US" altLang="zh-CN" sz="1401" dirty="0" err="1">
+                  <a:solidFill>
+                    <a:srgbClr val="001080"/>
+                  </a:solidFill>
+                  <a:latin typeface="Consolas" panose="020B0609020204030204" pitchFamily="49" charset="0"/>
+                </a:rPr>
+                <a:t>cdev</a:t>
+              </a:r>
+              <a:r>
+                <a:rPr lang="en-US" altLang="zh-CN" sz="1401" dirty="0">
+                  <a:solidFill>
+                    <a:srgbClr val="3B3B3B"/>
+                  </a:solidFill>
+                  <a:latin typeface="Consolas" panose="020B0609020204030204" pitchFamily="49" charset="0"/>
+                </a:rPr>
+                <a:t> {</a:t>
+              </a:r>
+            </a:p>
+            <a:p>
+              <a:r>
+                <a:rPr lang="en-US" altLang="zh-CN" sz="1401" dirty="0">
+                  <a:solidFill>
+                    <a:srgbClr val="3B3B3B"/>
+                  </a:solidFill>
+                  <a:latin typeface="Consolas" panose="020B0609020204030204" pitchFamily="49" charset="0"/>
+                </a:rPr>
+                <a:t>    </a:t>
+              </a:r>
+              <a:r>
+                <a:rPr lang="en-US" altLang="zh-CN" sz="1401" dirty="0">
+                  <a:solidFill>
+                    <a:srgbClr val="0000FF"/>
+                  </a:solidFill>
+                  <a:latin typeface="Consolas" panose="020B0609020204030204" pitchFamily="49" charset="0"/>
+                </a:rPr>
+                <a:t>pub</a:t>
+              </a:r>
+              <a:r>
+                <a:rPr lang="en-US" altLang="zh-CN" sz="1401" dirty="0">
+                  <a:solidFill>
+                    <a:srgbClr val="3B3B3B"/>
+                  </a:solidFill>
+                  <a:latin typeface="Consolas" panose="020B0609020204030204" pitchFamily="49" charset="0"/>
+                </a:rPr>
+                <a:t> </a:t>
+              </a:r>
+              <a:r>
+                <a:rPr lang="en-US" altLang="zh-CN" sz="1401" dirty="0" err="1">
+                  <a:solidFill>
+                    <a:srgbClr val="001080"/>
+                  </a:solidFill>
+                  <a:latin typeface="Consolas" panose="020B0609020204030204" pitchFamily="49" charset="0"/>
+                </a:rPr>
+                <a:t>kobj</a:t>
+              </a:r>
+              <a:r>
+                <a:rPr lang="en-US" altLang="zh-CN" sz="1401" dirty="0">
+                  <a:solidFill>
+                    <a:srgbClr val="000000"/>
+                  </a:solidFill>
+                  <a:latin typeface="Consolas" panose="020B0609020204030204" pitchFamily="49" charset="0"/>
+                </a:rPr>
+                <a:t>:</a:t>
+              </a:r>
+              <a:r>
+                <a:rPr lang="en-US" altLang="zh-CN" sz="1401" dirty="0">
+                  <a:solidFill>
+                    <a:srgbClr val="3B3B3B"/>
+                  </a:solidFill>
+                  <a:latin typeface="Consolas" panose="020B0609020204030204" pitchFamily="49" charset="0"/>
+                </a:rPr>
+                <a:t> </a:t>
+              </a:r>
+              <a:r>
+                <a:rPr lang="en-US" altLang="zh-CN" sz="1401" dirty="0" err="1">
+                  <a:solidFill>
+                    <a:srgbClr val="001080"/>
+                  </a:solidFill>
+                  <a:latin typeface="Consolas" panose="020B0609020204030204" pitchFamily="49" charset="0"/>
+                </a:rPr>
+                <a:t>kobject</a:t>
+              </a:r>
+              <a:r>
+                <a:rPr lang="en-US" altLang="zh-CN" sz="1401" dirty="0">
+                  <a:solidFill>
+                    <a:srgbClr val="3B3B3B"/>
+                  </a:solidFill>
+                  <a:latin typeface="Consolas" panose="020B0609020204030204" pitchFamily="49" charset="0"/>
+                </a:rPr>
+                <a:t>,</a:t>
+              </a:r>
+            </a:p>
+            <a:p>
+              <a:r>
+                <a:rPr lang="en-US" altLang="zh-CN" sz="1401" dirty="0">
+                  <a:solidFill>
+                    <a:srgbClr val="3B3B3B"/>
+                  </a:solidFill>
+                  <a:latin typeface="Consolas" panose="020B0609020204030204" pitchFamily="49" charset="0"/>
+                </a:rPr>
+                <a:t>    </a:t>
+              </a:r>
+              <a:r>
+                <a:rPr lang="en-US" altLang="zh-CN" sz="1401" dirty="0">
+                  <a:solidFill>
+                    <a:srgbClr val="0000FF"/>
+                  </a:solidFill>
+                  <a:latin typeface="Consolas" panose="020B0609020204030204" pitchFamily="49" charset="0"/>
+                </a:rPr>
+                <a:t>pub</a:t>
+              </a:r>
+              <a:r>
+                <a:rPr lang="en-US" altLang="zh-CN" sz="1401" dirty="0">
+                  <a:solidFill>
+                    <a:srgbClr val="3B3B3B"/>
+                  </a:solidFill>
+                  <a:latin typeface="Consolas" panose="020B0609020204030204" pitchFamily="49" charset="0"/>
+                </a:rPr>
+                <a:t> </a:t>
+              </a:r>
+              <a:r>
+                <a:rPr lang="en-US" altLang="zh-CN" sz="1401" dirty="0">
+                  <a:solidFill>
+                    <a:srgbClr val="001080"/>
+                  </a:solidFill>
+                  <a:latin typeface="Consolas" panose="020B0609020204030204" pitchFamily="49" charset="0"/>
+                </a:rPr>
+                <a:t>owner</a:t>
+              </a:r>
+              <a:r>
+                <a:rPr lang="en-US" altLang="zh-CN" sz="1401" dirty="0">
+                  <a:solidFill>
+                    <a:srgbClr val="000000"/>
+                  </a:solidFill>
+                  <a:latin typeface="Consolas" panose="020B0609020204030204" pitchFamily="49" charset="0"/>
+                </a:rPr>
+                <a:t>:</a:t>
+              </a:r>
+              <a:r>
+                <a:rPr lang="en-US" altLang="zh-CN" sz="1401" dirty="0">
+                  <a:solidFill>
+                    <a:srgbClr val="3B3B3B"/>
+                  </a:solidFill>
+                  <a:latin typeface="Consolas" panose="020B0609020204030204" pitchFamily="49" charset="0"/>
+                </a:rPr>
+                <a:t> </a:t>
+              </a:r>
+              <a:r>
+                <a:rPr lang="en-US" altLang="zh-CN" sz="1401" dirty="0">
+                  <a:solidFill>
+                    <a:srgbClr val="000000"/>
+                  </a:solidFill>
+                  <a:latin typeface="Consolas" panose="020B0609020204030204" pitchFamily="49" charset="0"/>
+                </a:rPr>
+                <a:t>*</a:t>
+              </a:r>
+              <a:r>
+                <a:rPr lang="en-US" altLang="zh-CN" sz="1401" dirty="0">
+                  <a:solidFill>
+                    <a:srgbClr val="0000FF"/>
+                  </a:solidFill>
+                  <a:latin typeface="Consolas" panose="020B0609020204030204" pitchFamily="49" charset="0"/>
+                </a:rPr>
+                <a:t>mut</a:t>
+              </a:r>
+              <a:r>
+                <a:rPr lang="en-US" altLang="zh-CN" sz="1401" dirty="0">
+                  <a:solidFill>
+                    <a:srgbClr val="3B3B3B"/>
+                  </a:solidFill>
+                  <a:latin typeface="Consolas" panose="020B0609020204030204" pitchFamily="49" charset="0"/>
+                </a:rPr>
+                <a:t> </a:t>
+              </a:r>
+              <a:r>
+                <a:rPr lang="en-US" altLang="zh-CN" sz="1401" dirty="0">
+                  <a:solidFill>
+                    <a:srgbClr val="001080"/>
+                  </a:solidFill>
+                  <a:latin typeface="Consolas" panose="020B0609020204030204" pitchFamily="49" charset="0"/>
+                </a:rPr>
+                <a:t>module</a:t>
+              </a:r>
+              <a:r>
+                <a:rPr lang="en-US" altLang="zh-CN" sz="1401" dirty="0">
+                  <a:solidFill>
+                    <a:srgbClr val="3B3B3B"/>
+                  </a:solidFill>
+                  <a:latin typeface="Consolas" panose="020B0609020204030204" pitchFamily="49" charset="0"/>
+                </a:rPr>
+                <a:t>,</a:t>
+              </a:r>
+            </a:p>
+            <a:p>
+              <a:r>
+                <a:rPr lang="en-US" altLang="zh-CN" sz="1401" dirty="0">
+                  <a:solidFill>
+                    <a:srgbClr val="3B3B3B"/>
+                  </a:solidFill>
+                  <a:latin typeface="Consolas" panose="020B0609020204030204" pitchFamily="49" charset="0"/>
+                </a:rPr>
+                <a:t>    </a:t>
+              </a:r>
+              <a:r>
+                <a:rPr lang="en-US" altLang="zh-CN" sz="1401" dirty="0">
+                  <a:solidFill>
+                    <a:srgbClr val="0000FF"/>
+                  </a:solidFill>
+                  <a:latin typeface="Consolas" panose="020B0609020204030204" pitchFamily="49" charset="0"/>
+                </a:rPr>
+                <a:t>pub</a:t>
+              </a:r>
+              <a:r>
+                <a:rPr lang="en-US" altLang="zh-CN" sz="1401" dirty="0">
+                  <a:solidFill>
+                    <a:srgbClr val="3B3B3B"/>
+                  </a:solidFill>
+                  <a:latin typeface="Consolas" panose="020B0609020204030204" pitchFamily="49" charset="0"/>
+                </a:rPr>
+                <a:t> </a:t>
+              </a:r>
+              <a:r>
+                <a:rPr lang="en-US" altLang="zh-CN" sz="1401" dirty="0">
+                  <a:solidFill>
+                    <a:srgbClr val="001080"/>
+                  </a:solidFill>
+                  <a:latin typeface="Consolas" panose="020B0609020204030204" pitchFamily="49" charset="0"/>
+                </a:rPr>
+                <a:t>ops</a:t>
+              </a:r>
+              <a:r>
+                <a:rPr lang="en-US" altLang="zh-CN" sz="1401" dirty="0">
+                  <a:solidFill>
+                    <a:srgbClr val="000000"/>
+                  </a:solidFill>
+                  <a:latin typeface="Consolas" panose="020B0609020204030204" pitchFamily="49" charset="0"/>
+                </a:rPr>
+                <a:t>:</a:t>
+              </a:r>
+              <a:r>
+                <a:rPr lang="en-US" altLang="zh-CN" sz="1401" dirty="0">
+                  <a:solidFill>
+                    <a:srgbClr val="3B3B3B"/>
+                  </a:solidFill>
+                  <a:latin typeface="Consolas" panose="020B0609020204030204" pitchFamily="49" charset="0"/>
+                </a:rPr>
+                <a:t> </a:t>
+              </a:r>
+              <a:r>
+                <a:rPr lang="en-US" altLang="zh-CN" sz="1401" dirty="0">
+                  <a:solidFill>
+                    <a:srgbClr val="000000"/>
+                  </a:solidFill>
+                  <a:latin typeface="Consolas" panose="020B0609020204030204" pitchFamily="49" charset="0"/>
+                </a:rPr>
+                <a:t>*</a:t>
+              </a:r>
+              <a:r>
+                <a:rPr lang="en-US" altLang="zh-CN" sz="1401" dirty="0">
+                  <a:solidFill>
+                    <a:srgbClr val="0000FF"/>
+                  </a:solidFill>
+                  <a:latin typeface="Consolas" panose="020B0609020204030204" pitchFamily="49" charset="0"/>
+                </a:rPr>
+                <a:t>const</a:t>
+              </a:r>
+              <a:r>
+                <a:rPr lang="en-US" altLang="zh-CN" sz="1401" dirty="0">
+                  <a:solidFill>
+                    <a:srgbClr val="3B3B3B"/>
+                  </a:solidFill>
+                  <a:latin typeface="Consolas" panose="020B0609020204030204" pitchFamily="49" charset="0"/>
+                </a:rPr>
+                <a:t> </a:t>
+              </a:r>
+              <a:r>
+                <a:rPr lang="en-US" altLang="zh-CN" sz="1401" dirty="0" err="1">
+                  <a:solidFill>
+                    <a:srgbClr val="001080"/>
+                  </a:solidFill>
+                  <a:latin typeface="Consolas" panose="020B0609020204030204" pitchFamily="49" charset="0"/>
+                </a:rPr>
+                <a:t>file_operations</a:t>
+              </a:r>
+              <a:r>
+                <a:rPr lang="en-US" altLang="zh-CN" sz="1401" dirty="0">
+                  <a:solidFill>
+                    <a:srgbClr val="3B3B3B"/>
+                  </a:solidFill>
+                  <a:latin typeface="Consolas" panose="020B0609020204030204" pitchFamily="49" charset="0"/>
+                </a:rPr>
+                <a:t>,</a:t>
+              </a:r>
+            </a:p>
+            <a:p>
+              <a:r>
+                <a:rPr lang="en-US" altLang="zh-CN" sz="1401" dirty="0">
+                  <a:solidFill>
+                    <a:srgbClr val="3B3B3B"/>
+                  </a:solidFill>
+                  <a:latin typeface="Consolas" panose="020B0609020204030204" pitchFamily="49" charset="0"/>
+                </a:rPr>
+                <a:t>    </a:t>
+              </a:r>
+              <a:r>
+                <a:rPr lang="en-US" altLang="zh-CN" sz="1401" dirty="0">
+                  <a:solidFill>
+                    <a:srgbClr val="0000FF"/>
+                  </a:solidFill>
+                  <a:latin typeface="Consolas" panose="020B0609020204030204" pitchFamily="49" charset="0"/>
+                </a:rPr>
+                <a:t>pub</a:t>
+              </a:r>
+              <a:r>
+                <a:rPr lang="en-US" altLang="zh-CN" sz="1401" dirty="0">
+                  <a:solidFill>
+                    <a:srgbClr val="3B3B3B"/>
+                  </a:solidFill>
+                  <a:latin typeface="Consolas" panose="020B0609020204030204" pitchFamily="49" charset="0"/>
+                </a:rPr>
+                <a:t> </a:t>
+              </a:r>
+              <a:r>
+                <a:rPr lang="en-US" altLang="zh-CN" sz="1401" dirty="0">
+                  <a:solidFill>
+                    <a:srgbClr val="001080"/>
+                  </a:solidFill>
+                  <a:latin typeface="Consolas" panose="020B0609020204030204" pitchFamily="49" charset="0"/>
+                </a:rPr>
+                <a:t>list</a:t>
+              </a:r>
+              <a:r>
+                <a:rPr lang="en-US" altLang="zh-CN" sz="1401" dirty="0">
+                  <a:solidFill>
+                    <a:srgbClr val="000000"/>
+                  </a:solidFill>
+                  <a:latin typeface="Consolas" panose="020B0609020204030204" pitchFamily="49" charset="0"/>
+                </a:rPr>
+                <a:t>:</a:t>
+              </a:r>
+              <a:r>
+                <a:rPr lang="en-US" altLang="zh-CN" sz="1401" dirty="0">
+                  <a:solidFill>
+                    <a:srgbClr val="3B3B3B"/>
+                  </a:solidFill>
+                  <a:latin typeface="Consolas" panose="020B0609020204030204" pitchFamily="49" charset="0"/>
+                </a:rPr>
+                <a:t> </a:t>
+              </a:r>
+              <a:r>
+                <a:rPr lang="en-US" altLang="zh-CN" sz="1401" dirty="0" err="1">
+                  <a:solidFill>
+                    <a:srgbClr val="001080"/>
+                  </a:solidFill>
+                  <a:latin typeface="Consolas" panose="020B0609020204030204" pitchFamily="49" charset="0"/>
+                </a:rPr>
+                <a:t>list_head</a:t>
+              </a:r>
+              <a:r>
+                <a:rPr lang="en-US" altLang="zh-CN" sz="1401" dirty="0">
+                  <a:solidFill>
+                    <a:srgbClr val="3B3B3B"/>
+                  </a:solidFill>
+                  <a:latin typeface="Consolas" panose="020B0609020204030204" pitchFamily="49" charset="0"/>
+                </a:rPr>
+                <a:t>,</a:t>
+              </a:r>
+            </a:p>
+            <a:p>
+              <a:r>
+                <a:rPr lang="en-US" altLang="zh-CN" sz="1401" dirty="0">
+                  <a:solidFill>
+                    <a:srgbClr val="3B3B3B"/>
+                  </a:solidFill>
+                  <a:latin typeface="Consolas" panose="020B0609020204030204" pitchFamily="49" charset="0"/>
+                </a:rPr>
+                <a:t>    </a:t>
+              </a:r>
+              <a:r>
+                <a:rPr lang="en-US" altLang="zh-CN" sz="1401" dirty="0">
+                  <a:solidFill>
+                    <a:srgbClr val="0000FF"/>
+                  </a:solidFill>
+                  <a:latin typeface="Consolas" panose="020B0609020204030204" pitchFamily="49" charset="0"/>
+                </a:rPr>
+                <a:t>pub</a:t>
+              </a:r>
+              <a:r>
+                <a:rPr lang="en-US" altLang="zh-CN" sz="1401" dirty="0">
+                  <a:solidFill>
+                    <a:srgbClr val="3B3B3B"/>
+                  </a:solidFill>
+                  <a:latin typeface="Consolas" panose="020B0609020204030204" pitchFamily="49" charset="0"/>
+                </a:rPr>
+                <a:t> </a:t>
+              </a:r>
+              <a:r>
+                <a:rPr lang="en-US" altLang="zh-CN" sz="1401" dirty="0">
+                  <a:solidFill>
+                    <a:srgbClr val="001080"/>
+                  </a:solidFill>
+                  <a:latin typeface="Consolas" panose="020B0609020204030204" pitchFamily="49" charset="0"/>
+                </a:rPr>
+                <a:t>dev</a:t>
+              </a:r>
+              <a:r>
+                <a:rPr lang="en-US" altLang="zh-CN" sz="1401" dirty="0">
+                  <a:solidFill>
+                    <a:srgbClr val="000000"/>
+                  </a:solidFill>
+                  <a:latin typeface="Consolas" panose="020B0609020204030204" pitchFamily="49" charset="0"/>
+                </a:rPr>
+                <a:t>:</a:t>
+              </a:r>
+              <a:r>
+                <a:rPr lang="en-US" altLang="zh-CN" sz="1401" dirty="0">
+                  <a:solidFill>
+                    <a:srgbClr val="3B3B3B"/>
+                  </a:solidFill>
+                  <a:latin typeface="Consolas" panose="020B0609020204030204" pitchFamily="49" charset="0"/>
+                </a:rPr>
+                <a:t> </a:t>
+              </a:r>
+              <a:r>
+                <a:rPr lang="en-US" altLang="zh-CN" sz="1401" dirty="0" err="1">
+                  <a:solidFill>
+                    <a:srgbClr val="001080"/>
+                  </a:solidFill>
+                  <a:latin typeface="Consolas" panose="020B0609020204030204" pitchFamily="49" charset="0"/>
+                </a:rPr>
+                <a:t>dev_t</a:t>
+              </a:r>
+              <a:r>
+                <a:rPr lang="en-US" altLang="zh-CN" sz="1401" dirty="0">
+                  <a:solidFill>
+                    <a:srgbClr val="3B3B3B"/>
+                  </a:solidFill>
+                  <a:latin typeface="Consolas" panose="020B0609020204030204" pitchFamily="49" charset="0"/>
+                </a:rPr>
+                <a:t>,</a:t>
+              </a:r>
+            </a:p>
+            <a:p>
+              <a:r>
+                <a:rPr lang="en-US" altLang="zh-CN" sz="1401" dirty="0">
+                  <a:solidFill>
+                    <a:srgbClr val="3B3B3B"/>
+                  </a:solidFill>
+                  <a:latin typeface="Consolas" panose="020B0609020204030204" pitchFamily="49" charset="0"/>
+                </a:rPr>
+                <a:t>    </a:t>
+              </a:r>
+              <a:r>
+                <a:rPr lang="en-US" altLang="zh-CN" sz="1401" dirty="0">
+                  <a:solidFill>
+                    <a:srgbClr val="0000FF"/>
+                  </a:solidFill>
+                  <a:latin typeface="Consolas" panose="020B0609020204030204" pitchFamily="49" charset="0"/>
+                </a:rPr>
+                <a:t>pub</a:t>
+              </a:r>
+              <a:r>
+                <a:rPr lang="en-US" altLang="zh-CN" sz="1401" dirty="0">
+                  <a:solidFill>
+                    <a:srgbClr val="3B3B3B"/>
+                  </a:solidFill>
+                  <a:latin typeface="Consolas" panose="020B0609020204030204" pitchFamily="49" charset="0"/>
+                </a:rPr>
+                <a:t> </a:t>
+              </a:r>
+              <a:r>
+                <a:rPr lang="en-US" altLang="zh-CN" sz="1401" dirty="0">
+                  <a:solidFill>
+                    <a:srgbClr val="001080"/>
+                  </a:solidFill>
+                  <a:latin typeface="Consolas" panose="020B0609020204030204" pitchFamily="49" charset="0"/>
+                </a:rPr>
+                <a:t>count</a:t>
+              </a:r>
+              <a:r>
+                <a:rPr lang="en-US" altLang="zh-CN" sz="1401" dirty="0">
+                  <a:solidFill>
+                    <a:srgbClr val="000000"/>
+                  </a:solidFill>
+                  <a:latin typeface="Consolas" panose="020B0609020204030204" pitchFamily="49" charset="0"/>
+                </a:rPr>
+                <a:t>:</a:t>
+              </a:r>
+              <a:r>
+                <a:rPr lang="en-US" altLang="zh-CN" sz="1401" dirty="0">
+                  <a:solidFill>
+                    <a:srgbClr val="3B3B3B"/>
+                  </a:solidFill>
+                  <a:latin typeface="Consolas" panose="020B0609020204030204" pitchFamily="49" charset="0"/>
+                </a:rPr>
+                <a:t> </a:t>
+              </a:r>
+              <a:r>
+                <a:rPr lang="en-US" altLang="zh-CN" sz="1401" dirty="0">
+                  <a:solidFill>
+                    <a:srgbClr val="267F99"/>
+                  </a:solidFill>
+                  <a:latin typeface="Consolas" panose="020B0609020204030204" pitchFamily="49" charset="0"/>
+                </a:rPr>
+                <a:t>core</a:t>
+              </a:r>
+              <a:r>
+                <a:rPr lang="en-US" altLang="zh-CN" sz="1401" dirty="0">
+                  <a:solidFill>
+                    <a:srgbClr val="000000"/>
+                  </a:solidFill>
+                  <a:latin typeface="Consolas" panose="020B0609020204030204" pitchFamily="49" charset="0"/>
+                </a:rPr>
+                <a:t>::</a:t>
+              </a:r>
+              <a:r>
+                <a:rPr lang="en-US" altLang="zh-CN" sz="1401" dirty="0" err="1">
+                  <a:solidFill>
+                    <a:srgbClr val="267F99"/>
+                  </a:solidFill>
+                  <a:latin typeface="Consolas" panose="020B0609020204030204" pitchFamily="49" charset="0"/>
+                </a:rPr>
+                <a:t>ffi</a:t>
+              </a:r>
+              <a:r>
+                <a:rPr lang="en-US" altLang="zh-CN" sz="1401" dirty="0">
+                  <a:solidFill>
+                    <a:srgbClr val="000000"/>
+                  </a:solidFill>
+                  <a:latin typeface="Consolas" panose="020B0609020204030204" pitchFamily="49" charset="0"/>
+                </a:rPr>
+                <a:t>::</a:t>
+              </a:r>
+              <a:r>
+                <a:rPr lang="en-US" altLang="zh-CN" sz="1401" dirty="0" err="1">
+                  <a:solidFill>
+                    <a:srgbClr val="001080"/>
+                  </a:solidFill>
+                  <a:latin typeface="Consolas" panose="020B0609020204030204" pitchFamily="49" charset="0"/>
+                </a:rPr>
+                <a:t>c_uint</a:t>
+              </a:r>
+              <a:r>
+                <a:rPr lang="en-US" altLang="zh-CN" sz="1401" dirty="0">
+                  <a:solidFill>
+                    <a:srgbClr val="3B3B3B"/>
+                  </a:solidFill>
+                  <a:latin typeface="Consolas" panose="020B0609020204030204" pitchFamily="49" charset="0"/>
+                </a:rPr>
+                <a:t>,</a:t>
+              </a:r>
+            </a:p>
+            <a:p>
+              <a:r>
+                <a:rPr lang="en-US" altLang="zh-CN" sz="1401" dirty="0">
+                  <a:solidFill>
+                    <a:srgbClr val="3B3B3B"/>
+                  </a:solidFill>
+                  <a:latin typeface="Consolas" panose="020B0609020204030204" pitchFamily="49" charset="0"/>
+                </a:rPr>
+                <a:t>}</a:t>
+              </a:r>
+            </a:p>
+            <a:p>
+              <a:endParaRPr lang="en-US" altLang="zh-CN" sz="1401" dirty="0">
+                <a:solidFill>
+                  <a:srgbClr val="3B3B3B"/>
+                </a:solidFill>
+                <a:latin typeface="Consolas" panose="020B0609020204030204" pitchFamily="49" charset="0"/>
+              </a:endParaRPr>
+            </a:p>
+            <a:p>
+              <a:endParaRPr lang="en-US" altLang="zh-CN" sz="1401" dirty="0">
+                <a:solidFill>
+                  <a:srgbClr val="3B3B3B"/>
+                </a:solidFill>
+                <a:latin typeface="Consolas" panose="020B0609020204030204" pitchFamily="49" charset="0"/>
+              </a:endParaRPr>
+            </a:p>
+            <a:p>
+              <a:br>
+                <a:rPr lang="en-US" altLang="zh-CN" sz="1192" dirty="0">
+                  <a:solidFill>
+                    <a:srgbClr val="333333"/>
+                  </a:solidFill>
+                  <a:latin typeface="Consolas" panose="020B0609020204030204" pitchFamily="49" charset="0"/>
+                </a:rPr>
+              </a:br>
+              <a:endParaRPr lang="en-US" altLang="zh-CN" sz="1192" dirty="0">
+                <a:solidFill>
+                  <a:srgbClr val="333333"/>
+                </a:solidFill>
+                <a:latin typeface="Consolas" panose="020B0609020204030204" pitchFamily="49" charset="0"/>
+              </a:endParaRPr>
+            </a:p>
+          </p:txBody>
+        </p:sp>
+        <p:sp>
+          <p:nvSpPr>
+            <p:cNvPr id="12" name="文本框 11">
+              <a:extLst>
+                <a:ext uri="{FF2B5EF4-FFF2-40B4-BE49-F238E27FC236}">
+                  <a16:creationId xmlns:a16="http://schemas.microsoft.com/office/drawing/2014/main" id="{719EEC2E-6E3A-42A3-940A-B00086751059}"/>
+                </a:ext>
+              </a:extLst>
+            </p:cNvPr>
+            <p:cNvSpPr txBox="1"/>
+            <p:nvPr/>
+          </p:nvSpPr>
+          <p:spPr>
+            <a:xfrm>
+              <a:off x="3722092" y="216114"/>
+              <a:ext cx="4578487" cy="6425776"/>
+            </a:xfrm>
+            <a:prstGeom prst="rect">
+              <a:avLst/>
+            </a:prstGeom>
+            <a:noFill/>
+            <a:ln>
+              <a:solidFill>
+                <a:schemeClr val="tx1"/>
+              </a:solidFill>
+            </a:ln>
+          </p:spPr>
+          <p:txBody>
+            <a:bodyPr wrap="square">
+              <a:noAutofit/>
+            </a:bodyPr>
+            <a:lstStyle/>
+            <a:p>
+              <a:r>
+                <a:rPr lang="en-US" altLang="zh-CN" sz="1401" dirty="0">
+                  <a:solidFill>
+                    <a:srgbClr val="3B3B3B"/>
+                  </a:solidFill>
+                  <a:latin typeface="Consolas" panose="020B0609020204030204" pitchFamily="49" charset="0"/>
+                </a:rPr>
+                <a:t>// rust/kernel/chrdev.rs</a:t>
+              </a:r>
+            </a:p>
+            <a:p>
+              <a:r>
+                <a:rPr lang="en-US" altLang="zh-CN" sz="1401" dirty="0">
+                  <a:solidFill>
+                    <a:srgbClr val="008000"/>
+                  </a:solidFill>
+                  <a:latin typeface="Consolas" panose="020B0609020204030204" pitchFamily="49" charset="0"/>
+                </a:rPr>
+                <a:t>/// Character device.</a:t>
+              </a:r>
+            </a:p>
+            <a:p>
+              <a:r>
+                <a:rPr lang="en-US" altLang="zh-CN" sz="1401" dirty="0">
+                  <a:solidFill>
+                    <a:srgbClr val="008000"/>
+                  </a:solidFill>
+                  <a:latin typeface="Consolas" panose="020B0609020204030204" pitchFamily="49" charset="0"/>
+                </a:rPr>
+                <a:t>///</a:t>
+              </a:r>
+              <a:endParaRPr lang="en-US" altLang="zh-CN" sz="1401" dirty="0">
+                <a:solidFill>
+                  <a:srgbClr val="3B3B3B"/>
+                </a:solidFill>
+                <a:latin typeface="Consolas" panose="020B0609020204030204" pitchFamily="49" charset="0"/>
+              </a:endParaRPr>
+            </a:p>
+            <a:p>
+              <a:r>
+                <a:rPr lang="en-US" altLang="zh-CN" sz="1401" dirty="0">
+                  <a:solidFill>
+                    <a:srgbClr val="008000"/>
+                  </a:solidFill>
+                  <a:latin typeface="Consolas" panose="020B0609020204030204" pitchFamily="49" charset="0"/>
+                </a:rPr>
+                <a:t>/// # Invariants</a:t>
+              </a:r>
+              <a:endParaRPr lang="en-US" altLang="zh-CN" sz="1401" dirty="0">
+                <a:solidFill>
+                  <a:srgbClr val="3B3B3B"/>
+                </a:solidFill>
+                <a:latin typeface="Consolas" panose="020B0609020204030204" pitchFamily="49" charset="0"/>
+              </a:endParaRPr>
+            </a:p>
+            <a:p>
+              <a:r>
+                <a:rPr lang="en-US" altLang="zh-CN" sz="1401" dirty="0">
+                  <a:solidFill>
+                    <a:srgbClr val="008000"/>
+                  </a:solidFill>
+                  <a:latin typeface="Consolas" panose="020B0609020204030204" pitchFamily="49" charset="0"/>
+                </a:rPr>
+                <a:t>///   - [`self.0`] is valid and non-null.</a:t>
+              </a:r>
+              <a:endParaRPr lang="en-US" altLang="zh-CN" sz="1401" dirty="0">
+                <a:solidFill>
+                  <a:srgbClr val="3B3B3B"/>
+                </a:solidFill>
+                <a:latin typeface="Consolas" panose="020B0609020204030204" pitchFamily="49" charset="0"/>
+              </a:endParaRPr>
+            </a:p>
+            <a:p>
+              <a:r>
+                <a:rPr lang="en-US" altLang="zh-CN" sz="1401" dirty="0">
+                  <a:solidFill>
+                    <a:srgbClr val="0000FF"/>
+                  </a:solidFill>
+                  <a:latin typeface="Consolas" panose="020B0609020204030204" pitchFamily="49" charset="0"/>
+                </a:rPr>
+                <a:t>struct</a:t>
+              </a:r>
+              <a:r>
+                <a:rPr lang="en-US" altLang="zh-CN" sz="1401" dirty="0">
+                  <a:solidFill>
+                    <a:srgbClr val="3B3B3B"/>
+                  </a:solidFill>
+                  <a:latin typeface="Consolas" panose="020B0609020204030204" pitchFamily="49" charset="0"/>
+                </a:rPr>
+                <a:t> </a:t>
+              </a:r>
+              <a:r>
+                <a:rPr lang="en-US" altLang="zh-CN" sz="1401" dirty="0" err="1">
+                  <a:solidFill>
+                    <a:srgbClr val="267F99"/>
+                  </a:solidFill>
+                  <a:latin typeface="Consolas" panose="020B0609020204030204" pitchFamily="49" charset="0"/>
+                </a:rPr>
+                <a:t>Cdev</a:t>
+              </a:r>
+              <a:r>
+                <a:rPr lang="en-US" altLang="zh-CN" sz="1401" dirty="0">
+                  <a:solidFill>
+                    <a:srgbClr val="3B3B3B"/>
+                  </a:solidFill>
+                  <a:latin typeface="Consolas" panose="020B0609020204030204" pitchFamily="49" charset="0"/>
+                </a:rPr>
+                <a:t>(</a:t>
+              </a:r>
+              <a:r>
+                <a:rPr lang="en-US" altLang="zh-CN" sz="1401" dirty="0">
+                  <a:solidFill>
+                    <a:srgbClr val="000000"/>
+                  </a:solidFill>
+                  <a:latin typeface="Consolas" panose="020B0609020204030204" pitchFamily="49" charset="0"/>
+                </a:rPr>
+                <a:t>*</a:t>
+              </a:r>
+              <a:r>
+                <a:rPr lang="en-US" altLang="zh-CN" sz="1401" dirty="0">
+                  <a:solidFill>
+                    <a:srgbClr val="0000FF"/>
+                  </a:solidFill>
+                  <a:latin typeface="Consolas" panose="020B0609020204030204" pitchFamily="49" charset="0"/>
+                </a:rPr>
+                <a:t>mut</a:t>
+              </a:r>
+              <a:r>
+                <a:rPr lang="en-US" altLang="zh-CN" sz="1401" dirty="0">
+                  <a:solidFill>
+                    <a:srgbClr val="3B3B3B"/>
+                  </a:solidFill>
+                  <a:latin typeface="Consolas" panose="020B0609020204030204" pitchFamily="49" charset="0"/>
+                </a:rPr>
+                <a:t> </a:t>
+              </a:r>
+              <a:r>
+                <a:rPr lang="en-US" altLang="zh-CN" sz="1401" dirty="0">
+                  <a:solidFill>
+                    <a:srgbClr val="267F99"/>
+                  </a:solidFill>
+                  <a:latin typeface="Consolas" panose="020B0609020204030204" pitchFamily="49" charset="0"/>
+                </a:rPr>
+                <a:t>bindings</a:t>
+              </a:r>
+              <a:r>
+                <a:rPr lang="en-US" altLang="zh-CN" sz="1401" dirty="0">
+                  <a:solidFill>
+                    <a:srgbClr val="000000"/>
+                  </a:solidFill>
+                  <a:latin typeface="Consolas" panose="020B0609020204030204" pitchFamily="49" charset="0"/>
+                </a:rPr>
+                <a:t>::</a:t>
+              </a:r>
+              <a:r>
+                <a:rPr lang="en-US" altLang="zh-CN" sz="1401" dirty="0" err="1">
+                  <a:solidFill>
+                    <a:srgbClr val="001080"/>
+                  </a:solidFill>
+                  <a:latin typeface="Consolas" panose="020B0609020204030204" pitchFamily="49" charset="0"/>
+                </a:rPr>
+                <a:t>cdev</a:t>
+              </a:r>
+              <a:r>
+                <a:rPr lang="en-US" altLang="zh-CN" sz="1401" dirty="0">
+                  <a:solidFill>
+                    <a:srgbClr val="3B3B3B"/>
+                  </a:solidFill>
+                  <a:latin typeface="Consolas" panose="020B0609020204030204" pitchFamily="49" charset="0"/>
+                </a:rPr>
+                <a:t>);</a:t>
+              </a:r>
+            </a:p>
+            <a:p>
+              <a:endParaRPr lang="en-US" altLang="zh-CN" sz="1401" dirty="0">
+                <a:solidFill>
+                  <a:srgbClr val="3B3B3B"/>
+                </a:solidFill>
+                <a:latin typeface="Consolas" panose="020B0609020204030204" pitchFamily="49" charset="0"/>
+              </a:endParaRPr>
+            </a:p>
+            <a:p>
+              <a:r>
+                <a:rPr lang="en-US" altLang="zh-CN" sz="1401" dirty="0">
+                  <a:solidFill>
+                    <a:srgbClr val="0000FF"/>
+                  </a:solidFill>
+                  <a:latin typeface="Consolas" panose="020B0609020204030204" pitchFamily="49" charset="0"/>
+                </a:rPr>
+                <a:t>struct</a:t>
+              </a:r>
+              <a:r>
+                <a:rPr lang="en-US" altLang="zh-CN" sz="1401" dirty="0">
+                  <a:solidFill>
+                    <a:srgbClr val="3B3B3B"/>
+                  </a:solidFill>
+                  <a:latin typeface="Consolas" panose="020B0609020204030204" pitchFamily="49" charset="0"/>
+                </a:rPr>
+                <a:t> </a:t>
+              </a:r>
+              <a:r>
+                <a:rPr lang="en-US" altLang="zh-CN" sz="1401" dirty="0" err="1">
+                  <a:solidFill>
+                    <a:srgbClr val="267F99"/>
+                  </a:solidFill>
+                  <a:latin typeface="Consolas" panose="020B0609020204030204" pitchFamily="49" charset="0"/>
+                </a:rPr>
+                <a:t>RegistrationInner</a:t>
+              </a:r>
+              <a:r>
+                <a:rPr lang="en-US" altLang="zh-CN" sz="1401" dirty="0">
+                  <a:solidFill>
+                    <a:srgbClr val="3B3B3B"/>
+                  </a:solidFill>
+                  <a:latin typeface="Consolas" panose="020B0609020204030204" pitchFamily="49" charset="0"/>
+                </a:rPr>
+                <a:t>&lt;</a:t>
+              </a:r>
+              <a:r>
+                <a:rPr lang="en-US" altLang="zh-CN" sz="1401" dirty="0">
+                  <a:solidFill>
+                    <a:srgbClr val="0000FF"/>
+                  </a:solidFill>
+                  <a:latin typeface="Consolas" panose="020B0609020204030204" pitchFamily="49" charset="0"/>
+                </a:rPr>
+                <a:t>const</a:t>
+              </a:r>
+              <a:r>
+                <a:rPr lang="en-US" altLang="zh-CN" sz="1401" dirty="0">
+                  <a:solidFill>
+                    <a:srgbClr val="3B3B3B"/>
+                  </a:solidFill>
+                  <a:latin typeface="Consolas" panose="020B0609020204030204" pitchFamily="49" charset="0"/>
+                </a:rPr>
+                <a:t> N</a:t>
+              </a:r>
+              <a:r>
+                <a:rPr lang="en-US" altLang="zh-CN" sz="1401" dirty="0">
+                  <a:solidFill>
+                    <a:srgbClr val="000000"/>
+                  </a:solidFill>
+                  <a:latin typeface="Consolas" panose="020B0609020204030204" pitchFamily="49" charset="0"/>
+                </a:rPr>
+                <a:t>:</a:t>
+              </a:r>
+              <a:r>
+                <a:rPr lang="en-US" altLang="zh-CN" sz="1401" dirty="0">
+                  <a:solidFill>
+                    <a:srgbClr val="3B3B3B"/>
+                  </a:solidFill>
+                  <a:latin typeface="Consolas" panose="020B0609020204030204" pitchFamily="49" charset="0"/>
+                </a:rPr>
+                <a:t> </a:t>
+              </a:r>
+              <a:r>
+                <a:rPr lang="en-US" altLang="zh-CN" sz="1401" dirty="0" err="1">
+                  <a:solidFill>
+                    <a:srgbClr val="267F99"/>
+                  </a:solidFill>
+                  <a:latin typeface="Consolas" panose="020B0609020204030204" pitchFamily="49" charset="0"/>
+                </a:rPr>
+                <a:t>usize</a:t>
+              </a:r>
+              <a:r>
+                <a:rPr lang="en-US" altLang="zh-CN" sz="1401" dirty="0">
+                  <a:solidFill>
+                    <a:srgbClr val="3B3B3B"/>
+                  </a:solidFill>
+                  <a:latin typeface="Consolas" panose="020B0609020204030204" pitchFamily="49" charset="0"/>
+                </a:rPr>
+                <a:t>&gt; {</a:t>
+              </a:r>
+            </a:p>
+            <a:p>
+              <a:r>
+                <a:rPr lang="en-US" altLang="zh-CN" sz="1401" dirty="0">
+                  <a:solidFill>
+                    <a:srgbClr val="3B3B3B"/>
+                  </a:solidFill>
+                  <a:latin typeface="Consolas" panose="020B0609020204030204" pitchFamily="49" charset="0"/>
+                </a:rPr>
+                <a:t>    </a:t>
+              </a:r>
+              <a:r>
+                <a:rPr lang="en-US" altLang="zh-CN" sz="1401" dirty="0" err="1">
+                  <a:solidFill>
+                    <a:srgbClr val="001080"/>
+                  </a:solidFill>
+                  <a:latin typeface="Consolas" panose="020B0609020204030204" pitchFamily="49" charset="0"/>
+                </a:rPr>
+                <a:t>cdevs</a:t>
+              </a:r>
+              <a:r>
+                <a:rPr lang="en-US" altLang="zh-CN" sz="1401" dirty="0">
+                  <a:solidFill>
+                    <a:srgbClr val="000000"/>
+                  </a:solidFill>
+                  <a:latin typeface="Consolas" panose="020B0609020204030204" pitchFamily="49" charset="0"/>
+                </a:rPr>
+                <a:t>:</a:t>
+              </a:r>
+              <a:r>
+                <a:rPr lang="en-US" altLang="zh-CN" sz="1401" dirty="0">
+                  <a:solidFill>
+                    <a:srgbClr val="3B3B3B"/>
+                  </a:solidFill>
+                  <a:latin typeface="Consolas" panose="020B0609020204030204" pitchFamily="49" charset="0"/>
+                </a:rPr>
+                <a:t> [</a:t>
+              </a:r>
+              <a:r>
+                <a:rPr lang="en-US" altLang="zh-CN" sz="1401" dirty="0">
+                  <a:solidFill>
+                    <a:srgbClr val="267F99"/>
+                  </a:solidFill>
+                  <a:latin typeface="Consolas" panose="020B0609020204030204" pitchFamily="49" charset="0"/>
+                </a:rPr>
+                <a:t>Option</a:t>
+              </a:r>
+              <a:r>
+                <a:rPr lang="en-US" altLang="zh-CN" sz="1401" dirty="0">
+                  <a:solidFill>
+                    <a:srgbClr val="3B3B3B"/>
+                  </a:solidFill>
+                  <a:latin typeface="Consolas" panose="020B0609020204030204" pitchFamily="49" charset="0"/>
+                </a:rPr>
+                <a:t>&lt;</a:t>
+              </a:r>
+              <a:r>
+                <a:rPr lang="en-US" altLang="zh-CN" sz="1401" dirty="0" err="1">
+                  <a:solidFill>
+                    <a:srgbClr val="267F99"/>
+                  </a:solidFill>
+                  <a:latin typeface="Consolas" panose="020B0609020204030204" pitchFamily="49" charset="0"/>
+                </a:rPr>
+                <a:t>Cdev</a:t>
+              </a:r>
+              <a:r>
+                <a:rPr lang="en-US" altLang="zh-CN" sz="1401" dirty="0">
+                  <a:solidFill>
+                    <a:srgbClr val="3B3B3B"/>
+                  </a:solidFill>
+                  <a:latin typeface="Consolas" panose="020B0609020204030204" pitchFamily="49" charset="0"/>
+                </a:rPr>
+                <a:t>&gt;; </a:t>
+              </a:r>
+              <a:r>
+                <a:rPr lang="en-US" altLang="zh-CN" sz="1401" dirty="0">
+                  <a:solidFill>
+                    <a:srgbClr val="267F99"/>
+                  </a:solidFill>
+                  <a:latin typeface="Consolas" panose="020B0609020204030204" pitchFamily="49" charset="0"/>
+                </a:rPr>
+                <a:t>N</a:t>
+              </a:r>
+              <a:r>
+                <a:rPr lang="en-US" altLang="zh-CN" sz="1401" dirty="0">
+                  <a:solidFill>
+                    <a:srgbClr val="3B3B3B"/>
+                  </a:solidFill>
+                  <a:latin typeface="Consolas" panose="020B0609020204030204" pitchFamily="49" charset="0"/>
+                </a:rPr>
+                <a:t>],</a:t>
+              </a:r>
+            </a:p>
+            <a:p>
+              <a:r>
+                <a:rPr lang="en-US" altLang="zh-CN" sz="1401" dirty="0">
+                  <a:solidFill>
+                    <a:srgbClr val="3B3B3B"/>
+                  </a:solidFill>
+                  <a:latin typeface="Consolas" panose="020B0609020204030204" pitchFamily="49" charset="0"/>
+                </a:rPr>
+                <a:t>}</a:t>
+              </a:r>
+            </a:p>
+            <a:p>
+              <a:endParaRPr lang="en-US" altLang="zh-CN" sz="1401" dirty="0">
+                <a:solidFill>
+                  <a:srgbClr val="3B3B3B"/>
+                </a:solidFill>
+                <a:latin typeface="Consolas" panose="020B0609020204030204" pitchFamily="49" charset="0"/>
+              </a:endParaRPr>
+            </a:p>
+            <a:p>
+              <a:r>
+                <a:rPr lang="en-US" altLang="zh-CN" sz="1401" dirty="0">
+                  <a:solidFill>
+                    <a:srgbClr val="0000FF"/>
+                  </a:solidFill>
+                  <a:latin typeface="Consolas" panose="020B0609020204030204" pitchFamily="49" charset="0"/>
+                </a:rPr>
+                <a:t>pub</a:t>
+              </a:r>
+              <a:r>
+                <a:rPr lang="en-US" altLang="zh-CN" sz="1401" dirty="0">
+                  <a:solidFill>
+                    <a:srgbClr val="3B3B3B"/>
+                  </a:solidFill>
+                  <a:latin typeface="Consolas" panose="020B0609020204030204" pitchFamily="49" charset="0"/>
+                </a:rPr>
+                <a:t> </a:t>
+              </a:r>
+              <a:r>
+                <a:rPr lang="en-US" altLang="zh-CN" sz="1401" dirty="0">
+                  <a:solidFill>
+                    <a:srgbClr val="0000FF"/>
+                  </a:solidFill>
+                  <a:latin typeface="Consolas" panose="020B0609020204030204" pitchFamily="49" charset="0"/>
+                </a:rPr>
+                <a:t>struct</a:t>
+              </a:r>
+              <a:r>
+                <a:rPr lang="en-US" altLang="zh-CN" sz="1401" dirty="0">
+                  <a:solidFill>
+                    <a:srgbClr val="3B3B3B"/>
+                  </a:solidFill>
+                  <a:latin typeface="Consolas" panose="020B0609020204030204" pitchFamily="49" charset="0"/>
+                </a:rPr>
+                <a:t> </a:t>
+              </a:r>
+              <a:r>
+                <a:rPr lang="en-US" altLang="zh-CN" sz="1401" dirty="0">
+                  <a:solidFill>
+                    <a:srgbClr val="267F99"/>
+                  </a:solidFill>
+                  <a:latin typeface="Consolas" panose="020B0609020204030204" pitchFamily="49" charset="0"/>
+                </a:rPr>
+                <a:t>Registration</a:t>
+              </a:r>
+              <a:r>
+                <a:rPr lang="en-US" altLang="zh-CN" sz="1401" dirty="0">
+                  <a:solidFill>
+                    <a:srgbClr val="3B3B3B"/>
+                  </a:solidFill>
+                  <a:latin typeface="Consolas" panose="020B0609020204030204" pitchFamily="49" charset="0"/>
+                </a:rPr>
+                <a:t>&lt;</a:t>
+              </a:r>
+              <a:r>
+                <a:rPr lang="en-US" altLang="zh-CN" sz="1401" dirty="0">
+                  <a:solidFill>
+                    <a:srgbClr val="0000FF"/>
+                  </a:solidFill>
+                  <a:latin typeface="Consolas" panose="020B0609020204030204" pitchFamily="49" charset="0"/>
+                </a:rPr>
+                <a:t>const</a:t>
+              </a:r>
+              <a:r>
+                <a:rPr lang="en-US" altLang="zh-CN" sz="1401" dirty="0">
+                  <a:solidFill>
+                    <a:srgbClr val="3B3B3B"/>
+                  </a:solidFill>
+                  <a:latin typeface="Consolas" panose="020B0609020204030204" pitchFamily="49" charset="0"/>
+                </a:rPr>
+                <a:t> N</a:t>
+              </a:r>
+              <a:r>
+                <a:rPr lang="en-US" altLang="zh-CN" sz="1401" dirty="0">
+                  <a:solidFill>
+                    <a:srgbClr val="000000"/>
+                  </a:solidFill>
+                  <a:latin typeface="Consolas" panose="020B0609020204030204" pitchFamily="49" charset="0"/>
+                </a:rPr>
+                <a:t>:</a:t>
+              </a:r>
+              <a:r>
+                <a:rPr lang="en-US" altLang="zh-CN" sz="1401" dirty="0">
+                  <a:solidFill>
+                    <a:srgbClr val="3B3B3B"/>
+                  </a:solidFill>
+                  <a:latin typeface="Consolas" panose="020B0609020204030204" pitchFamily="49" charset="0"/>
+                </a:rPr>
+                <a:t> </a:t>
+              </a:r>
+              <a:r>
+                <a:rPr lang="en-US" altLang="zh-CN" sz="1401" dirty="0" err="1">
+                  <a:solidFill>
+                    <a:srgbClr val="267F99"/>
+                  </a:solidFill>
+                  <a:latin typeface="Consolas" panose="020B0609020204030204" pitchFamily="49" charset="0"/>
+                </a:rPr>
+                <a:t>usize</a:t>
+              </a:r>
+              <a:r>
+                <a:rPr lang="en-US" altLang="zh-CN" sz="1401" dirty="0">
+                  <a:solidFill>
+                    <a:srgbClr val="3B3B3B"/>
+                  </a:solidFill>
+                  <a:latin typeface="Consolas" panose="020B0609020204030204" pitchFamily="49" charset="0"/>
+                </a:rPr>
+                <a:t>&gt; {</a:t>
+              </a:r>
+            </a:p>
+            <a:p>
+              <a:r>
+                <a:rPr lang="en-US" altLang="zh-CN" sz="1401" dirty="0">
+                  <a:solidFill>
+                    <a:srgbClr val="3B3B3B"/>
+                  </a:solidFill>
+                  <a:latin typeface="Consolas" panose="020B0609020204030204" pitchFamily="49" charset="0"/>
+                </a:rPr>
+                <a:t>    </a:t>
+              </a:r>
+              <a:r>
+                <a:rPr lang="en-US" altLang="zh-CN" sz="1401" dirty="0">
+                  <a:solidFill>
+                    <a:srgbClr val="001080"/>
+                  </a:solidFill>
+                  <a:latin typeface="Consolas" panose="020B0609020204030204" pitchFamily="49" charset="0"/>
+                </a:rPr>
+                <a:t>inner</a:t>
+              </a:r>
+              <a:r>
+                <a:rPr lang="en-US" altLang="zh-CN" sz="1401" dirty="0">
+                  <a:solidFill>
+                    <a:srgbClr val="000000"/>
+                  </a:solidFill>
+                  <a:latin typeface="Consolas" panose="020B0609020204030204" pitchFamily="49" charset="0"/>
+                </a:rPr>
+                <a:t>:</a:t>
+              </a:r>
+              <a:r>
+                <a:rPr lang="en-US" altLang="zh-CN" sz="1401" dirty="0">
+                  <a:solidFill>
+                    <a:srgbClr val="3B3B3B"/>
+                  </a:solidFill>
+                  <a:latin typeface="Consolas" panose="020B0609020204030204" pitchFamily="49" charset="0"/>
+                </a:rPr>
+                <a:t> </a:t>
+              </a:r>
+              <a:r>
+                <a:rPr lang="en-US" altLang="zh-CN" sz="1401" dirty="0">
+                  <a:solidFill>
+                    <a:srgbClr val="267F99"/>
+                  </a:solidFill>
+                  <a:latin typeface="Consolas" panose="020B0609020204030204" pitchFamily="49" charset="0"/>
+                </a:rPr>
+                <a:t>Option</a:t>
+              </a:r>
+              <a:r>
+                <a:rPr lang="en-US" altLang="zh-CN" sz="1401" dirty="0">
+                  <a:solidFill>
+                    <a:srgbClr val="3B3B3B"/>
+                  </a:solidFill>
+                  <a:latin typeface="Consolas" panose="020B0609020204030204" pitchFamily="49" charset="0"/>
+                </a:rPr>
+                <a:t>&lt;</a:t>
+              </a:r>
+              <a:r>
+                <a:rPr lang="en-US" altLang="zh-CN" sz="1401" dirty="0" err="1">
+                  <a:solidFill>
+                    <a:srgbClr val="267F99"/>
+                  </a:solidFill>
+                  <a:latin typeface="Consolas" panose="020B0609020204030204" pitchFamily="49" charset="0"/>
+                </a:rPr>
+                <a:t>RegistrationInner</a:t>
+              </a:r>
+              <a:r>
+                <a:rPr lang="en-US" altLang="zh-CN" sz="1401" dirty="0">
+                  <a:solidFill>
+                    <a:srgbClr val="3B3B3B"/>
+                  </a:solidFill>
+                  <a:latin typeface="Consolas" panose="020B0609020204030204" pitchFamily="49" charset="0"/>
+                </a:rPr>
+                <a:t>&lt;</a:t>
+              </a:r>
+              <a:r>
+                <a:rPr lang="en-US" altLang="zh-CN" sz="1401" dirty="0">
+                  <a:solidFill>
+                    <a:srgbClr val="267F99"/>
+                  </a:solidFill>
+                  <a:latin typeface="Consolas" panose="020B0609020204030204" pitchFamily="49" charset="0"/>
+                </a:rPr>
+                <a:t>N</a:t>
+              </a:r>
+              <a:r>
+                <a:rPr lang="en-US" altLang="zh-CN" sz="1401" dirty="0">
+                  <a:solidFill>
+                    <a:srgbClr val="3B3B3B"/>
+                  </a:solidFill>
+                  <a:latin typeface="Consolas" panose="020B0609020204030204" pitchFamily="49" charset="0"/>
+                </a:rPr>
+                <a:t>&gt;&gt;,</a:t>
+              </a:r>
+            </a:p>
+            <a:p>
+              <a:r>
+                <a:rPr lang="en-US" altLang="zh-CN" sz="1401" dirty="0">
+                  <a:solidFill>
+                    <a:srgbClr val="3B3B3B"/>
+                  </a:solidFill>
+                  <a:latin typeface="Consolas" panose="020B0609020204030204" pitchFamily="49" charset="0"/>
+                </a:rPr>
+                <a:t>}</a:t>
+              </a:r>
+            </a:p>
+            <a:p>
+              <a:br>
+                <a:rPr lang="en-US" altLang="zh-CN" sz="1192" dirty="0">
+                  <a:solidFill>
+                    <a:srgbClr val="3B3B3B"/>
+                  </a:solidFill>
+                  <a:latin typeface="Consolas" panose="020B0609020204030204" pitchFamily="49" charset="0"/>
+                </a:rPr>
+              </a:br>
+              <a:r>
+                <a:rPr lang="en-US" altLang="zh-CN" sz="1401" dirty="0" err="1">
+                  <a:solidFill>
+                    <a:srgbClr val="0000FF"/>
+                  </a:solidFill>
+                  <a:latin typeface="Consolas" panose="020B0609020204030204" pitchFamily="49" charset="0"/>
+                </a:rPr>
+                <a:t>impl</a:t>
+              </a:r>
+              <a:r>
+                <a:rPr lang="en-US" altLang="zh-CN" sz="1401" dirty="0">
+                  <a:solidFill>
+                    <a:srgbClr val="3B3B3B"/>
+                  </a:solidFill>
+                  <a:latin typeface="Consolas" panose="020B0609020204030204" pitchFamily="49" charset="0"/>
+                </a:rPr>
+                <a:t> </a:t>
+              </a:r>
+              <a:r>
+                <a:rPr lang="en-US" altLang="zh-CN" sz="1401" dirty="0" err="1">
+                  <a:solidFill>
+                    <a:srgbClr val="267F99"/>
+                  </a:solidFill>
+                  <a:latin typeface="Consolas" panose="020B0609020204030204" pitchFamily="49" charset="0"/>
+                </a:rPr>
+                <a:t>Cdev</a:t>
+              </a:r>
+              <a:r>
+                <a:rPr lang="en-US" altLang="zh-CN" sz="1401" dirty="0">
+                  <a:solidFill>
+                    <a:srgbClr val="3B3B3B"/>
+                  </a:solidFill>
+                  <a:latin typeface="Consolas" panose="020B0609020204030204" pitchFamily="49" charset="0"/>
+                </a:rPr>
+                <a:t> {</a:t>
+              </a:r>
+            </a:p>
+            <a:p>
+              <a:r>
+                <a:rPr lang="en-US" altLang="zh-CN" sz="1401" dirty="0">
+                  <a:solidFill>
+                    <a:srgbClr val="3B3B3B"/>
+                  </a:solidFill>
+                  <a:latin typeface="Consolas" panose="020B0609020204030204" pitchFamily="49" charset="0"/>
+                </a:rPr>
+                <a:t>    </a:t>
+              </a:r>
+              <a:r>
+                <a:rPr lang="en-US" altLang="zh-CN" sz="1401" dirty="0" err="1">
+                  <a:solidFill>
+                    <a:srgbClr val="0000FF"/>
+                  </a:solidFill>
+                  <a:latin typeface="Consolas" panose="020B0609020204030204" pitchFamily="49" charset="0"/>
+                </a:rPr>
+                <a:t>fn</a:t>
+              </a:r>
+              <a:r>
+                <a:rPr lang="en-US" altLang="zh-CN" sz="1401" dirty="0">
+                  <a:solidFill>
+                    <a:srgbClr val="3B3B3B"/>
+                  </a:solidFill>
+                  <a:latin typeface="Consolas" panose="020B0609020204030204" pitchFamily="49" charset="0"/>
+                </a:rPr>
+                <a:t> </a:t>
+              </a:r>
+              <a:r>
+                <a:rPr lang="en-US" altLang="zh-CN" sz="1401" dirty="0" err="1">
+                  <a:solidFill>
+                    <a:srgbClr val="795E26"/>
+                  </a:solidFill>
+                  <a:latin typeface="Consolas" panose="020B0609020204030204" pitchFamily="49" charset="0"/>
+                </a:rPr>
+                <a:t>alloc</a:t>
+              </a:r>
+              <a:r>
+                <a:rPr lang="en-US" altLang="zh-CN" sz="1401" dirty="0">
+                  <a:solidFill>
+                    <a:srgbClr val="3B3B3B"/>
+                  </a:solidFill>
+                  <a:latin typeface="Consolas" panose="020B0609020204030204" pitchFamily="49" charset="0"/>
+                </a:rPr>
+                <a:t>(……) </a:t>
+              </a:r>
+              <a:r>
+                <a:rPr lang="en-US" altLang="zh-CN" sz="1401" dirty="0">
+                  <a:solidFill>
+                    <a:srgbClr val="000000"/>
+                  </a:solidFill>
+                  <a:latin typeface="Consolas" panose="020B0609020204030204" pitchFamily="49" charset="0"/>
+                </a:rPr>
+                <a:t>-&gt;</a:t>
+              </a:r>
+              <a:r>
+                <a:rPr lang="en-US" altLang="zh-CN" sz="1401" dirty="0">
+                  <a:solidFill>
+                    <a:srgbClr val="3B3B3B"/>
+                  </a:solidFill>
+                  <a:latin typeface="Consolas" panose="020B0609020204030204" pitchFamily="49" charset="0"/>
+                </a:rPr>
+                <a:t> </a:t>
+              </a:r>
+              <a:r>
+                <a:rPr lang="en-US" altLang="zh-CN" sz="1401" dirty="0">
+                  <a:solidFill>
+                    <a:srgbClr val="267F99"/>
+                  </a:solidFill>
+                  <a:latin typeface="Consolas" panose="020B0609020204030204" pitchFamily="49" charset="0"/>
+                </a:rPr>
+                <a:t>Result</a:t>
+              </a:r>
+              <a:r>
+                <a:rPr lang="en-US" altLang="zh-CN" sz="1401" dirty="0">
+                  <a:solidFill>
+                    <a:srgbClr val="3B3B3B"/>
+                  </a:solidFill>
+                  <a:latin typeface="Consolas" panose="020B0609020204030204" pitchFamily="49" charset="0"/>
+                </a:rPr>
+                <a:t>&lt;</a:t>
+              </a:r>
+              <a:r>
+                <a:rPr lang="en-US" altLang="zh-CN" sz="1401" dirty="0">
+                  <a:solidFill>
+                    <a:srgbClr val="0000FF"/>
+                  </a:solidFill>
+                  <a:latin typeface="Consolas" panose="020B0609020204030204" pitchFamily="49" charset="0"/>
+                </a:rPr>
+                <a:t>Self</a:t>
+              </a:r>
+              <a:r>
+                <a:rPr lang="en-US" altLang="zh-CN" sz="1401" dirty="0">
+                  <a:solidFill>
+                    <a:srgbClr val="3B3B3B"/>
+                  </a:solidFill>
+                  <a:latin typeface="Consolas" panose="020B0609020204030204" pitchFamily="49" charset="0"/>
+                </a:rPr>
+                <a:t>&gt; {</a:t>
+              </a:r>
+            </a:p>
+            <a:p>
+              <a:r>
+                <a:rPr lang="en-US" altLang="zh-CN" sz="1401" dirty="0">
+                  <a:solidFill>
+                    <a:srgbClr val="008000"/>
+                  </a:solidFill>
+                  <a:latin typeface="Consolas" panose="020B0609020204030204" pitchFamily="49" charset="0"/>
+                </a:rPr>
+                <a:t>        // SAFETY: FFI call.</a:t>
+              </a:r>
+              <a:endParaRPr lang="en-US" altLang="zh-CN" sz="1401" dirty="0">
+                <a:solidFill>
+                  <a:srgbClr val="3B3B3B"/>
+                </a:solidFill>
+                <a:latin typeface="Consolas" panose="020B0609020204030204" pitchFamily="49" charset="0"/>
+              </a:endParaRPr>
+            </a:p>
+            <a:p>
+              <a:r>
+                <a:rPr lang="en-US" altLang="zh-CN" sz="1401" dirty="0">
+                  <a:solidFill>
+                    <a:srgbClr val="3B3B3B"/>
+                  </a:solidFill>
+                  <a:latin typeface="Consolas" panose="020B0609020204030204" pitchFamily="49" charset="0"/>
+                </a:rPr>
+                <a:t>        </a:t>
+              </a:r>
+              <a:r>
+                <a:rPr lang="en-US" altLang="zh-CN" sz="1401" dirty="0">
+                  <a:solidFill>
+                    <a:srgbClr val="0000FF"/>
+                  </a:solidFill>
+                  <a:latin typeface="Consolas" panose="020B0609020204030204" pitchFamily="49" charset="0"/>
+                </a:rPr>
+                <a:t>let </a:t>
+              </a:r>
+              <a:r>
+                <a:rPr lang="en-US" altLang="zh-CN" sz="1401" dirty="0">
+                  <a:solidFill>
+                    <a:srgbClr val="001080"/>
+                  </a:solidFill>
+                  <a:latin typeface="Consolas" panose="020B0609020204030204" pitchFamily="49" charset="0"/>
+                </a:rPr>
+                <a:t>c</a:t>
+              </a:r>
+              <a:r>
+                <a:rPr lang="en-US" altLang="zh-CN" sz="1401" dirty="0">
+                  <a:solidFill>
+                    <a:srgbClr val="000000"/>
+                  </a:solidFill>
+                  <a:latin typeface="Consolas" panose="020B0609020204030204" pitchFamily="49" charset="0"/>
+                </a:rPr>
+                <a:t>=</a:t>
+              </a:r>
+              <a:r>
+                <a:rPr lang="en-US" altLang="zh-CN" sz="1401" dirty="0">
+                  <a:solidFill>
+                    <a:srgbClr val="0000FF"/>
+                  </a:solidFill>
+                  <a:latin typeface="Consolas" panose="020B0609020204030204" pitchFamily="49" charset="0"/>
+                </a:rPr>
+                <a:t>unsafe</a:t>
+              </a:r>
+              <a:r>
+                <a:rPr lang="en-US" altLang="zh-CN" sz="1401" dirty="0">
+                  <a:solidFill>
+                    <a:srgbClr val="3B3B3B"/>
+                  </a:solidFill>
+                  <a:latin typeface="Consolas" panose="020B0609020204030204" pitchFamily="49" charset="0"/>
+                </a:rPr>
+                <a:t>{</a:t>
+              </a:r>
+              <a:r>
+                <a:rPr lang="en-US" altLang="zh-CN" sz="1401" dirty="0">
+                  <a:solidFill>
+                    <a:srgbClr val="267F99"/>
+                  </a:solidFill>
+                  <a:latin typeface="Consolas" panose="020B0609020204030204" pitchFamily="49" charset="0"/>
+                </a:rPr>
+                <a:t>bindings</a:t>
+              </a:r>
+              <a:r>
+                <a:rPr lang="en-US" altLang="zh-CN" sz="1401" dirty="0">
+                  <a:solidFill>
+                    <a:srgbClr val="000000"/>
+                  </a:solidFill>
+                  <a:latin typeface="Consolas" panose="020B0609020204030204" pitchFamily="49" charset="0"/>
+                </a:rPr>
+                <a:t>::</a:t>
+              </a:r>
+              <a:r>
+                <a:rPr lang="en-US" altLang="zh-CN" sz="1401" dirty="0" err="1">
+                  <a:solidFill>
+                    <a:srgbClr val="795E26"/>
+                  </a:solidFill>
+                  <a:latin typeface="Consolas" panose="020B0609020204030204" pitchFamily="49" charset="0"/>
+                </a:rPr>
+                <a:t>cdev_alloc</a:t>
+              </a:r>
+              <a:r>
+                <a:rPr lang="en-US" altLang="zh-CN" sz="1401" dirty="0">
+                  <a:solidFill>
+                    <a:srgbClr val="3B3B3B"/>
+                  </a:solidFill>
+                  <a:latin typeface="Consolas" panose="020B0609020204030204" pitchFamily="49" charset="0"/>
+                </a:rPr>
+                <a:t>()};</a:t>
+              </a:r>
+            </a:p>
+            <a:p>
+              <a:r>
+                <a:rPr lang="en-US" altLang="zh-CN" sz="1401" dirty="0">
+                  <a:solidFill>
+                    <a:srgbClr val="3B3B3B"/>
+                  </a:solidFill>
+                  <a:latin typeface="Consolas" panose="020B0609020204030204" pitchFamily="49" charset="0"/>
+                </a:rPr>
+                <a:t>}</a:t>
+              </a:r>
+            </a:p>
+            <a:p>
+              <a:endParaRPr lang="en-US" altLang="zh-CN" sz="1192" dirty="0">
+                <a:solidFill>
+                  <a:srgbClr val="333333"/>
+                </a:solidFill>
+                <a:latin typeface="Consolas" panose="020B0609020204030204" pitchFamily="49" charset="0"/>
+              </a:endParaRPr>
+            </a:p>
+            <a:p>
+              <a:r>
+                <a:rPr lang="en-US" altLang="zh-CN" sz="1401" dirty="0">
+                  <a:solidFill>
+                    <a:srgbClr val="3B3B3B"/>
+                  </a:solidFill>
+                  <a:latin typeface="Consolas" panose="020B0609020204030204" pitchFamily="49" charset="0"/>
+                </a:rPr>
+                <a:t>// rust/kernel/driver.rs</a:t>
+              </a:r>
+              <a:br>
+                <a:rPr lang="en-US" altLang="zh-CN" sz="1192" dirty="0">
+                  <a:solidFill>
+                    <a:srgbClr val="333333"/>
+                  </a:solidFill>
+                  <a:latin typeface="Consolas" panose="020B0609020204030204" pitchFamily="49" charset="0"/>
+                </a:rPr>
+              </a:br>
+              <a:r>
+                <a:rPr lang="en-US" altLang="zh-CN" sz="1401" dirty="0">
+                  <a:solidFill>
+                    <a:srgbClr val="0000FF"/>
+                  </a:solidFill>
+                  <a:latin typeface="Consolas" panose="020B0609020204030204" pitchFamily="49" charset="0"/>
+                </a:rPr>
+                <a:t>pub</a:t>
+              </a:r>
+              <a:r>
+                <a:rPr lang="en-US" altLang="zh-CN" sz="1401" dirty="0">
+                  <a:solidFill>
+                    <a:srgbClr val="3B3B3B"/>
+                  </a:solidFill>
+                  <a:latin typeface="Consolas" panose="020B0609020204030204" pitchFamily="49" charset="0"/>
+                </a:rPr>
+                <a:t> </a:t>
+              </a:r>
+              <a:r>
+                <a:rPr lang="en-US" altLang="zh-CN" sz="1401" dirty="0">
+                  <a:solidFill>
+                    <a:srgbClr val="0000FF"/>
+                  </a:solidFill>
+                  <a:latin typeface="Consolas" panose="020B0609020204030204" pitchFamily="49" charset="0"/>
+                </a:rPr>
+                <a:t>trait</a:t>
+              </a:r>
+              <a:r>
+                <a:rPr lang="en-US" altLang="zh-CN" sz="1401" dirty="0">
+                  <a:solidFill>
+                    <a:srgbClr val="3B3B3B"/>
+                  </a:solidFill>
+                  <a:latin typeface="Consolas" panose="020B0609020204030204" pitchFamily="49" charset="0"/>
+                </a:rPr>
+                <a:t> </a:t>
+              </a:r>
+              <a:r>
+                <a:rPr lang="en-US" altLang="zh-CN" sz="1401" dirty="0" err="1">
+                  <a:solidFill>
+                    <a:srgbClr val="267F99"/>
+                  </a:solidFill>
+                  <a:latin typeface="Consolas" panose="020B0609020204030204" pitchFamily="49" charset="0"/>
+                </a:rPr>
+                <a:t>DriverOps</a:t>
+              </a:r>
+              <a:r>
+                <a:rPr lang="en-US" altLang="zh-CN" sz="1401" dirty="0">
+                  <a:solidFill>
+                    <a:srgbClr val="3B3B3B"/>
+                  </a:solidFill>
+                  <a:latin typeface="Consolas" panose="020B0609020204030204" pitchFamily="49" charset="0"/>
+                </a:rPr>
+                <a:t> {</a:t>
+              </a:r>
+            </a:p>
+            <a:p>
+              <a:r>
+                <a:rPr lang="en-US" altLang="zh-CN" sz="1401" dirty="0">
+                  <a:solidFill>
+                    <a:srgbClr val="008000"/>
+                  </a:solidFill>
+                  <a:latin typeface="Consolas" panose="020B0609020204030204" pitchFamily="49" charset="0"/>
+                </a:rPr>
+                <a:t>    /// # Safety</a:t>
+              </a:r>
+            </a:p>
+            <a:p>
+              <a:r>
+                <a:rPr lang="en-US" altLang="zh-CN" sz="1401" dirty="0">
+                  <a:solidFill>
+                    <a:srgbClr val="008000"/>
+                  </a:solidFill>
+                  <a:latin typeface="Consolas" panose="020B0609020204030204" pitchFamily="49" charset="0"/>
+                </a:rPr>
+                <a:t>    /// `reg` must point to valid, </a:t>
+              </a:r>
+              <a:r>
+                <a:rPr lang="en-US" altLang="zh-CN" sz="1401" dirty="0" err="1">
+                  <a:solidFill>
+                    <a:srgbClr val="008000"/>
+                  </a:solidFill>
+                  <a:latin typeface="Consolas" panose="020B0609020204030204" pitchFamily="49" charset="0"/>
+                </a:rPr>
+                <a:t>initialised</a:t>
+              </a:r>
+              <a:r>
+                <a:rPr lang="en-US" altLang="zh-CN" sz="1401" dirty="0">
+                  <a:solidFill>
+                    <a:srgbClr val="008000"/>
+                  </a:solidFill>
+                  <a:latin typeface="Consolas" panose="020B0609020204030204" pitchFamily="49" charset="0"/>
+                </a:rPr>
+                <a:t>, and writable memory.</a:t>
+              </a:r>
+            </a:p>
+            <a:p>
+              <a:r>
+                <a:rPr lang="en-US" altLang="zh-CN" sz="1401" dirty="0">
+                  <a:solidFill>
+                    <a:srgbClr val="3B3B3B"/>
+                  </a:solidFill>
+                  <a:latin typeface="Consolas" panose="020B0609020204030204" pitchFamily="49" charset="0"/>
+                </a:rPr>
+                <a:t>    </a:t>
+              </a:r>
+              <a:r>
+                <a:rPr lang="en-US" altLang="zh-CN" sz="1401" dirty="0">
+                  <a:solidFill>
+                    <a:srgbClr val="0000FF"/>
+                  </a:solidFill>
+                  <a:latin typeface="Consolas" panose="020B0609020204030204" pitchFamily="49" charset="0"/>
+                </a:rPr>
+                <a:t>unsafe</a:t>
+              </a:r>
+              <a:r>
+                <a:rPr lang="en-US" altLang="zh-CN" sz="1401" dirty="0">
+                  <a:solidFill>
+                    <a:srgbClr val="3B3B3B"/>
+                  </a:solidFill>
+                  <a:latin typeface="Consolas" panose="020B0609020204030204" pitchFamily="49" charset="0"/>
+                </a:rPr>
+                <a:t> </a:t>
+              </a:r>
+              <a:r>
+                <a:rPr lang="en-US" altLang="zh-CN" sz="1401" dirty="0" err="1">
+                  <a:solidFill>
+                    <a:srgbClr val="0000FF"/>
+                  </a:solidFill>
+                  <a:latin typeface="Consolas" panose="020B0609020204030204" pitchFamily="49" charset="0"/>
+                </a:rPr>
+                <a:t>fn</a:t>
+              </a:r>
+              <a:r>
+                <a:rPr lang="en-US" altLang="zh-CN" sz="1401" dirty="0">
+                  <a:solidFill>
+                    <a:srgbClr val="3B3B3B"/>
+                  </a:solidFill>
+                  <a:latin typeface="Consolas" panose="020B0609020204030204" pitchFamily="49" charset="0"/>
+                </a:rPr>
+                <a:t> </a:t>
+              </a:r>
+              <a:r>
+                <a:rPr lang="en-US" altLang="zh-CN" sz="1401" dirty="0">
+                  <a:solidFill>
+                    <a:srgbClr val="795E26"/>
+                  </a:solidFill>
+                  <a:latin typeface="Consolas" panose="020B0609020204030204" pitchFamily="49" charset="0"/>
+                </a:rPr>
+                <a:t>register</a:t>
+              </a:r>
+              <a:r>
+                <a:rPr lang="en-US" altLang="zh-CN" sz="1401" dirty="0">
+                  <a:solidFill>
+                    <a:srgbClr val="3B3B3B"/>
+                  </a:solidFill>
+                  <a:latin typeface="Consolas" panose="020B0609020204030204" pitchFamily="49" charset="0"/>
+                </a:rPr>
+                <a:t>(</a:t>
+              </a:r>
+            </a:p>
+            <a:p>
+              <a:r>
+                <a:rPr lang="en-US" altLang="zh-CN" sz="1401" dirty="0">
+                  <a:solidFill>
+                    <a:srgbClr val="3B3B3B"/>
+                  </a:solidFill>
+                  <a:latin typeface="Consolas" panose="020B0609020204030204" pitchFamily="49" charset="0"/>
+                </a:rPr>
+                <a:t>        </a:t>
+              </a:r>
+              <a:r>
+                <a:rPr lang="en-US" altLang="zh-CN" sz="1401" dirty="0">
+                  <a:solidFill>
+                    <a:srgbClr val="001080"/>
+                  </a:solidFill>
+                  <a:latin typeface="Consolas" panose="020B0609020204030204" pitchFamily="49" charset="0"/>
+                </a:rPr>
+                <a:t>reg</a:t>
+              </a:r>
+              <a:r>
+                <a:rPr lang="en-US" altLang="zh-CN" sz="1401" dirty="0">
+                  <a:solidFill>
+                    <a:srgbClr val="000000"/>
+                  </a:solidFill>
+                  <a:latin typeface="Consolas" panose="020B0609020204030204" pitchFamily="49" charset="0"/>
+                </a:rPr>
+                <a:t>:</a:t>
+              </a:r>
+              <a:r>
+                <a:rPr lang="en-US" altLang="zh-CN" sz="1401" dirty="0">
+                  <a:solidFill>
+                    <a:srgbClr val="3B3B3B"/>
+                  </a:solidFill>
+                  <a:latin typeface="Consolas" panose="020B0609020204030204" pitchFamily="49" charset="0"/>
+                </a:rPr>
+                <a:t> </a:t>
+              </a:r>
+              <a:r>
+                <a:rPr lang="en-US" altLang="zh-CN" sz="1401" dirty="0">
+                  <a:solidFill>
+                    <a:srgbClr val="000000"/>
+                  </a:solidFill>
+                  <a:latin typeface="Consolas" panose="020B0609020204030204" pitchFamily="49" charset="0"/>
+                </a:rPr>
+                <a:t>*</a:t>
+              </a:r>
+              <a:r>
+                <a:rPr lang="en-US" altLang="zh-CN" sz="1401" dirty="0">
+                  <a:solidFill>
+                    <a:srgbClr val="0000FF"/>
+                  </a:solidFill>
+                  <a:latin typeface="Consolas" panose="020B0609020204030204" pitchFamily="49" charset="0"/>
+                </a:rPr>
+                <a:t>mut</a:t>
+              </a:r>
+              <a:r>
+                <a:rPr lang="en-US" altLang="zh-CN" sz="1401" dirty="0">
+                  <a:solidFill>
+                    <a:srgbClr val="3B3B3B"/>
+                  </a:solidFill>
+                  <a:latin typeface="Consolas" panose="020B0609020204030204" pitchFamily="49" charset="0"/>
+                </a:rPr>
+                <a:t> </a:t>
+              </a:r>
+              <a:r>
+                <a:rPr lang="en-US" altLang="zh-CN" sz="1401" dirty="0">
+                  <a:solidFill>
+                    <a:srgbClr val="0000FF"/>
+                  </a:solidFill>
+                  <a:latin typeface="Consolas" panose="020B0609020204030204" pitchFamily="49" charset="0"/>
+                </a:rPr>
+                <a:t>Self</a:t>
+              </a:r>
+              <a:r>
+                <a:rPr lang="en-US" altLang="zh-CN" sz="1401" dirty="0">
+                  <a:solidFill>
+                    <a:srgbClr val="000000"/>
+                  </a:solidFill>
+                  <a:latin typeface="Consolas" panose="020B0609020204030204" pitchFamily="49" charset="0"/>
+                </a:rPr>
+                <a:t>::</a:t>
+              </a:r>
+              <a:r>
+                <a:rPr lang="en-US" altLang="zh-CN" sz="1401" dirty="0" err="1">
+                  <a:solidFill>
+                    <a:srgbClr val="267F99"/>
+                  </a:solidFill>
+                  <a:latin typeface="Consolas" panose="020B0609020204030204" pitchFamily="49" charset="0"/>
+                </a:rPr>
+                <a:t>RegType</a:t>
+              </a:r>
+              <a:r>
+                <a:rPr lang="en-US" altLang="zh-CN" sz="1401" dirty="0">
+                  <a:solidFill>
+                    <a:srgbClr val="267F99"/>
+                  </a:solidFill>
+                  <a:latin typeface="Consolas" panose="020B0609020204030204" pitchFamily="49" charset="0"/>
+                </a:rPr>
+                <a:t>,…</a:t>
+              </a:r>
+              <a:r>
+                <a:rPr lang="en-US" altLang="zh-CN" sz="1401" dirty="0">
+                  <a:solidFill>
+                    <a:srgbClr val="3B3B3B"/>
+                  </a:solidFill>
+                  <a:latin typeface="Consolas" panose="020B0609020204030204" pitchFamily="49" charset="0"/>
+                </a:rPr>
+                <a:t>) </a:t>
+              </a:r>
+              <a:r>
+                <a:rPr lang="en-US" altLang="zh-CN" sz="1401" dirty="0">
+                  <a:solidFill>
+                    <a:srgbClr val="000000"/>
+                  </a:solidFill>
+                  <a:latin typeface="Consolas" panose="020B0609020204030204" pitchFamily="49" charset="0"/>
+                </a:rPr>
+                <a:t>-&gt;</a:t>
+              </a:r>
+              <a:r>
+                <a:rPr lang="en-US" altLang="zh-CN" sz="1401" dirty="0">
+                  <a:solidFill>
+                    <a:srgbClr val="3B3B3B"/>
+                  </a:solidFill>
+                  <a:latin typeface="Consolas" panose="020B0609020204030204" pitchFamily="49" charset="0"/>
+                </a:rPr>
+                <a:t> </a:t>
+              </a:r>
+              <a:r>
+                <a:rPr lang="en-US" altLang="zh-CN" sz="1401" dirty="0">
+                  <a:solidFill>
+                    <a:srgbClr val="267F99"/>
+                  </a:solidFill>
+                  <a:latin typeface="Consolas" panose="020B0609020204030204" pitchFamily="49" charset="0"/>
+                </a:rPr>
+                <a:t>Result</a:t>
+              </a:r>
+              <a:r>
+                <a:rPr lang="en-US" altLang="zh-CN" sz="1401" dirty="0">
+                  <a:solidFill>
+                    <a:srgbClr val="3B3B3B"/>
+                  </a:solidFill>
+                  <a:latin typeface="Consolas" panose="020B0609020204030204" pitchFamily="49" charset="0"/>
+                </a:rPr>
+                <a:t>;</a:t>
+              </a:r>
+            </a:p>
+            <a:p>
+              <a:r>
+                <a:rPr lang="en-US" altLang="zh-CN" sz="1401" dirty="0">
+                  <a:solidFill>
+                    <a:srgbClr val="3B3B3B"/>
+                  </a:solidFill>
+                  <a:latin typeface="Consolas" panose="020B0609020204030204" pitchFamily="49" charset="0"/>
+                </a:rPr>
+                <a:t>}</a:t>
+              </a:r>
+            </a:p>
+            <a:p>
+              <a:endParaRPr lang="en-US" altLang="zh-CN" sz="1192" dirty="0">
+                <a:solidFill>
+                  <a:srgbClr val="333333"/>
+                </a:solidFill>
+                <a:latin typeface="Consolas" panose="020B0609020204030204" pitchFamily="49" charset="0"/>
+              </a:endParaRPr>
+            </a:p>
+          </p:txBody>
+        </p:sp>
+        <p:sp>
+          <p:nvSpPr>
+            <p:cNvPr id="13" name="文本框 12">
+              <a:extLst>
+                <a:ext uri="{FF2B5EF4-FFF2-40B4-BE49-F238E27FC236}">
+                  <a16:creationId xmlns:a16="http://schemas.microsoft.com/office/drawing/2014/main" id="{D322D56B-AE4A-4004-8058-9B3298D16721}"/>
+                </a:ext>
+              </a:extLst>
+            </p:cNvPr>
+            <p:cNvSpPr txBox="1"/>
+            <p:nvPr/>
+          </p:nvSpPr>
+          <p:spPr>
+            <a:xfrm>
+              <a:off x="8300579" y="216114"/>
+              <a:ext cx="3866021" cy="6425776"/>
+            </a:xfrm>
+            <a:prstGeom prst="rect">
+              <a:avLst/>
+            </a:prstGeom>
+            <a:noFill/>
+            <a:ln>
+              <a:solidFill>
+                <a:schemeClr val="tx1"/>
+              </a:solidFill>
+            </a:ln>
+          </p:spPr>
+          <p:txBody>
+            <a:bodyPr wrap="square">
+              <a:noAutofit/>
+            </a:bodyPr>
+            <a:lstStyle/>
+            <a:p>
+              <a:r>
+                <a:rPr lang="en-US" altLang="zh-CN" sz="1401" dirty="0">
+                  <a:solidFill>
+                    <a:srgbClr val="3B3B3B"/>
+                  </a:solidFill>
+                  <a:latin typeface="Consolas" panose="020B0609020204030204" pitchFamily="49" charset="0"/>
+                </a:rPr>
+                <a:t>//</a:t>
+              </a:r>
+              <a:r>
+                <a:rPr lang="en-US" altLang="zh-CN" sz="1401" dirty="0">
+                  <a:solidFill>
+                    <a:srgbClr val="0000FF"/>
+                  </a:solidFill>
+                  <a:latin typeface="Consolas" panose="020B0609020204030204" pitchFamily="49" charset="0"/>
+                </a:rPr>
+                <a:t> </a:t>
+              </a:r>
+              <a:r>
+                <a:rPr lang="en-US" altLang="zh-CN" sz="1401" dirty="0">
+                  <a:solidFill>
+                    <a:srgbClr val="3B3B3B"/>
+                  </a:solidFill>
+                  <a:latin typeface="Consolas" panose="020B0609020204030204" pitchFamily="49" charset="0"/>
+                </a:rPr>
+                <a:t>samples/rust/rust_chrdev.rs</a:t>
+              </a:r>
+            </a:p>
+            <a:p>
+              <a:r>
+                <a:rPr lang="en-US" altLang="zh-CN" sz="1401" dirty="0">
+                  <a:solidFill>
+                    <a:srgbClr val="795E26"/>
+                  </a:solidFill>
+                  <a:latin typeface="Consolas" panose="020B0609020204030204" pitchFamily="49" charset="0"/>
+                </a:rPr>
+                <a:t>module!</a:t>
+              </a:r>
+              <a:r>
+                <a:rPr lang="en-US" altLang="zh-CN" sz="1401" dirty="0">
+                  <a:solidFill>
+                    <a:srgbClr val="3B3B3B"/>
+                  </a:solidFill>
+                  <a:latin typeface="Consolas" panose="020B0609020204030204" pitchFamily="49" charset="0"/>
+                </a:rPr>
+                <a:t> {</a:t>
+              </a:r>
+            </a:p>
+            <a:p>
+              <a:r>
+                <a:rPr lang="en-US" altLang="zh-CN" sz="1401" dirty="0">
+                  <a:solidFill>
+                    <a:srgbClr val="3B3B3B"/>
+                  </a:solidFill>
+                  <a:latin typeface="Consolas" panose="020B0609020204030204" pitchFamily="49" charset="0"/>
+                </a:rPr>
+                <a:t>    </a:t>
+              </a:r>
+              <a:r>
+                <a:rPr lang="en-US" altLang="zh-CN" sz="1401" dirty="0">
+                  <a:solidFill>
+                    <a:srgbClr val="0000FF"/>
+                  </a:solidFill>
+                  <a:latin typeface="Consolas" panose="020B0609020204030204" pitchFamily="49" charset="0"/>
+                </a:rPr>
+                <a:t>type</a:t>
+              </a:r>
+              <a:r>
+                <a:rPr lang="en-US" altLang="zh-CN" sz="1401" dirty="0">
+                  <a:solidFill>
+                    <a:srgbClr val="000000"/>
+                  </a:solidFill>
+                  <a:latin typeface="Consolas" panose="020B0609020204030204" pitchFamily="49" charset="0"/>
+                </a:rPr>
+                <a:t>:</a:t>
+              </a:r>
+              <a:r>
+                <a:rPr lang="en-US" altLang="zh-CN" sz="1401" dirty="0">
+                  <a:solidFill>
+                    <a:srgbClr val="3B3B3B"/>
+                  </a:solidFill>
+                  <a:latin typeface="Consolas" panose="020B0609020204030204" pitchFamily="49" charset="0"/>
+                </a:rPr>
+                <a:t> </a:t>
+              </a:r>
+              <a:r>
+                <a:rPr lang="en-US" altLang="zh-CN" sz="1401" dirty="0" err="1">
+                  <a:solidFill>
+                    <a:srgbClr val="267F99"/>
+                  </a:solidFill>
+                  <a:latin typeface="Consolas" panose="020B0609020204030204" pitchFamily="49" charset="0"/>
+                </a:rPr>
+                <a:t>RustChrdev</a:t>
+              </a:r>
+              <a:r>
+                <a:rPr lang="en-US" altLang="zh-CN" sz="1401" dirty="0">
+                  <a:solidFill>
+                    <a:srgbClr val="3B3B3B"/>
+                  </a:solidFill>
+                  <a:latin typeface="Consolas" panose="020B0609020204030204" pitchFamily="49" charset="0"/>
+                </a:rPr>
+                <a:t>,</a:t>
+              </a:r>
+            </a:p>
+            <a:p>
+              <a:r>
+                <a:rPr lang="en-US" altLang="zh-CN" sz="1401" dirty="0">
+                  <a:solidFill>
+                    <a:srgbClr val="3B3B3B"/>
+                  </a:solidFill>
+                  <a:latin typeface="Consolas" panose="020B0609020204030204" pitchFamily="49" charset="0"/>
+                </a:rPr>
+                <a:t>    </a:t>
+              </a:r>
+              <a:r>
+                <a:rPr lang="en-US" altLang="zh-CN" sz="1401" dirty="0">
+                  <a:solidFill>
+                    <a:srgbClr val="001080"/>
+                  </a:solidFill>
+                  <a:latin typeface="Consolas" panose="020B0609020204030204" pitchFamily="49" charset="0"/>
+                </a:rPr>
+                <a:t>name</a:t>
+              </a:r>
+              <a:r>
+                <a:rPr lang="en-US" altLang="zh-CN" sz="1401" dirty="0">
+                  <a:solidFill>
+                    <a:srgbClr val="000000"/>
+                  </a:solidFill>
+                  <a:latin typeface="Consolas" panose="020B0609020204030204" pitchFamily="49" charset="0"/>
+                </a:rPr>
+                <a:t>:</a:t>
+              </a:r>
+              <a:r>
+                <a:rPr lang="en-US" altLang="zh-CN" sz="1401" dirty="0">
+                  <a:solidFill>
+                    <a:srgbClr val="3B3B3B"/>
+                  </a:solidFill>
+                  <a:latin typeface="Consolas" panose="020B0609020204030204" pitchFamily="49" charset="0"/>
+                </a:rPr>
+                <a:t> </a:t>
+              </a:r>
+              <a:r>
+                <a:rPr lang="en-US" altLang="zh-CN" sz="1401" dirty="0">
+                  <a:solidFill>
+                    <a:srgbClr val="A31515"/>
+                  </a:solidFill>
+                  <a:latin typeface="Consolas" panose="020B0609020204030204" pitchFamily="49" charset="0"/>
+                </a:rPr>
+                <a:t>"</a:t>
+              </a:r>
+              <a:r>
+                <a:rPr lang="en-US" altLang="zh-CN" sz="1401" dirty="0" err="1">
+                  <a:solidFill>
+                    <a:srgbClr val="A31515"/>
+                  </a:solidFill>
+                  <a:latin typeface="Consolas" panose="020B0609020204030204" pitchFamily="49" charset="0"/>
+                </a:rPr>
+                <a:t>rust_chrdev</a:t>
+              </a:r>
+              <a:r>
+                <a:rPr lang="en-US" altLang="zh-CN" sz="1401" dirty="0">
+                  <a:solidFill>
+                    <a:srgbClr val="A31515"/>
+                  </a:solidFill>
+                  <a:latin typeface="Consolas" panose="020B0609020204030204" pitchFamily="49" charset="0"/>
+                </a:rPr>
+                <a:t>"</a:t>
+              </a:r>
+              <a:r>
+                <a:rPr lang="en-US" altLang="zh-CN" sz="1401" dirty="0">
+                  <a:solidFill>
+                    <a:srgbClr val="3B3B3B"/>
+                  </a:solidFill>
+                  <a:latin typeface="Consolas" panose="020B0609020204030204" pitchFamily="49" charset="0"/>
+                </a:rPr>
+                <a:t>,</a:t>
+              </a:r>
+            </a:p>
+            <a:p>
+              <a:r>
+                <a:rPr lang="en-US" altLang="zh-CN" sz="1401" dirty="0">
+                  <a:solidFill>
+                    <a:srgbClr val="3B3B3B"/>
+                  </a:solidFill>
+                  <a:latin typeface="Consolas" panose="020B0609020204030204" pitchFamily="49" charset="0"/>
+                </a:rPr>
+                <a:t>    </a:t>
+              </a:r>
+              <a:r>
+                <a:rPr lang="en-US" altLang="zh-CN" sz="1401" dirty="0">
+                  <a:solidFill>
+                    <a:srgbClr val="001080"/>
+                  </a:solidFill>
+                  <a:latin typeface="Consolas" panose="020B0609020204030204" pitchFamily="49" charset="0"/>
+                </a:rPr>
+                <a:t>author</a:t>
+              </a:r>
+              <a:r>
+                <a:rPr lang="en-US" altLang="zh-CN" sz="1401" dirty="0">
+                  <a:solidFill>
+                    <a:srgbClr val="000000"/>
+                  </a:solidFill>
+                  <a:latin typeface="Consolas" panose="020B0609020204030204" pitchFamily="49" charset="0"/>
+                </a:rPr>
+                <a:t>:</a:t>
+              </a:r>
+              <a:r>
+                <a:rPr lang="en-US" altLang="zh-CN" sz="1401" dirty="0">
+                  <a:solidFill>
+                    <a:srgbClr val="3B3B3B"/>
+                  </a:solidFill>
+                  <a:latin typeface="Consolas" panose="020B0609020204030204" pitchFamily="49" charset="0"/>
+                </a:rPr>
+                <a:t> </a:t>
+              </a:r>
+              <a:r>
+                <a:rPr lang="en-US" altLang="zh-CN" sz="1401" dirty="0">
+                  <a:solidFill>
+                    <a:srgbClr val="A31515"/>
+                  </a:solidFill>
+                  <a:latin typeface="Consolas" panose="020B0609020204030204" pitchFamily="49" charset="0"/>
+                </a:rPr>
+                <a:t>"Rust for Linux Contributors"</a:t>
+              </a:r>
+              <a:r>
+                <a:rPr lang="en-US" altLang="zh-CN" sz="1401" dirty="0">
+                  <a:solidFill>
+                    <a:srgbClr val="3B3B3B"/>
+                  </a:solidFill>
+                  <a:latin typeface="Consolas" panose="020B0609020204030204" pitchFamily="49" charset="0"/>
+                </a:rPr>
+                <a:t>,</a:t>
+              </a:r>
+            </a:p>
+            <a:p>
+              <a:r>
+                <a:rPr lang="en-US" altLang="zh-CN" sz="1401" dirty="0">
+                  <a:solidFill>
+                    <a:srgbClr val="3B3B3B"/>
+                  </a:solidFill>
+                  <a:latin typeface="Consolas" panose="020B0609020204030204" pitchFamily="49" charset="0"/>
+                </a:rPr>
+                <a:t>}</a:t>
+              </a:r>
+            </a:p>
+            <a:p>
+              <a:endParaRPr lang="en-US" altLang="zh-CN" sz="1401" dirty="0">
+                <a:solidFill>
+                  <a:srgbClr val="3B3B3B"/>
+                </a:solidFill>
+                <a:latin typeface="Consolas" panose="020B0609020204030204" pitchFamily="49" charset="0"/>
+              </a:endParaRPr>
+            </a:p>
+            <a:p>
+              <a:r>
+                <a:rPr lang="en-US" altLang="zh-CN" sz="1401" dirty="0">
+                  <a:solidFill>
+                    <a:srgbClr val="0000FF"/>
+                  </a:solidFill>
+                  <a:latin typeface="Consolas" panose="020B0609020204030204" pitchFamily="49" charset="0"/>
+                </a:rPr>
+                <a:t>struct</a:t>
+              </a:r>
+              <a:r>
+                <a:rPr lang="en-US" altLang="zh-CN" sz="1401" dirty="0">
+                  <a:solidFill>
+                    <a:srgbClr val="3B3B3B"/>
+                  </a:solidFill>
+                  <a:latin typeface="Consolas" panose="020B0609020204030204" pitchFamily="49" charset="0"/>
+                </a:rPr>
+                <a:t> </a:t>
+              </a:r>
+              <a:r>
+                <a:rPr lang="en-US" altLang="zh-CN" sz="1401" dirty="0" err="1">
+                  <a:solidFill>
+                    <a:srgbClr val="267F99"/>
+                  </a:solidFill>
+                  <a:latin typeface="Consolas" panose="020B0609020204030204" pitchFamily="49" charset="0"/>
+                </a:rPr>
+                <a:t>RustFile</a:t>
+              </a:r>
+              <a:r>
+                <a:rPr lang="en-US" altLang="zh-CN" sz="1401" dirty="0">
+                  <a:solidFill>
+                    <a:srgbClr val="3B3B3B"/>
+                  </a:solidFill>
+                  <a:latin typeface="Consolas" panose="020B0609020204030204" pitchFamily="49" charset="0"/>
+                </a:rPr>
+                <a:t>;</a:t>
+              </a:r>
+            </a:p>
+            <a:p>
+              <a:endParaRPr lang="en-US" altLang="zh-CN" sz="1401" dirty="0">
+                <a:solidFill>
+                  <a:srgbClr val="3B3B3B"/>
+                </a:solidFill>
+                <a:latin typeface="Consolas" panose="020B0609020204030204" pitchFamily="49" charset="0"/>
+              </a:endParaRPr>
+            </a:p>
+            <a:p>
+              <a:r>
+                <a:rPr lang="en-US" altLang="zh-CN" sz="1401" dirty="0">
+                  <a:solidFill>
+                    <a:srgbClr val="0000FF"/>
+                  </a:solidFill>
+                  <a:latin typeface="Consolas" panose="020B0609020204030204" pitchFamily="49" charset="0"/>
+                </a:rPr>
+                <a:t>struct</a:t>
+              </a:r>
+              <a:r>
+                <a:rPr lang="en-US" altLang="zh-CN" sz="1401" dirty="0">
+                  <a:solidFill>
+                    <a:srgbClr val="3B3B3B"/>
+                  </a:solidFill>
+                  <a:latin typeface="Consolas" panose="020B0609020204030204" pitchFamily="49" charset="0"/>
+                </a:rPr>
+                <a:t> </a:t>
+              </a:r>
+              <a:r>
+                <a:rPr lang="en-US" altLang="zh-CN" sz="1401" dirty="0" err="1">
+                  <a:solidFill>
+                    <a:srgbClr val="267F99"/>
+                  </a:solidFill>
+                  <a:latin typeface="Consolas" panose="020B0609020204030204" pitchFamily="49" charset="0"/>
+                </a:rPr>
+                <a:t>RustChrdev</a:t>
+              </a:r>
+              <a:r>
+                <a:rPr lang="en-US" altLang="zh-CN" sz="1401" dirty="0">
+                  <a:solidFill>
+                    <a:srgbClr val="3B3B3B"/>
+                  </a:solidFill>
+                  <a:latin typeface="Consolas" panose="020B0609020204030204" pitchFamily="49" charset="0"/>
+                </a:rPr>
+                <a:t> {</a:t>
+              </a:r>
+            </a:p>
+            <a:p>
+              <a:r>
+                <a:rPr lang="en-US" altLang="zh-CN" sz="1401" dirty="0">
+                  <a:solidFill>
+                    <a:srgbClr val="3B3B3B"/>
+                  </a:solidFill>
+                  <a:latin typeface="Consolas" panose="020B0609020204030204" pitchFamily="49" charset="0"/>
+                </a:rPr>
+                <a:t>    </a:t>
+              </a:r>
+              <a:r>
+                <a:rPr lang="en-US" altLang="zh-CN" sz="1401" dirty="0">
+                  <a:solidFill>
+                    <a:srgbClr val="001080"/>
+                  </a:solidFill>
+                  <a:latin typeface="Consolas" panose="020B0609020204030204" pitchFamily="49" charset="0"/>
+                </a:rPr>
+                <a:t>_dev</a:t>
+              </a:r>
+              <a:r>
+                <a:rPr lang="en-US" altLang="zh-CN" sz="1401" dirty="0">
+                  <a:solidFill>
+                    <a:srgbClr val="000000"/>
+                  </a:solidFill>
+                  <a:latin typeface="Consolas" panose="020B0609020204030204" pitchFamily="49" charset="0"/>
+                </a:rPr>
+                <a:t>:</a:t>
+              </a:r>
+              <a:r>
+                <a:rPr lang="en-US" altLang="zh-CN" sz="1401" dirty="0">
+                  <a:solidFill>
+                    <a:srgbClr val="3B3B3B"/>
+                  </a:solidFill>
+                  <a:latin typeface="Consolas" panose="020B0609020204030204" pitchFamily="49" charset="0"/>
+                </a:rPr>
+                <a:t> </a:t>
+              </a:r>
+              <a:r>
+                <a:rPr lang="en-US" altLang="zh-CN" sz="1401" dirty="0">
+                  <a:solidFill>
+                    <a:srgbClr val="267F99"/>
+                  </a:solidFill>
+                  <a:latin typeface="Consolas" panose="020B0609020204030204" pitchFamily="49" charset="0"/>
+                </a:rPr>
+                <a:t>Pin</a:t>
+              </a:r>
+              <a:r>
+                <a:rPr lang="en-US" altLang="zh-CN" sz="1401" dirty="0">
+                  <a:solidFill>
+                    <a:srgbClr val="3B3B3B"/>
+                  </a:solidFill>
+                  <a:latin typeface="Consolas" panose="020B0609020204030204" pitchFamily="49" charset="0"/>
+                </a:rPr>
+                <a:t>&lt;</a:t>
+              </a:r>
+              <a:r>
+                <a:rPr lang="en-US" altLang="zh-CN" sz="1401" dirty="0">
+                  <a:solidFill>
+                    <a:srgbClr val="267F99"/>
+                  </a:solidFill>
+                  <a:latin typeface="Consolas" panose="020B0609020204030204" pitchFamily="49" charset="0"/>
+                </a:rPr>
+                <a:t>Box</a:t>
+              </a:r>
+              <a:r>
+                <a:rPr lang="en-US" altLang="zh-CN" sz="1401" dirty="0">
+                  <a:solidFill>
+                    <a:srgbClr val="3B3B3B"/>
+                  </a:solidFill>
+                  <a:latin typeface="Consolas" panose="020B0609020204030204" pitchFamily="49" charset="0"/>
+                </a:rPr>
+                <a:t>&lt;</a:t>
+              </a:r>
+              <a:r>
+                <a:rPr lang="en-US" altLang="zh-CN" sz="1401" dirty="0" err="1">
+                  <a:solidFill>
+                    <a:srgbClr val="001080"/>
+                  </a:solidFill>
+                  <a:latin typeface="Consolas" panose="020B0609020204030204" pitchFamily="49" charset="0"/>
+                </a:rPr>
+                <a:t>chrdev</a:t>
+              </a:r>
+              <a:r>
+                <a:rPr lang="en-US" altLang="zh-CN" sz="1401" dirty="0">
+                  <a:solidFill>
+                    <a:srgbClr val="000000"/>
+                  </a:solidFill>
+                  <a:latin typeface="Consolas" panose="020B0609020204030204" pitchFamily="49" charset="0"/>
+                </a:rPr>
+                <a:t>::</a:t>
+              </a:r>
+              <a:r>
+                <a:rPr lang="en-US" altLang="zh-CN" sz="1401" dirty="0">
+                  <a:solidFill>
+                    <a:srgbClr val="267F99"/>
+                  </a:solidFill>
+                  <a:latin typeface="Consolas" panose="020B0609020204030204" pitchFamily="49" charset="0"/>
+                </a:rPr>
+                <a:t>Registration</a:t>
+              </a:r>
+              <a:r>
+                <a:rPr lang="en-US" altLang="zh-CN" sz="1401" dirty="0">
+                  <a:solidFill>
+                    <a:srgbClr val="3B3B3B"/>
+                  </a:solidFill>
+                  <a:latin typeface="Consolas" panose="020B0609020204030204" pitchFamily="49" charset="0"/>
+                </a:rPr>
+                <a:t>&lt;</a:t>
+              </a:r>
+              <a:r>
+                <a:rPr lang="en-US" altLang="zh-CN" sz="1401" dirty="0">
+                  <a:solidFill>
+                    <a:srgbClr val="001080"/>
+                  </a:solidFill>
+                  <a:latin typeface="Consolas" panose="020B0609020204030204" pitchFamily="49" charset="0"/>
+                </a:rPr>
+                <a:t>2</a:t>
+              </a:r>
+              <a:r>
+                <a:rPr lang="en-US" altLang="zh-CN" sz="1401" dirty="0">
+                  <a:solidFill>
+                    <a:srgbClr val="3B3B3B"/>
+                  </a:solidFill>
+                  <a:latin typeface="Consolas" panose="020B0609020204030204" pitchFamily="49" charset="0"/>
+                </a:rPr>
+                <a:t>&gt;&gt;&gt;,</a:t>
+              </a:r>
+            </a:p>
+            <a:p>
+              <a:r>
+                <a:rPr lang="en-US" altLang="zh-CN" sz="1401" dirty="0">
+                  <a:solidFill>
+                    <a:srgbClr val="3B3B3B"/>
+                  </a:solidFill>
+                  <a:latin typeface="Consolas" panose="020B0609020204030204" pitchFamily="49" charset="0"/>
+                </a:rPr>
+                <a:t>}</a:t>
+              </a:r>
+            </a:p>
+            <a:p>
+              <a:endParaRPr lang="en-US" altLang="zh-CN" sz="1401" dirty="0">
+                <a:solidFill>
+                  <a:srgbClr val="3B3B3B"/>
+                </a:solidFill>
+                <a:latin typeface="Consolas" panose="020B0609020204030204" pitchFamily="49" charset="0"/>
+              </a:endParaRPr>
+            </a:p>
+            <a:p>
+              <a:r>
+                <a:rPr lang="en-US" altLang="zh-CN" sz="1401" dirty="0" err="1">
+                  <a:solidFill>
+                    <a:srgbClr val="0000FF"/>
+                  </a:solidFill>
+                  <a:latin typeface="Consolas" panose="020B0609020204030204" pitchFamily="49" charset="0"/>
+                </a:rPr>
+                <a:t>impl</a:t>
+              </a:r>
+              <a:r>
+                <a:rPr lang="en-US" altLang="zh-CN" sz="1401" dirty="0">
+                  <a:solidFill>
+                    <a:srgbClr val="3B3B3B"/>
+                  </a:solidFill>
+                  <a:latin typeface="Consolas" panose="020B0609020204030204" pitchFamily="49" charset="0"/>
+                </a:rPr>
+                <a:t> </a:t>
+              </a:r>
+              <a:r>
+                <a:rPr lang="en-US" altLang="zh-CN" sz="1401" dirty="0">
+                  <a:solidFill>
+                    <a:srgbClr val="267F99"/>
+                  </a:solidFill>
+                  <a:latin typeface="Consolas" panose="020B0609020204030204" pitchFamily="49" charset="0"/>
+                </a:rPr>
+                <a:t>kernel</a:t>
+              </a:r>
+              <a:r>
+                <a:rPr lang="en-US" altLang="zh-CN" sz="1401" dirty="0">
+                  <a:solidFill>
+                    <a:srgbClr val="000000"/>
+                  </a:solidFill>
+                  <a:latin typeface="Consolas" panose="020B0609020204030204" pitchFamily="49" charset="0"/>
+                </a:rPr>
+                <a:t>::</a:t>
+              </a:r>
+              <a:r>
+                <a:rPr lang="en-US" altLang="zh-CN" sz="1401" dirty="0">
+                  <a:solidFill>
+                    <a:srgbClr val="267F99"/>
+                  </a:solidFill>
+                  <a:latin typeface="Consolas" panose="020B0609020204030204" pitchFamily="49" charset="0"/>
+                </a:rPr>
+                <a:t>Module</a:t>
+              </a:r>
+              <a:r>
+                <a:rPr lang="en-US" altLang="zh-CN" sz="1401" dirty="0">
+                  <a:solidFill>
+                    <a:srgbClr val="3B3B3B"/>
+                  </a:solidFill>
+                  <a:latin typeface="Consolas" panose="020B0609020204030204" pitchFamily="49" charset="0"/>
+                </a:rPr>
+                <a:t> </a:t>
+              </a:r>
+              <a:r>
+                <a:rPr lang="en-US" altLang="zh-CN" sz="1401" dirty="0">
+                  <a:solidFill>
+                    <a:srgbClr val="AF00DB"/>
+                  </a:solidFill>
+                  <a:latin typeface="Consolas" panose="020B0609020204030204" pitchFamily="49" charset="0"/>
+                </a:rPr>
+                <a:t>for</a:t>
+              </a:r>
+              <a:r>
+                <a:rPr lang="en-US" altLang="zh-CN" sz="1401" dirty="0">
+                  <a:solidFill>
+                    <a:srgbClr val="3B3B3B"/>
+                  </a:solidFill>
+                  <a:latin typeface="Consolas" panose="020B0609020204030204" pitchFamily="49" charset="0"/>
+                </a:rPr>
+                <a:t> </a:t>
+              </a:r>
+              <a:r>
+                <a:rPr lang="en-US" altLang="zh-CN" sz="1401" dirty="0" err="1">
+                  <a:solidFill>
+                    <a:srgbClr val="267F99"/>
+                  </a:solidFill>
+                  <a:latin typeface="Consolas" panose="020B0609020204030204" pitchFamily="49" charset="0"/>
+                </a:rPr>
+                <a:t>RustChrdev</a:t>
+              </a:r>
+              <a:r>
+                <a:rPr lang="en-US" altLang="zh-CN" sz="1401" dirty="0">
+                  <a:solidFill>
+                    <a:srgbClr val="3B3B3B"/>
+                  </a:solidFill>
+                  <a:latin typeface="Consolas" panose="020B0609020204030204" pitchFamily="49" charset="0"/>
+                </a:rPr>
+                <a:t> {</a:t>
+              </a:r>
+            </a:p>
+            <a:p>
+              <a:r>
+                <a:rPr lang="en-US" altLang="zh-CN" sz="1401" dirty="0">
+                  <a:solidFill>
+                    <a:srgbClr val="3B3B3B"/>
+                  </a:solidFill>
+                  <a:latin typeface="Consolas" panose="020B0609020204030204" pitchFamily="49" charset="0"/>
+                </a:rPr>
+                <a:t>    </a:t>
+              </a:r>
+              <a:r>
+                <a:rPr lang="en-US" altLang="zh-CN" sz="1401" dirty="0" err="1">
+                  <a:solidFill>
+                    <a:srgbClr val="0000FF"/>
+                  </a:solidFill>
+                  <a:latin typeface="Consolas" panose="020B0609020204030204" pitchFamily="49" charset="0"/>
+                </a:rPr>
+                <a:t>fn</a:t>
+              </a:r>
+              <a:r>
+                <a:rPr lang="en-US" altLang="zh-CN" sz="1401" dirty="0">
+                  <a:solidFill>
+                    <a:srgbClr val="3B3B3B"/>
+                  </a:solidFill>
+                  <a:latin typeface="Consolas" panose="020B0609020204030204" pitchFamily="49" charset="0"/>
+                </a:rPr>
+                <a:t> </a:t>
+              </a:r>
+              <a:r>
+                <a:rPr lang="en-US" altLang="zh-CN" sz="1401" dirty="0" err="1">
+                  <a:solidFill>
+                    <a:srgbClr val="795E26"/>
+                  </a:solidFill>
+                  <a:latin typeface="Consolas" panose="020B0609020204030204" pitchFamily="49" charset="0"/>
+                </a:rPr>
+                <a:t>init</a:t>
+              </a:r>
+              <a:r>
+                <a:rPr lang="en-US" altLang="zh-CN" sz="1401" dirty="0">
+                  <a:solidFill>
+                    <a:srgbClr val="3B3B3B"/>
+                  </a:solidFill>
+                  <a:latin typeface="Consolas" panose="020B0609020204030204" pitchFamily="49" charset="0"/>
+                </a:rPr>
+                <a:t>(</a:t>
+              </a:r>
+              <a:r>
+                <a:rPr lang="en-US" altLang="zh-CN" sz="1401" dirty="0">
+                  <a:solidFill>
+                    <a:srgbClr val="001080"/>
+                  </a:solidFill>
+                  <a:latin typeface="Consolas" panose="020B0609020204030204" pitchFamily="49" charset="0"/>
+                </a:rPr>
+                <a:t>……</a:t>
+              </a:r>
+              <a:r>
+                <a:rPr lang="en-US" altLang="zh-CN" sz="1401" dirty="0">
+                  <a:solidFill>
+                    <a:srgbClr val="3B3B3B"/>
+                  </a:solidFill>
+                  <a:latin typeface="Consolas" panose="020B0609020204030204" pitchFamily="49" charset="0"/>
+                </a:rPr>
+                <a:t>) </a:t>
+              </a:r>
+              <a:r>
+                <a:rPr lang="en-US" altLang="zh-CN" sz="1401" dirty="0">
+                  <a:solidFill>
+                    <a:srgbClr val="000000"/>
+                  </a:solidFill>
+                  <a:latin typeface="Consolas" panose="020B0609020204030204" pitchFamily="49" charset="0"/>
+                </a:rPr>
+                <a:t>-&gt;</a:t>
+              </a:r>
+              <a:r>
+                <a:rPr lang="en-US" altLang="zh-CN" sz="1401" dirty="0">
+                  <a:solidFill>
+                    <a:srgbClr val="3B3B3B"/>
+                  </a:solidFill>
+                  <a:latin typeface="Consolas" panose="020B0609020204030204" pitchFamily="49" charset="0"/>
+                </a:rPr>
+                <a:t> </a:t>
+              </a:r>
+              <a:r>
+                <a:rPr lang="en-US" altLang="zh-CN" sz="1401" dirty="0">
+                  <a:solidFill>
+                    <a:srgbClr val="267F99"/>
+                  </a:solidFill>
+                  <a:latin typeface="Consolas" panose="020B0609020204030204" pitchFamily="49" charset="0"/>
+                </a:rPr>
+                <a:t>Result</a:t>
+              </a:r>
+              <a:r>
+                <a:rPr lang="en-US" altLang="zh-CN" sz="1401" dirty="0">
+                  <a:solidFill>
+                    <a:srgbClr val="3B3B3B"/>
+                  </a:solidFill>
+                  <a:latin typeface="Consolas" panose="020B0609020204030204" pitchFamily="49" charset="0"/>
+                </a:rPr>
+                <a:t>&lt;</a:t>
+              </a:r>
+              <a:r>
+                <a:rPr lang="en-US" altLang="zh-CN" sz="1401" dirty="0">
+                  <a:solidFill>
+                    <a:srgbClr val="0000FF"/>
+                  </a:solidFill>
+                  <a:latin typeface="Consolas" panose="020B0609020204030204" pitchFamily="49" charset="0"/>
+                </a:rPr>
+                <a:t>Self</a:t>
+              </a:r>
+              <a:r>
+                <a:rPr lang="en-US" altLang="zh-CN" sz="1401" dirty="0">
+                  <a:solidFill>
+                    <a:srgbClr val="3B3B3B"/>
+                  </a:solidFill>
+                  <a:latin typeface="Consolas" panose="020B0609020204030204" pitchFamily="49" charset="0"/>
+                </a:rPr>
+                <a:t>&gt; {</a:t>
+              </a:r>
+              <a:br>
+                <a:rPr lang="en-US" altLang="zh-CN" sz="1401" dirty="0">
+                  <a:solidFill>
+                    <a:srgbClr val="3B3B3B"/>
+                  </a:solidFill>
+                  <a:latin typeface="Consolas" panose="020B0609020204030204" pitchFamily="49" charset="0"/>
+                </a:rPr>
+              </a:br>
+              <a:r>
+                <a:rPr lang="en-US" altLang="zh-CN" sz="1401" dirty="0">
+                  <a:solidFill>
+                    <a:srgbClr val="3B3B3B"/>
+                  </a:solidFill>
+                  <a:latin typeface="Consolas" panose="020B0609020204030204" pitchFamily="49" charset="0"/>
+                </a:rPr>
+                <a:t>        </a:t>
+              </a:r>
+              <a:r>
+                <a:rPr lang="en-US" altLang="zh-CN" sz="1401" dirty="0">
+                  <a:solidFill>
+                    <a:srgbClr val="0000FF"/>
+                  </a:solidFill>
+                  <a:latin typeface="Consolas" panose="020B0609020204030204" pitchFamily="49" charset="0"/>
+                </a:rPr>
+                <a:t>let</a:t>
+              </a:r>
+              <a:r>
+                <a:rPr lang="en-US" altLang="zh-CN" sz="1401" dirty="0">
+                  <a:solidFill>
+                    <a:srgbClr val="3B3B3B"/>
+                  </a:solidFill>
+                  <a:latin typeface="Consolas" panose="020B0609020204030204" pitchFamily="49" charset="0"/>
+                </a:rPr>
+                <a:t> </a:t>
+              </a:r>
+              <a:r>
+                <a:rPr lang="en-US" altLang="zh-CN" sz="1401" dirty="0">
+                  <a:solidFill>
+                    <a:srgbClr val="0000FF"/>
+                  </a:solidFill>
+                  <a:latin typeface="Consolas" panose="020B0609020204030204" pitchFamily="49" charset="0"/>
+                </a:rPr>
+                <a:t>mut</a:t>
+              </a:r>
+              <a:r>
+                <a:rPr lang="en-US" altLang="zh-CN" sz="1401" dirty="0">
+                  <a:solidFill>
+                    <a:srgbClr val="3B3B3B"/>
+                  </a:solidFill>
+                  <a:latin typeface="Consolas" panose="020B0609020204030204" pitchFamily="49" charset="0"/>
+                </a:rPr>
+                <a:t> </a:t>
+              </a:r>
+              <a:r>
+                <a:rPr lang="en-US" altLang="zh-CN" sz="1401" dirty="0" err="1">
+                  <a:solidFill>
+                    <a:srgbClr val="001080"/>
+                  </a:solidFill>
+                  <a:latin typeface="Consolas" panose="020B0609020204030204" pitchFamily="49" charset="0"/>
+                </a:rPr>
+                <a:t>chr</a:t>
+              </a:r>
+              <a:r>
+                <a:rPr lang="en-US" altLang="zh-CN" sz="1401" dirty="0">
+                  <a:solidFill>
+                    <a:srgbClr val="3B3B3B"/>
+                  </a:solidFill>
+                  <a:latin typeface="Consolas" panose="020B0609020204030204" pitchFamily="49" charset="0"/>
+                </a:rPr>
+                <a:t> </a:t>
+              </a:r>
+              <a:r>
+                <a:rPr lang="en-US" altLang="zh-CN" sz="1401" dirty="0">
+                  <a:solidFill>
+                    <a:srgbClr val="000000"/>
+                  </a:solidFill>
+                  <a:latin typeface="Consolas" panose="020B0609020204030204" pitchFamily="49" charset="0"/>
+                </a:rPr>
+                <a:t>=</a:t>
+              </a:r>
+              <a:r>
+                <a:rPr lang="en-US" altLang="zh-CN" sz="1401" dirty="0">
+                  <a:solidFill>
+                    <a:srgbClr val="3B3B3B"/>
+                  </a:solidFill>
+                  <a:latin typeface="Consolas" panose="020B0609020204030204" pitchFamily="49" charset="0"/>
+                </a:rPr>
+                <a:t> </a:t>
+              </a:r>
+              <a:r>
+                <a:rPr lang="en-US" altLang="zh-CN" sz="1401" dirty="0" err="1">
+                  <a:solidFill>
+                    <a:srgbClr val="267F99"/>
+                  </a:solidFill>
+                  <a:latin typeface="Consolas" panose="020B0609020204030204" pitchFamily="49" charset="0"/>
+                </a:rPr>
+                <a:t>chrdev</a:t>
+              </a:r>
+              <a:r>
+                <a:rPr lang="en-US" altLang="zh-CN" sz="1401" dirty="0">
+                  <a:solidFill>
+                    <a:srgbClr val="000000"/>
+                  </a:solidFill>
+                  <a:latin typeface="Consolas" panose="020B0609020204030204" pitchFamily="49" charset="0"/>
+                </a:rPr>
+                <a:t>::</a:t>
+              </a:r>
+              <a:r>
+                <a:rPr lang="en-US" altLang="zh-CN" sz="1401" dirty="0">
+                  <a:solidFill>
+                    <a:srgbClr val="267F99"/>
+                  </a:solidFill>
+                  <a:latin typeface="Consolas" panose="020B0609020204030204" pitchFamily="49" charset="0"/>
+                </a:rPr>
+                <a:t>Registration</a:t>
+              </a:r>
+              <a:r>
+                <a:rPr lang="en-US" altLang="zh-CN" sz="1401" dirty="0">
+                  <a:solidFill>
+                    <a:srgbClr val="000000"/>
+                  </a:solidFill>
+                  <a:latin typeface="Consolas" panose="020B0609020204030204" pitchFamily="49" charset="0"/>
+                </a:rPr>
+                <a:t>::</a:t>
+              </a:r>
+              <a:r>
+                <a:rPr lang="en-US" altLang="zh-CN" sz="1401" dirty="0" err="1">
+                  <a:solidFill>
+                    <a:srgbClr val="795E26"/>
+                  </a:solidFill>
+                  <a:latin typeface="Consolas" panose="020B0609020204030204" pitchFamily="49" charset="0"/>
+                </a:rPr>
+                <a:t>new_pinned</a:t>
+              </a:r>
+              <a:r>
+                <a:rPr lang="en-US" altLang="zh-CN" sz="1401" dirty="0">
+                  <a:solidFill>
+                    <a:srgbClr val="3B3B3B"/>
+                  </a:solidFill>
+                  <a:latin typeface="Consolas" panose="020B0609020204030204" pitchFamily="49" charset="0"/>
+                </a:rPr>
+                <a:t>(</a:t>
+              </a:r>
+              <a:r>
+                <a:rPr lang="en-US" altLang="zh-CN" sz="1401" dirty="0">
+                  <a:solidFill>
+                    <a:srgbClr val="001080"/>
+                  </a:solidFill>
+                  <a:latin typeface="Consolas" panose="020B0609020204030204" pitchFamily="49" charset="0"/>
+                </a:rPr>
+                <a:t>……</a:t>
+              </a:r>
+              <a:r>
+                <a:rPr lang="en-US" altLang="zh-CN" sz="1401" dirty="0">
+                  <a:solidFill>
+                    <a:srgbClr val="3B3B3B"/>
+                  </a:solidFill>
+                  <a:latin typeface="Consolas" panose="020B0609020204030204" pitchFamily="49" charset="0"/>
+                </a:rPr>
+                <a:t>)</a:t>
+              </a:r>
+              <a:r>
+                <a:rPr lang="en-US" altLang="zh-CN" sz="1401" dirty="0">
+                  <a:solidFill>
+                    <a:srgbClr val="000000"/>
+                  </a:solidFill>
+                  <a:latin typeface="Consolas" panose="020B0609020204030204" pitchFamily="49" charset="0"/>
+                </a:rPr>
+                <a:t>?</a:t>
+              </a:r>
+              <a:r>
+                <a:rPr lang="en-US" altLang="zh-CN" sz="1401" dirty="0">
+                  <a:solidFill>
+                    <a:srgbClr val="3B3B3B"/>
+                  </a:solidFill>
+                  <a:latin typeface="Consolas" panose="020B0609020204030204" pitchFamily="49" charset="0"/>
+                </a:rPr>
+                <a:t>;</a:t>
+              </a:r>
+            </a:p>
+            <a:p>
+              <a:r>
+                <a:rPr lang="en-US" altLang="zh-CN" sz="1401" dirty="0">
+                  <a:solidFill>
+                    <a:srgbClr val="3B3B3B"/>
+                  </a:solidFill>
+                  <a:latin typeface="Consolas" panose="020B0609020204030204" pitchFamily="49" charset="0"/>
+                </a:rPr>
+                <a:t>        </a:t>
+              </a:r>
+              <a:r>
+                <a:rPr lang="en-US" altLang="zh-CN" sz="1401" dirty="0" err="1">
+                  <a:solidFill>
+                    <a:srgbClr val="001080"/>
+                  </a:solidFill>
+                  <a:latin typeface="Consolas" panose="020B0609020204030204" pitchFamily="49" charset="0"/>
+                </a:rPr>
+                <a:t>chr</a:t>
+              </a:r>
+              <a:r>
+                <a:rPr lang="en-US" altLang="zh-CN" sz="1401" dirty="0" err="1">
+                  <a:solidFill>
+                    <a:srgbClr val="000000"/>
+                  </a:solidFill>
+                  <a:latin typeface="Consolas" panose="020B0609020204030204" pitchFamily="49" charset="0"/>
+                </a:rPr>
+                <a:t>.</a:t>
+              </a:r>
+              <a:r>
+                <a:rPr lang="en-US" altLang="zh-CN" sz="1401" dirty="0" err="1">
+                  <a:solidFill>
+                    <a:srgbClr val="795E26"/>
+                  </a:solidFill>
+                  <a:latin typeface="Consolas" panose="020B0609020204030204" pitchFamily="49" charset="0"/>
+                </a:rPr>
+                <a:t>as_mut</a:t>
+              </a:r>
+              <a:r>
+                <a:rPr lang="en-US" altLang="zh-CN" sz="1401" dirty="0">
+                  <a:solidFill>
+                    <a:srgbClr val="3B3B3B"/>
+                  </a:solidFill>
+                  <a:latin typeface="Consolas" panose="020B0609020204030204" pitchFamily="49" charset="0"/>
+                </a:rPr>
+                <a:t>()</a:t>
+              </a:r>
+              <a:r>
+                <a:rPr lang="en-US" altLang="zh-CN" sz="1401" dirty="0">
+                  <a:solidFill>
+                    <a:srgbClr val="000000"/>
+                  </a:solidFill>
+                  <a:latin typeface="Consolas" panose="020B0609020204030204" pitchFamily="49" charset="0"/>
+                </a:rPr>
+                <a:t>.</a:t>
+              </a:r>
+              <a:r>
+                <a:rPr lang="en-US" altLang="zh-CN" sz="1401" dirty="0">
+                  <a:solidFill>
+                    <a:srgbClr val="795E26"/>
+                  </a:solidFill>
+                  <a:latin typeface="Consolas" panose="020B0609020204030204" pitchFamily="49" charset="0"/>
+                </a:rPr>
+                <a:t>register</a:t>
+              </a:r>
+              <a:r>
+                <a:rPr lang="en-US" altLang="zh-CN" sz="1401" dirty="0">
+                  <a:solidFill>
+                    <a:srgbClr val="000000"/>
+                  </a:solidFill>
+                  <a:latin typeface="Consolas" panose="020B0609020204030204" pitchFamily="49" charset="0"/>
+                </a:rPr>
+                <a:t>::</a:t>
+              </a:r>
+              <a:r>
+                <a:rPr lang="en-US" altLang="zh-CN" sz="1401" dirty="0">
+                  <a:solidFill>
+                    <a:srgbClr val="3B3B3B"/>
+                  </a:solidFill>
+                  <a:latin typeface="Consolas" panose="020B0609020204030204" pitchFamily="49" charset="0"/>
+                </a:rPr>
+                <a:t>&lt;</a:t>
+              </a:r>
+              <a:r>
+                <a:rPr lang="en-US" altLang="zh-CN" sz="1401" dirty="0" err="1">
+                  <a:solidFill>
+                    <a:srgbClr val="267F99"/>
+                  </a:solidFill>
+                  <a:latin typeface="Consolas" panose="020B0609020204030204" pitchFamily="49" charset="0"/>
+                </a:rPr>
+                <a:t>RustFile</a:t>
+              </a:r>
+              <a:r>
+                <a:rPr lang="en-US" altLang="zh-CN" sz="1401" dirty="0">
+                  <a:solidFill>
+                    <a:srgbClr val="3B3B3B"/>
+                  </a:solidFill>
+                  <a:latin typeface="Consolas" panose="020B0609020204030204" pitchFamily="49" charset="0"/>
+                </a:rPr>
+                <a:t>&gt;()</a:t>
+              </a:r>
+              <a:r>
+                <a:rPr lang="en-US" altLang="zh-CN" sz="1401" dirty="0">
+                  <a:solidFill>
+                    <a:srgbClr val="000000"/>
+                  </a:solidFill>
+                  <a:latin typeface="Consolas" panose="020B0609020204030204" pitchFamily="49" charset="0"/>
+                </a:rPr>
+                <a:t>?</a:t>
+              </a:r>
+              <a:r>
+                <a:rPr lang="en-US" altLang="zh-CN" sz="1401" dirty="0">
+                  <a:solidFill>
+                    <a:srgbClr val="3B3B3B"/>
+                  </a:solidFill>
+                  <a:latin typeface="Consolas" panose="020B0609020204030204" pitchFamily="49" charset="0"/>
+                </a:rPr>
+                <a:t>;</a:t>
+              </a:r>
+            </a:p>
+            <a:p>
+              <a:br>
+                <a:rPr lang="en-US" altLang="zh-CN" sz="1401" dirty="0">
+                  <a:solidFill>
+                    <a:srgbClr val="3B3B3B"/>
+                  </a:solidFill>
+                  <a:latin typeface="Consolas" panose="020B0609020204030204" pitchFamily="49" charset="0"/>
+                </a:rPr>
+              </a:br>
+              <a:r>
+                <a:rPr lang="en-US" altLang="zh-CN" sz="1401" dirty="0">
+                  <a:solidFill>
+                    <a:srgbClr val="3B3B3B"/>
+                  </a:solidFill>
+                  <a:latin typeface="Consolas" panose="020B0609020204030204" pitchFamily="49" charset="0"/>
+                </a:rPr>
+                <a:t>        </a:t>
+              </a:r>
+              <a:r>
+                <a:rPr lang="en-US" altLang="zh-CN" sz="1401" dirty="0">
+                  <a:solidFill>
+                    <a:srgbClr val="267F99"/>
+                  </a:solidFill>
+                  <a:latin typeface="Consolas" panose="020B0609020204030204" pitchFamily="49" charset="0"/>
+                </a:rPr>
+                <a:t>Ok</a:t>
+              </a:r>
+              <a:r>
+                <a:rPr lang="en-US" altLang="zh-CN" sz="1401" dirty="0">
+                  <a:solidFill>
+                    <a:srgbClr val="3B3B3B"/>
+                  </a:solidFill>
+                  <a:latin typeface="Consolas" panose="020B0609020204030204" pitchFamily="49" charset="0"/>
+                </a:rPr>
+                <a:t>(</a:t>
+              </a:r>
+              <a:r>
+                <a:rPr lang="en-US" altLang="zh-CN" sz="1401" dirty="0" err="1">
+                  <a:solidFill>
+                    <a:srgbClr val="267F99"/>
+                  </a:solidFill>
+                  <a:latin typeface="Consolas" panose="020B0609020204030204" pitchFamily="49" charset="0"/>
+                </a:rPr>
+                <a:t>RustChrdev</a:t>
+              </a:r>
+              <a:r>
+                <a:rPr lang="en-US" altLang="zh-CN" sz="1401" dirty="0">
+                  <a:solidFill>
+                    <a:srgbClr val="3B3B3B"/>
+                  </a:solidFill>
+                  <a:latin typeface="Consolas" panose="020B0609020204030204" pitchFamily="49" charset="0"/>
+                </a:rPr>
+                <a:t> { </a:t>
+              </a:r>
+              <a:r>
+                <a:rPr lang="en-US" altLang="zh-CN" sz="1401" dirty="0">
+                  <a:solidFill>
+                    <a:srgbClr val="001080"/>
+                  </a:solidFill>
+                  <a:latin typeface="Consolas" panose="020B0609020204030204" pitchFamily="49" charset="0"/>
+                </a:rPr>
+                <a:t>_dev</a:t>
+              </a:r>
+              <a:r>
+                <a:rPr lang="en-US" altLang="zh-CN" sz="1401" dirty="0">
+                  <a:solidFill>
+                    <a:srgbClr val="000000"/>
+                  </a:solidFill>
+                  <a:latin typeface="Consolas" panose="020B0609020204030204" pitchFamily="49" charset="0"/>
+                </a:rPr>
+                <a:t>:</a:t>
+              </a:r>
+              <a:r>
+                <a:rPr lang="en-US" altLang="zh-CN" sz="1401" dirty="0">
+                  <a:solidFill>
+                    <a:srgbClr val="3B3B3B"/>
+                  </a:solidFill>
+                  <a:latin typeface="Consolas" panose="020B0609020204030204" pitchFamily="49" charset="0"/>
+                </a:rPr>
+                <a:t> </a:t>
+              </a:r>
+              <a:r>
+                <a:rPr lang="en-US" altLang="zh-CN" sz="1401" dirty="0" err="1">
+                  <a:solidFill>
+                    <a:srgbClr val="001080"/>
+                  </a:solidFill>
+                  <a:latin typeface="Consolas" panose="020B0609020204030204" pitchFamily="49" charset="0"/>
+                </a:rPr>
+                <a:t>chr</a:t>
+              </a:r>
+              <a:r>
+                <a:rPr lang="en-US" altLang="zh-CN" sz="1401" dirty="0">
+                  <a:solidFill>
+                    <a:srgbClr val="3B3B3B"/>
+                  </a:solidFill>
+                  <a:latin typeface="Consolas" panose="020B0609020204030204" pitchFamily="49" charset="0"/>
+                </a:rPr>
+                <a:t> })</a:t>
+              </a:r>
+            </a:p>
+            <a:p>
+              <a:r>
+                <a:rPr lang="en-US" altLang="zh-CN" sz="1401" dirty="0">
+                  <a:solidFill>
+                    <a:srgbClr val="3B3B3B"/>
+                  </a:solidFill>
+                  <a:latin typeface="Consolas" panose="020B0609020204030204" pitchFamily="49" charset="0"/>
+                </a:rPr>
+                <a:t>    }</a:t>
+              </a:r>
+            </a:p>
+            <a:p>
+              <a:r>
+                <a:rPr lang="en-US" altLang="zh-CN" sz="1401" dirty="0">
+                  <a:solidFill>
+                    <a:srgbClr val="3B3B3B"/>
+                  </a:solidFill>
+                  <a:latin typeface="Consolas" panose="020B0609020204030204" pitchFamily="49" charset="0"/>
+                </a:rPr>
+                <a:t>}</a:t>
+              </a:r>
+            </a:p>
+            <a:p>
+              <a:endParaRPr lang="en-US" altLang="zh-CN" sz="1401" dirty="0">
+                <a:solidFill>
+                  <a:srgbClr val="3B3B3B"/>
+                </a:solidFill>
+                <a:latin typeface="Consolas" panose="020B0609020204030204" pitchFamily="49" charset="0"/>
+              </a:endParaRPr>
+            </a:p>
+            <a:p>
+              <a:r>
+                <a:rPr lang="en-US" altLang="zh-CN" sz="1401" dirty="0" err="1">
+                  <a:solidFill>
+                    <a:srgbClr val="0000FF"/>
+                  </a:solidFill>
+                  <a:latin typeface="Consolas" panose="020B0609020204030204" pitchFamily="49" charset="0"/>
+                </a:rPr>
+                <a:t>impl</a:t>
+              </a:r>
+              <a:r>
+                <a:rPr lang="en-US" altLang="zh-CN" sz="1401" dirty="0">
+                  <a:solidFill>
+                    <a:srgbClr val="3B3B3B"/>
+                  </a:solidFill>
+                  <a:latin typeface="Consolas" panose="020B0609020204030204" pitchFamily="49" charset="0"/>
+                </a:rPr>
+                <a:t> </a:t>
+              </a:r>
+              <a:r>
+                <a:rPr lang="en-US" altLang="zh-CN" sz="1401" dirty="0">
+                  <a:solidFill>
+                    <a:srgbClr val="267F99"/>
+                  </a:solidFill>
+                  <a:latin typeface="Consolas" panose="020B0609020204030204" pitchFamily="49" charset="0"/>
+                </a:rPr>
+                <a:t>Drop</a:t>
+              </a:r>
+              <a:r>
+                <a:rPr lang="en-US" altLang="zh-CN" sz="1401" dirty="0">
+                  <a:solidFill>
+                    <a:srgbClr val="3B3B3B"/>
+                  </a:solidFill>
+                  <a:latin typeface="Consolas" panose="020B0609020204030204" pitchFamily="49" charset="0"/>
+                </a:rPr>
+                <a:t> </a:t>
+              </a:r>
+              <a:r>
+                <a:rPr lang="en-US" altLang="zh-CN" sz="1401" dirty="0">
+                  <a:solidFill>
+                    <a:srgbClr val="AF00DB"/>
+                  </a:solidFill>
+                  <a:latin typeface="Consolas" panose="020B0609020204030204" pitchFamily="49" charset="0"/>
+                </a:rPr>
+                <a:t>for</a:t>
+              </a:r>
+              <a:r>
+                <a:rPr lang="en-US" altLang="zh-CN" sz="1401" dirty="0">
+                  <a:solidFill>
+                    <a:srgbClr val="3B3B3B"/>
+                  </a:solidFill>
+                  <a:latin typeface="Consolas" panose="020B0609020204030204" pitchFamily="49" charset="0"/>
+                </a:rPr>
+                <a:t> </a:t>
+              </a:r>
+              <a:r>
+                <a:rPr lang="en-US" altLang="zh-CN" sz="1401" dirty="0" err="1">
+                  <a:solidFill>
+                    <a:srgbClr val="267F99"/>
+                  </a:solidFill>
+                  <a:latin typeface="Consolas" panose="020B0609020204030204" pitchFamily="49" charset="0"/>
+                </a:rPr>
+                <a:t>RustChrdev</a:t>
+              </a:r>
+              <a:r>
+                <a:rPr lang="en-US" altLang="zh-CN" sz="1401" dirty="0">
+                  <a:solidFill>
+                    <a:srgbClr val="3B3B3B"/>
+                  </a:solidFill>
+                  <a:latin typeface="Consolas" panose="020B0609020204030204" pitchFamily="49" charset="0"/>
+                </a:rPr>
+                <a:t> {</a:t>
+              </a:r>
+            </a:p>
+            <a:p>
+              <a:r>
+                <a:rPr lang="en-US" altLang="zh-CN" sz="1401" dirty="0">
+                  <a:solidFill>
+                    <a:srgbClr val="3B3B3B"/>
+                  </a:solidFill>
+                  <a:latin typeface="Consolas" panose="020B0609020204030204" pitchFamily="49" charset="0"/>
+                </a:rPr>
+                <a:t>    </a:t>
+              </a:r>
+              <a:r>
+                <a:rPr lang="en-US" altLang="zh-CN" sz="1401" dirty="0" err="1">
+                  <a:solidFill>
+                    <a:srgbClr val="0000FF"/>
+                  </a:solidFill>
+                  <a:latin typeface="Consolas" panose="020B0609020204030204" pitchFamily="49" charset="0"/>
+                </a:rPr>
+                <a:t>fn</a:t>
+              </a:r>
+              <a:r>
+                <a:rPr lang="en-US" altLang="zh-CN" sz="1401" dirty="0">
+                  <a:solidFill>
+                    <a:srgbClr val="3B3B3B"/>
+                  </a:solidFill>
+                  <a:latin typeface="Consolas" panose="020B0609020204030204" pitchFamily="49" charset="0"/>
+                </a:rPr>
+                <a:t> </a:t>
+              </a:r>
+              <a:r>
+                <a:rPr lang="en-US" altLang="zh-CN" sz="1401" dirty="0">
+                  <a:solidFill>
+                    <a:srgbClr val="795E26"/>
+                  </a:solidFill>
+                  <a:latin typeface="Consolas" panose="020B0609020204030204" pitchFamily="49" charset="0"/>
+                </a:rPr>
+                <a:t>drop</a:t>
+              </a:r>
+              <a:r>
+                <a:rPr lang="en-US" altLang="zh-CN" sz="1401" dirty="0">
+                  <a:solidFill>
+                    <a:srgbClr val="3B3B3B"/>
+                  </a:solidFill>
+                  <a:latin typeface="Consolas" panose="020B0609020204030204" pitchFamily="49" charset="0"/>
+                </a:rPr>
+                <a:t>(</a:t>
+              </a:r>
+              <a:r>
+                <a:rPr lang="en-US" altLang="zh-CN" sz="1401" dirty="0">
+                  <a:solidFill>
+                    <a:srgbClr val="000000"/>
+                  </a:solidFill>
+                  <a:latin typeface="Consolas" panose="020B0609020204030204" pitchFamily="49" charset="0"/>
+                </a:rPr>
+                <a:t>&amp;</a:t>
+              </a:r>
+              <a:r>
+                <a:rPr lang="en-US" altLang="zh-CN" sz="1401" dirty="0">
+                  <a:solidFill>
+                    <a:srgbClr val="0000FF"/>
+                  </a:solidFill>
+                  <a:latin typeface="Consolas" panose="020B0609020204030204" pitchFamily="49" charset="0"/>
+                </a:rPr>
+                <a:t>mut</a:t>
+              </a:r>
+              <a:r>
+                <a:rPr lang="en-US" altLang="zh-CN" sz="1401" dirty="0">
+                  <a:solidFill>
+                    <a:srgbClr val="3B3B3B"/>
+                  </a:solidFill>
+                  <a:latin typeface="Consolas" panose="020B0609020204030204" pitchFamily="49" charset="0"/>
+                </a:rPr>
+                <a:t> </a:t>
+              </a:r>
+              <a:r>
+                <a:rPr lang="en-US" altLang="zh-CN" sz="1401" dirty="0">
+                  <a:solidFill>
+                    <a:srgbClr val="0000FF"/>
+                  </a:solidFill>
+                  <a:latin typeface="Consolas" panose="020B0609020204030204" pitchFamily="49" charset="0"/>
+                </a:rPr>
+                <a:t>self</a:t>
+              </a:r>
+              <a:r>
+                <a:rPr lang="en-US" altLang="zh-CN" sz="1401" dirty="0">
+                  <a:solidFill>
+                    <a:srgbClr val="3B3B3B"/>
+                  </a:solidFill>
+                  <a:latin typeface="Consolas" panose="020B0609020204030204" pitchFamily="49" charset="0"/>
+                </a:rPr>
+                <a:t>) {……}</a:t>
+              </a:r>
+            </a:p>
+            <a:p>
+              <a:r>
+                <a:rPr lang="en-US" altLang="zh-CN" sz="1401" dirty="0">
+                  <a:solidFill>
+                    <a:srgbClr val="3B3B3B"/>
+                  </a:solidFill>
+                  <a:latin typeface="Consolas" panose="020B0609020204030204" pitchFamily="49" charset="0"/>
+                </a:rPr>
+                <a:t>}</a:t>
+              </a:r>
+            </a:p>
+            <a:p>
+              <a:endParaRPr lang="en-US" altLang="zh-CN" sz="1401" dirty="0">
+                <a:solidFill>
+                  <a:srgbClr val="3B3B3B"/>
+                </a:solidFill>
+                <a:latin typeface="Consolas" panose="020B0609020204030204" pitchFamily="49" charset="0"/>
+              </a:endParaRPr>
+            </a:p>
+            <a:p>
+              <a:endParaRPr lang="en-US" altLang="zh-CN" sz="1401" dirty="0">
+                <a:solidFill>
+                  <a:srgbClr val="3B3B3B"/>
+                </a:solidFill>
+                <a:latin typeface="Consolas" panose="020B0609020204030204" pitchFamily="49" charset="0"/>
+              </a:endParaRPr>
+            </a:p>
+            <a:p>
+              <a:br>
+                <a:rPr lang="en-US" altLang="zh-CN" sz="1192" dirty="0">
+                  <a:solidFill>
+                    <a:srgbClr val="333333"/>
+                  </a:solidFill>
+                  <a:latin typeface="Consolas" panose="020B0609020204030204" pitchFamily="49" charset="0"/>
+                </a:rPr>
+              </a:br>
+              <a:endParaRPr lang="en-US" altLang="zh-CN" sz="1192" dirty="0">
+                <a:solidFill>
+                  <a:srgbClr val="333333"/>
+                </a:solidFill>
+                <a:latin typeface="Consolas" panose="020B0609020204030204" pitchFamily="49" charset="0"/>
+              </a:endParaRPr>
+            </a:p>
+          </p:txBody>
+        </p:sp>
+        <p:sp>
+          <p:nvSpPr>
+            <p:cNvPr id="5" name="文本框 4">
+              <a:extLst>
+                <a:ext uri="{FF2B5EF4-FFF2-40B4-BE49-F238E27FC236}">
+                  <a16:creationId xmlns:a16="http://schemas.microsoft.com/office/drawing/2014/main" id="{7C053624-2425-40BB-82E8-D7B66F41F92C}"/>
+                </a:ext>
+              </a:extLst>
+            </p:cNvPr>
+            <p:cNvSpPr txBox="1"/>
+            <p:nvPr/>
+          </p:nvSpPr>
+          <p:spPr>
+            <a:xfrm>
+              <a:off x="1487125" y="6591994"/>
+              <a:ext cx="382385" cy="338554"/>
+            </a:xfrm>
+            <a:prstGeom prst="rect">
+              <a:avLst/>
+            </a:prstGeom>
+            <a:noFill/>
+          </p:spPr>
+          <p:txBody>
+            <a:bodyPr wrap="square" rtlCol="0">
+              <a:spAutoFit/>
+            </a:bodyPr>
+            <a:lstStyle/>
+            <a:p>
+              <a:r>
+                <a:rPr lang="en-US" altLang="zh-CN" sz="1600" dirty="0"/>
+                <a:t>(a)</a:t>
+              </a:r>
+              <a:endParaRPr lang="zh-CN" altLang="en-US" sz="1600" dirty="0"/>
+            </a:p>
+          </p:txBody>
+        </p:sp>
+        <p:sp>
+          <p:nvSpPr>
+            <p:cNvPr id="6" name="文本框 5">
+              <a:extLst>
+                <a:ext uri="{FF2B5EF4-FFF2-40B4-BE49-F238E27FC236}">
+                  <a16:creationId xmlns:a16="http://schemas.microsoft.com/office/drawing/2014/main" id="{4F76D579-57DA-439C-B2F5-E4C2E08D5A4D}"/>
+                </a:ext>
+              </a:extLst>
+            </p:cNvPr>
+            <p:cNvSpPr txBox="1"/>
+            <p:nvPr/>
+          </p:nvSpPr>
+          <p:spPr>
+            <a:xfrm>
+              <a:off x="5628950" y="6591994"/>
+              <a:ext cx="382385" cy="338554"/>
+            </a:xfrm>
+            <a:prstGeom prst="rect">
+              <a:avLst/>
+            </a:prstGeom>
+            <a:noFill/>
+          </p:spPr>
+          <p:txBody>
+            <a:bodyPr wrap="square" rtlCol="0">
+              <a:spAutoFit/>
+            </a:bodyPr>
+            <a:lstStyle/>
+            <a:p>
+              <a:r>
+                <a:rPr lang="en-US" altLang="zh-CN" sz="1600" dirty="0"/>
+                <a:t>(b)</a:t>
+              </a:r>
+              <a:endParaRPr lang="zh-CN" altLang="en-US" sz="1600" dirty="0"/>
+            </a:p>
+          </p:txBody>
+        </p:sp>
+        <p:sp>
+          <p:nvSpPr>
+            <p:cNvPr id="7" name="文本框 6">
+              <a:extLst>
+                <a:ext uri="{FF2B5EF4-FFF2-40B4-BE49-F238E27FC236}">
+                  <a16:creationId xmlns:a16="http://schemas.microsoft.com/office/drawing/2014/main" id="{4AAFF7AF-292D-47EE-918F-E56A75A8BC0E}"/>
+                </a:ext>
+              </a:extLst>
+            </p:cNvPr>
+            <p:cNvSpPr txBox="1"/>
+            <p:nvPr/>
+          </p:nvSpPr>
+          <p:spPr>
+            <a:xfrm>
+              <a:off x="10042397" y="6591994"/>
+              <a:ext cx="382385" cy="338554"/>
+            </a:xfrm>
+            <a:prstGeom prst="rect">
+              <a:avLst/>
+            </a:prstGeom>
+            <a:noFill/>
+          </p:spPr>
+          <p:txBody>
+            <a:bodyPr wrap="square" rtlCol="0">
+              <a:spAutoFit/>
+            </a:bodyPr>
+            <a:lstStyle/>
+            <a:p>
+              <a:r>
+                <a:rPr lang="en-US" altLang="zh-CN" sz="1600" dirty="0"/>
+                <a:t>(c)</a:t>
+              </a:r>
+              <a:endParaRPr lang="zh-CN" altLang="en-US" sz="1600" dirty="0"/>
+            </a:p>
+          </p:txBody>
+        </p:sp>
+      </p:grpSp>
+    </p:spTree>
+    <p:extLst>
+      <p:ext uri="{BB962C8B-B14F-4D97-AF65-F5344CB8AC3E}">
+        <p14:creationId xmlns:p14="http://schemas.microsoft.com/office/powerpoint/2010/main" val="2007183280"/>
       </p:ext>
     </p:extLst>
   </p:cSld>
@@ -12140,6 +20050,513 @@
           <a:chExt cx="0" cy="0"/>
         </a:xfrm>
       </p:grpSpPr>
+      <p:grpSp>
+        <p:nvGrpSpPr>
+          <p:cNvPr id="26" name="组合 25">
+            <a:extLst>
+              <a:ext uri="{FF2B5EF4-FFF2-40B4-BE49-F238E27FC236}">
+                <a16:creationId xmlns:a16="http://schemas.microsoft.com/office/drawing/2014/main" id="{623B3E72-5E39-461D-9A39-CD0F47307970}"/>
+              </a:ext>
+            </a:extLst>
+          </p:cNvPr>
+          <p:cNvGrpSpPr/>
+          <p:nvPr/>
+        </p:nvGrpSpPr>
+        <p:grpSpPr>
+          <a:xfrm>
+            <a:off x="-333716" y="1951670"/>
+            <a:ext cx="12477989" cy="2221694"/>
+            <a:chOff x="-425156" y="1935768"/>
+            <a:chExt cx="12477989" cy="2221694"/>
+          </a:xfrm>
+        </p:grpSpPr>
+        <p:sp>
+          <p:nvSpPr>
+            <p:cNvPr id="2" name="AutoShape 2">
+              <a:extLst>
+                <a:ext uri="{FF2B5EF4-FFF2-40B4-BE49-F238E27FC236}">
+                  <a16:creationId xmlns:a16="http://schemas.microsoft.com/office/drawing/2014/main" id="{C1589591-D239-42EB-94C4-B1DC87F0846C}"/>
+                </a:ext>
+              </a:extLst>
+            </p:cNvPr>
+            <p:cNvSpPr>
+              <a:spLocks noChangeAspect="1" noChangeArrowheads="1"/>
+            </p:cNvSpPr>
+            <p:nvPr/>
+          </p:nvSpPr>
+          <p:spPr bwMode="auto">
+            <a:xfrm>
+              <a:off x="5943600" y="3276600"/>
+              <a:ext cx="304800" cy="304800"/>
+            </a:xfrm>
+            <a:prstGeom prst="rect">
+              <a:avLst/>
+            </a:prstGeom>
+            <a:noFill/>
+            <a:extLst>
+              <a:ext uri="{909E8E84-426E-40DD-AFC4-6F175D3DCCD1}">
+                <a14:hiddenFill xmlns:a14="http://schemas.microsoft.com/office/drawing/2010/main">
+                  <a:solidFill>
+                    <a:srgbClr val="FFFFFF"/>
+                  </a:solidFill>
+                </a14:hiddenFill>
+              </a:ext>
+            </a:extLst>
+          </p:spPr>
+          <p:txBody>
+            <a:bodyPr vert="horz" wrap="square" lIns="91440" tIns="45720" rIns="91440" bIns="45720" numCol="1" anchor="t" anchorCtr="0" compatLnSpc="1">
+              <a:prstTxWarp prst="textNoShape">
+                <a:avLst/>
+              </a:prstTxWarp>
+            </a:bodyPr>
+            <a:lstStyle/>
+            <a:p>
+              <a:endParaRPr lang="zh-CN" altLang="en-US"/>
+            </a:p>
+          </p:txBody>
+        </p:sp>
+        <p:pic>
+          <p:nvPicPr>
+            <p:cNvPr id="4" name="图片 3">
+              <a:extLst>
+                <a:ext uri="{FF2B5EF4-FFF2-40B4-BE49-F238E27FC236}">
+                  <a16:creationId xmlns:a16="http://schemas.microsoft.com/office/drawing/2014/main" id="{02A1256F-9D61-4F0E-922D-660D42F3C696}"/>
+                </a:ext>
+              </a:extLst>
+            </p:cNvPr>
+            <p:cNvPicPr>
+              <a:picLocks noChangeAspect="1"/>
+            </p:cNvPicPr>
+            <p:nvPr/>
+          </p:nvPicPr>
+          <p:blipFill>
+            <a:blip r:embed="rId2"/>
+            <a:stretch>
+              <a:fillRect/>
+            </a:stretch>
+          </p:blipFill>
+          <p:spPr>
+            <a:xfrm>
+              <a:off x="9078856" y="1935768"/>
+              <a:ext cx="2973977" cy="2221694"/>
+            </a:xfrm>
+            <a:prstGeom prst="rect">
+              <a:avLst/>
+            </a:prstGeom>
+          </p:spPr>
+        </p:pic>
+        <p:sp>
+          <p:nvSpPr>
+            <p:cNvPr id="7" name="AutoShape 4">
+              <a:extLst>
+                <a:ext uri="{FF2B5EF4-FFF2-40B4-BE49-F238E27FC236}">
+                  <a16:creationId xmlns:a16="http://schemas.microsoft.com/office/drawing/2014/main" id="{30F11064-3829-41CE-9BB7-D104A625A794}"/>
+                </a:ext>
+              </a:extLst>
+            </p:cNvPr>
+            <p:cNvSpPr>
+              <a:spLocks noChangeAspect="1" noChangeArrowheads="1"/>
+            </p:cNvSpPr>
+            <p:nvPr/>
+          </p:nvSpPr>
+          <p:spPr bwMode="auto">
+            <a:xfrm>
+              <a:off x="6096000" y="3429000"/>
+              <a:ext cx="304800" cy="304800"/>
+            </a:xfrm>
+            <a:prstGeom prst="rect">
+              <a:avLst/>
+            </a:prstGeom>
+            <a:noFill/>
+            <a:extLst>
+              <a:ext uri="{909E8E84-426E-40DD-AFC4-6F175D3DCCD1}">
+                <a14:hiddenFill xmlns:a14="http://schemas.microsoft.com/office/drawing/2010/main">
+                  <a:solidFill>
+                    <a:srgbClr val="FFFFFF"/>
+                  </a:solidFill>
+                </a14:hiddenFill>
+              </a:ext>
+            </a:extLst>
+          </p:spPr>
+          <p:txBody>
+            <a:bodyPr vert="horz" wrap="square" lIns="91440" tIns="45720" rIns="91440" bIns="45720" numCol="1" anchor="t" anchorCtr="0" compatLnSpc="1">
+              <a:prstTxWarp prst="textNoShape">
+                <a:avLst/>
+              </a:prstTxWarp>
+            </a:bodyPr>
+            <a:lstStyle/>
+            <a:p>
+              <a:endParaRPr lang="zh-CN" altLang="en-US"/>
+            </a:p>
+          </p:txBody>
+        </p:sp>
+        <p:pic>
+          <p:nvPicPr>
+            <p:cNvPr id="9" name="图片 8">
+              <a:extLst>
+                <a:ext uri="{FF2B5EF4-FFF2-40B4-BE49-F238E27FC236}">
+                  <a16:creationId xmlns:a16="http://schemas.microsoft.com/office/drawing/2014/main" id="{E3F2D7A5-D255-4CC4-AD47-AF3B3EF27FB2}"/>
+                </a:ext>
+              </a:extLst>
+            </p:cNvPr>
+            <p:cNvPicPr>
+              <a:picLocks noChangeAspect="1"/>
+            </p:cNvPicPr>
+            <p:nvPr/>
+          </p:nvPicPr>
+          <p:blipFill>
+            <a:blip r:embed="rId3"/>
+            <a:stretch>
+              <a:fillRect/>
+            </a:stretch>
+          </p:blipFill>
+          <p:spPr>
+            <a:xfrm>
+              <a:off x="2133775" y="2022646"/>
+              <a:ext cx="2692554" cy="2047938"/>
+            </a:xfrm>
+            <a:prstGeom prst="rect">
+              <a:avLst/>
+            </a:prstGeom>
+          </p:spPr>
+        </p:pic>
+        <p:pic>
+          <p:nvPicPr>
+            <p:cNvPr id="14" name="图片 13">
+              <a:extLst>
+                <a:ext uri="{FF2B5EF4-FFF2-40B4-BE49-F238E27FC236}">
+                  <a16:creationId xmlns:a16="http://schemas.microsoft.com/office/drawing/2014/main" id="{053093BC-A1CA-4762-9899-43523D1298E8}"/>
+                </a:ext>
+              </a:extLst>
+            </p:cNvPr>
+            <p:cNvPicPr>
+              <a:picLocks noChangeAspect="1"/>
+            </p:cNvPicPr>
+            <p:nvPr/>
+          </p:nvPicPr>
+          <p:blipFill>
+            <a:blip r:embed="rId4"/>
+            <a:stretch>
+              <a:fillRect/>
+            </a:stretch>
+          </p:blipFill>
+          <p:spPr>
+            <a:xfrm>
+              <a:off x="4746015" y="2115006"/>
+              <a:ext cx="4509528" cy="1689461"/>
+            </a:xfrm>
+            <a:prstGeom prst="rect">
+              <a:avLst/>
+            </a:prstGeom>
+          </p:spPr>
+        </p:pic>
+        <p:pic>
+          <p:nvPicPr>
+            <p:cNvPr id="21" name="图片 20">
+              <a:extLst>
+                <a:ext uri="{FF2B5EF4-FFF2-40B4-BE49-F238E27FC236}">
+                  <a16:creationId xmlns:a16="http://schemas.microsoft.com/office/drawing/2014/main" id="{863ED88D-8774-4AAD-A932-CB424C07A9F1}"/>
+                </a:ext>
+              </a:extLst>
+            </p:cNvPr>
+            <p:cNvPicPr>
+              <a:picLocks noChangeAspect="1"/>
+            </p:cNvPicPr>
+            <p:nvPr/>
+          </p:nvPicPr>
+          <p:blipFill>
+            <a:blip r:embed="rId3"/>
+            <a:stretch>
+              <a:fillRect/>
+            </a:stretch>
+          </p:blipFill>
+          <p:spPr>
+            <a:xfrm>
+              <a:off x="-425156" y="2022646"/>
+              <a:ext cx="2692554" cy="2047938"/>
+            </a:xfrm>
+            <a:prstGeom prst="rect">
+              <a:avLst/>
+            </a:prstGeom>
+          </p:spPr>
+        </p:pic>
+        <p:pic>
+          <p:nvPicPr>
+            <p:cNvPr id="17" name="图片 16">
+              <a:extLst>
+                <a:ext uri="{FF2B5EF4-FFF2-40B4-BE49-F238E27FC236}">
+                  <a16:creationId xmlns:a16="http://schemas.microsoft.com/office/drawing/2014/main" id="{173D66A3-6B91-4DBC-8158-51C1739158AA}"/>
+                </a:ext>
+              </a:extLst>
+            </p:cNvPr>
+            <p:cNvPicPr>
+              <a:picLocks noChangeAspect="1"/>
+            </p:cNvPicPr>
+            <p:nvPr/>
+          </p:nvPicPr>
+          <p:blipFill>
+            <a:blip r:embed="rId5"/>
+            <a:stretch>
+              <a:fillRect/>
+            </a:stretch>
+          </p:blipFill>
+          <p:spPr>
+            <a:xfrm>
+              <a:off x="2192296" y="2115006"/>
+              <a:ext cx="2548507" cy="1858183"/>
+            </a:xfrm>
+            <a:prstGeom prst="rect">
+              <a:avLst/>
+            </a:prstGeom>
+          </p:spPr>
+        </p:pic>
+      </p:grpSp>
+      <p:sp>
+        <p:nvSpPr>
+          <p:cNvPr id="23" name="矩形: 圆角 22">
+            <a:extLst>
+              <a:ext uri="{FF2B5EF4-FFF2-40B4-BE49-F238E27FC236}">
+                <a16:creationId xmlns:a16="http://schemas.microsoft.com/office/drawing/2014/main" id="{C7B9AE3A-AF8F-42B5-93DB-20AE3BFABF3B}"/>
+              </a:ext>
+            </a:extLst>
+          </p:cNvPr>
+          <p:cNvSpPr/>
+          <p:nvPr/>
+        </p:nvSpPr>
+        <p:spPr>
+          <a:xfrm>
+            <a:off x="2624665" y="317501"/>
+            <a:ext cx="4271435" cy="1350434"/>
+          </a:xfrm>
+          <a:prstGeom prst="roundRect">
+            <a:avLst>
+              <a:gd name="adj" fmla="val 5382"/>
+            </a:avLst>
+          </a:prstGeom>
+          <a:noFill/>
+          <a:ln w="28575">
+            <a:solidFill>
+              <a:schemeClr val="tx1"/>
+            </a:solidFill>
+          </a:ln>
+        </p:spPr>
+        <p:style>
+          <a:lnRef idx="2">
+            <a:schemeClr val="accent1">
+              <a:shade val="50000"/>
+            </a:schemeClr>
+          </a:lnRef>
+          <a:fillRef idx="1">
+            <a:schemeClr val="accent1"/>
+          </a:fillRef>
+          <a:effectRef idx="0">
+            <a:schemeClr val="accent1"/>
+          </a:effectRef>
+          <a:fontRef idx="minor">
+            <a:schemeClr val="lt1"/>
+          </a:fontRef>
+        </p:style>
+        <p:txBody>
+          <a:bodyPr rtlCol="0" anchor="ctr"/>
+          <a:lstStyle/>
+          <a:p>
+            <a:pPr marL="342903" indent="-342903">
+              <a:buAutoNum type="arabicPeriod"/>
+            </a:pPr>
+            <a:r>
+              <a:rPr lang="en-US" altLang="zh-CN" sz="1192" dirty="0">
+                <a:solidFill>
+                  <a:schemeClr val="tx1"/>
+                </a:solidFill>
+              </a:rPr>
+              <a:t>Sum of # </a:t>
+            </a:r>
+            <a:r>
+              <a:rPr lang="zh-CN" altLang="en-US" sz="1192" dirty="0">
+                <a:solidFill>
+                  <a:schemeClr val="tx1"/>
+                </a:solidFill>
+              </a:rPr>
+              <a:t>还是直接的 </a:t>
+            </a:r>
+            <a:r>
+              <a:rPr lang="en-US" altLang="zh-CN" sz="1192" dirty="0">
+                <a:solidFill>
+                  <a:schemeClr val="tx1"/>
+                </a:solidFill>
+              </a:rPr>
+              <a:t>#</a:t>
+            </a:r>
+          </a:p>
+          <a:p>
+            <a:pPr marL="342903" indent="-342903">
+              <a:buAutoNum type="arabicPeriod"/>
+            </a:pPr>
+            <a:r>
+              <a:rPr lang="en-US" altLang="zh-CN" sz="1192" dirty="0" err="1">
+                <a:solidFill>
+                  <a:schemeClr val="tx1"/>
+                </a:solidFill>
+              </a:rPr>
+              <a:t>CoL</a:t>
+            </a:r>
+            <a:endParaRPr lang="en-US" altLang="zh-CN" sz="1192" dirty="0">
+              <a:solidFill>
+                <a:schemeClr val="tx1"/>
+              </a:solidFill>
+            </a:endParaRPr>
+          </a:p>
+          <a:p>
+            <a:pPr marL="342903" indent="-342903">
+              <a:buAutoNum type="arabicPeriod"/>
+            </a:pPr>
+            <a:r>
+              <a:rPr lang="en-US" altLang="zh-CN" sz="1192" dirty="0">
+                <a:solidFill>
+                  <a:schemeClr val="tx1"/>
+                </a:solidFill>
+              </a:rPr>
+              <a:t>PR</a:t>
+            </a:r>
+            <a:r>
+              <a:rPr lang="zh-CN" altLang="en-US" sz="1192" dirty="0">
+                <a:solidFill>
+                  <a:schemeClr val="tx1"/>
+                </a:solidFill>
+              </a:rPr>
+              <a:t>和社区的</a:t>
+            </a:r>
+            <a:r>
+              <a:rPr lang="en-US" altLang="zh-CN" sz="1192" dirty="0">
+                <a:solidFill>
+                  <a:schemeClr val="tx1"/>
+                </a:solidFill>
+              </a:rPr>
+              <a:t>email</a:t>
+            </a:r>
+            <a:r>
+              <a:rPr lang="zh-CN" altLang="en-US" sz="1192" dirty="0">
+                <a:solidFill>
+                  <a:schemeClr val="tx1"/>
+                </a:solidFill>
+              </a:rPr>
+              <a:t>肯定有重合 这个怎么说明</a:t>
+            </a:r>
+            <a:endParaRPr lang="en-US" altLang="zh-CN" sz="1192" dirty="0">
+              <a:solidFill>
+                <a:schemeClr val="tx1"/>
+              </a:solidFill>
+            </a:endParaRPr>
+          </a:p>
+        </p:txBody>
+      </p:sp>
+      <p:pic>
+        <p:nvPicPr>
+          <p:cNvPr id="25" name="图片 24">
+            <a:extLst>
+              <a:ext uri="{FF2B5EF4-FFF2-40B4-BE49-F238E27FC236}">
+                <a16:creationId xmlns:a16="http://schemas.microsoft.com/office/drawing/2014/main" id="{65B9C8D2-BAE9-43BE-A1B0-CCB62EF174F5}"/>
+              </a:ext>
+            </a:extLst>
+          </p:cNvPr>
+          <p:cNvPicPr>
+            <a:picLocks noChangeAspect="1"/>
+          </p:cNvPicPr>
+          <p:nvPr/>
+        </p:nvPicPr>
+        <p:blipFill>
+          <a:blip r:embed="rId6"/>
+          <a:stretch>
+            <a:fillRect/>
+          </a:stretch>
+        </p:blipFill>
+        <p:spPr>
+          <a:xfrm>
+            <a:off x="9569208" y="4498225"/>
+            <a:ext cx="2575065" cy="1909565"/>
+          </a:xfrm>
+          <a:prstGeom prst="rect">
+            <a:avLst/>
+          </a:prstGeom>
+        </p:spPr>
+      </p:pic>
+      <p:pic>
+        <p:nvPicPr>
+          <p:cNvPr id="1026" name="Picture 2">
+            <a:extLst>
+              <a:ext uri="{FF2B5EF4-FFF2-40B4-BE49-F238E27FC236}">
+                <a16:creationId xmlns:a16="http://schemas.microsoft.com/office/drawing/2014/main" id="{88D10702-FE57-41E4-BFDD-DD9EC4AB9351}"/>
+              </a:ext>
+            </a:extLst>
+          </p:cNvPr>
+          <p:cNvPicPr>
+            <a:picLocks noChangeAspect="1" noChangeArrowheads="1"/>
+          </p:cNvPicPr>
+          <p:nvPr/>
+        </p:nvPicPr>
+        <p:blipFill>
+          <a:blip r:embed="rId7">
+            <a:extLst>
+              <a:ext uri="{28A0092B-C50C-407E-A947-70E740481C1C}">
+                <a14:useLocalDpi xmlns:a14="http://schemas.microsoft.com/office/drawing/2010/main" val="0"/>
+              </a:ext>
+            </a:extLst>
+          </a:blip>
+          <a:srcRect/>
+          <a:stretch>
+            <a:fillRect/>
+          </a:stretch>
+        </p:blipFill>
+        <p:spPr bwMode="auto">
+          <a:xfrm>
+            <a:off x="2358838" y="4359852"/>
+            <a:ext cx="2726318" cy="2047938"/>
+          </a:xfrm>
+          <a:prstGeom prst="rect">
+            <a:avLst/>
+          </a:prstGeom>
+          <a:noFill/>
+          <a:extLst>
+            <a:ext uri="{909E8E84-426E-40DD-AFC4-6F175D3DCCD1}">
+              <a14:hiddenFill xmlns:a14="http://schemas.microsoft.com/office/drawing/2010/main">
+                <a:solidFill>
+                  <a:srgbClr val="FFFFFF"/>
+                </a:solidFill>
+              </a14:hiddenFill>
+            </a:ext>
+          </a:extLst>
+        </p:spPr>
+      </p:pic>
+    </p:spTree>
+    <p:extLst>
+      <p:ext uri="{BB962C8B-B14F-4D97-AF65-F5344CB8AC3E}">
+        <p14:creationId xmlns:p14="http://schemas.microsoft.com/office/powerpoint/2010/main" val="3405505135"/>
+      </p:ext>
+    </p:extLst>
+  </p:cSld>
+  <p:clrMapOvr>
+    <a:masterClrMapping/>
+  </p:clrMapOvr>
+</p:sld>
+</file>
+
+<file path=ppt/slides/slide7.xml><?xml version="1.0" encoding="utf-8"?>
+<p:sld xmlns:a="http://schemas.openxmlformats.org/drawingml/2006/main" xmlns:r="http://schemas.openxmlformats.org/officeDocument/2006/relationships" xmlns:p="http://schemas.openxmlformats.org/presentationml/2006/main">
+  <p:cSld>
+    <p:spTree>
+      <p:nvGrpSpPr>
+        <p:cNvPr id="1" name=""/>
+        <p:cNvGrpSpPr/>
+        <p:nvPr/>
+      </p:nvGrpSpPr>
+      <p:grpSpPr>
+        <a:xfrm>
+          <a:off x="0" y="0"/>
+          <a:ext cx="0" cy="0"/>
+          <a:chOff x="0" y="0"/>
+          <a:chExt cx="0" cy="0"/>
+        </a:xfrm>
+      </p:grpSpPr>
       <p:sp>
         <p:nvSpPr>
           <p:cNvPr id="2" name="AutoShape 2">
@@ -12667,7 +21084,7 @@
 </p:sld>
 </file>
 
-<file path=ppt/slides/slide7.xml><?xml version="1.0" encoding="utf-8"?>
+<file path=ppt/slides/slide8.xml><?xml version="1.0" encoding="utf-8"?>
 <p:sld xmlns:a="http://schemas.openxmlformats.org/drawingml/2006/main" xmlns:r="http://schemas.openxmlformats.org/officeDocument/2006/relationships" xmlns:p="http://schemas.openxmlformats.org/presentationml/2006/main">
   <p:cSld>
     <p:spTree>
@@ -13211,7 +21628,7 @@
 </p:sld>
 </file>
 
-<file path=ppt/slides/slide8.xml><?xml version="1.0" encoding="utf-8"?>
+<file path=ppt/slides/slide9.xml><?xml version="1.0" encoding="utf-8"?>
 <p:sld xmlns:a="http://schemas.openxmlformats.org/drawingml/2006/main" xmlns:r="http://schemas.openxmlformats.org/officeDocument/2006/relationships" xmlns:p="http://schemas.openxmlformats.org/presentationml/2006/main">
   <p:cSld>
     <p:spTree>
@@ -13725,466 +22142,6 @@
 </p:sld>
 </file>
 
-<file path=ppt/slides/slide9.xml><?xml version="1.0" encoding="utf-8"?>
-<p:sld xmlns:a="http://schemas.openxmlformats.org/drawingml/2006/main" xmlns:r="http://schemas.openxmlformats.org/officeDocument/2006/relationships" xmlns:p="http://schemas.openxmlformats.org/presentationml/2006/main">
-  <p:cSld>
-    <p:spTree>
-      <p:nvGrpSpPr>
-        <p:cNvPr id="1" name=""/>
-        <p:cNvGrpSpPr/>
-        <p:nvPr/>
-      </p:nvGrpSpPr>
-      <p:grpSpPr>
-        <a:xfrm>
-          <a:off x="0" y="0"/>
-          <a:ext cx="0" cy="0"/>
-          <a:chOff x="0" y="0"/>
-          <a:chExt cx="0" cy="0"/>
-        </a:xfrm>
-      </p:grpSpPr>
-      <p:grpSp>
-        <p:nvGrpSpPr>
-          <p:cNvPr id="16" name="组合 15">
-            <a:extLst>
-              <a:ext uri="{FF2B5EF4-FFF2-40B4-BE49-F238E27FC236}">
-                <a16:creationId xmlns:a16="http://schemas.microsoft.com/office/drawing/2014/main" id="{A550AD7A-63A0-442B-B58A-F8022EA2B8A5}"/>
-              </a:ext>
-            </a:extLst>
-          </p:cNvPr>
-          <p:cNvGrpSpPr>
-            <a:grpSpLocks noChangeAspect="1"/>
-          </p:cNvGrpSpPr>
-          <p:nvPr/>
-        </p:nvGrpSpPr>
-        <p:grpSpPr>
-          <a:xfrm>
-            <a:off x="2739840" y="608818"/>
-            <a:ext cx="11943920" cy="5093577"/>
-            <a:chOff x="1404337" y="425405"/>
-            <a:chExt cx="8743401" cy="3728691"/>
-          </a:xfrm>
-        </p:grpSpPr>
-        <p:pic>
-          <p:nvPicPr>
-            <p:cNvPr id="5" name="图片 4">
-              <a:extLst>
-                <a:ext uri="{FF2B5EF4-FFF2-40B4-BE49-F238E27FC236}">
-                  <a16:creationId xmlns:a16="http://schemas.microsoft.com/office/drawing/2014/main" id="{642886C0-5925-4926-AE3A-E3B61576494A}"/>
-                </a:ext>
-              </a:extLst>
-            </p:cNvPr>
-            <p:cNvPicPr>
-              <a:picLocks noChangeAspect="1"/>
-            </p:cNvPicPr>
-            <p:nvPr/>
-          </p:nvPicPr>
-          <p:blipFill>
-            <a:blip r:embed="rId2"/>
-            <a:stretch>
-              <a:fillRect/>
-            </a:stretch>
-          </p:blipFill>
-          <p:spPr>
-            <a:xfrm>
-              <a:off x="1442028" y="425405"/>
-              <a:ext cx="4116817" cy="3356886"/>
-            </a:xfrm>
-            <a:prstGeom prst="rect">
-              <a:avLst/>
-            </a:prstGeom>
-            <a:ln>
-              <a:noFill/>
-            </a:ln>
-          </p:spPr>
-        </p:pic>
-        <p:pic>
-          <p:nvPicPr>
-            <p:cNvPr id="13" name="图片 12">
-              <a:extLst>
-                <a:ext uri="{FF2B5EF4-FFF2-40B4-BE49-F238E27FC236}">
-                  <a16:creationId xmlns:a16="http://schemas.microsoft.com/office/drawing/2014/main" id="{B253FE01-C93B-4B19-B095-AA421FFD77D2}"/>
-                </a:ext>
-              </a:extLst>
-            </p:cNvPr>
-            <p:cNvPicPr>
-              <a:picLocks noChangeAspect="1"/>
-            </p:cNvPicPr>
-            <p:nvPr/>
-          </p:nvPicPr>
-          <p:blipFill>
-            <a:blip r:embed="rId3"/>
-            <a:stretch>
-              <a:fillRect/>
-            </a:stretch>
-          </p:blipFill>
-          <p:spPr>
-            <a:xfrm>
-              <a:off x="5864399" y="425405"/>
-              <a:ext cx="4116817" cy="3356886"/>
-            </a:xfrm>
-            <a:prstGeom prst="rect">
-              <a:avLst/>
-            </a:prstGeom>
-            <a:ln>
-              <a:noFill/>
-            </a:ln>
-          </p:spPr>
-        </p:pic>
-        <p:sp>
-          <p:nvSpPr>
-            <p:cNvPr id="15" name="文本框 14">
-              <a:extLst>
-                <a:ext uri="{FF2B5EF4-FFF2-40B4-BE49-F238E27FC236}">
-                  <a16:creationId xmlns:a16="http://schemas.microsoft.com/office/drawing/2014/main" id="{895D0FE1-7313-4606-BCE6-62AA40ADF50A}"/>
-                </a:ext>
-              </a:extLst>
-            </p:cNvPr>
-            <p:cNvSpPr txBox="1"/>
-            <p:nvPr/>
-          </p:nvSpPr>
-          <p:spPr>
-            <a:xfrm>
-              <a:off x="1404337" y="3815542"/>
-              <a:ext cx="4244188" cy="338554"/>
-            </a:xfrm>
-            <a:prstGeom prst="rect">
-              <a:avLst/>
-            </a:prstGeom>
-            <a:noFill/>
-            <a:ln>
-              <a:noFill/>
-            </a:ln>
-          </p:spPr>
-          <p:txBody>
-            <a:bodyPr wrap="square" rtlCol="0">
-              <a:noAutofit/>
-            </a:bodyPr>
-            <a:lstStyle/>
-            <a:p>
-              <a:r>
-                <a:rPr lang="en-US" altLang="zh-CN" sz="2400" dirty="0"/>
-                <a:t>(b) The progress of the wrapped functions</a:t>
-              </a:r>
-              <a:endParaRPr lang="zh-CN" altLang="en-US" sz="2400" dirty="0"/>
-            </a:p>
-          </p:txBody>
-        </p:sp>
-        <p:sp>
-          <p:nvSpPr>
-            <p:cNvPr id="22" name="文本框 21">
-              <a:extLst>
-                <a:ext uri="{FF2B5EF4-FFF2-40B4-BE49-F238E27FC236}">
-                  <a16:creationId xmlns:a16="http://schemas.microsoft.com/office/drawing/2014/main" id="{EE8EE447-92F9-4152-854A-CC4F1F4B4635}"/>
-                </a:ext>
-              </a:extLst>
-            </p:cNvPr>
-            <p:cNvSpPr txBox="1"/>
-            <p:nvPr/>
-          </p:nvSpPr>
-          <p:spPr>
-            <a:xfrm>
-              <a:off x="6105966" y="3815542"/>
-              <a:ext cx="4041772" cy="338554"/>
-            </a:xfrm>
-            <a:prstGeom prst="rect">
-              <a:avLst/>
-            </a:prstGeom>
-            <a:noFill/>
-            <a:ln>
-              <a:noFill/>
-            </a:ln>
-          </p:spPr>
-          <p:txBody>
-            <a:bodyPr wrap="square" rtlCol="0">
-              <a:noAutofit/>
-            </a:bodyPr>
-            <a:lstStyle/>
-            <a:p>
-              <a:r>
-                <a:rPr lang="en-US" altLang="zh-CN" sz="2400" dirty="0"/>
-                <a:t>(c) The progress of the wrapped struts</a:t>
-              </a:r>
-              <a:endParaRPr lang="zh-CN" altLang="en-US" sz="2400" dirty="0"/>
-            </a:p>
-          </p:txBody>
-        </p:sp>
-      </p:grpSp>
-      <p:grpSp>
-        <p:nvGrpSpPr>
-          <p:cNvPr id="7" name="组合 6">
-            <a:extLst>
-              <a:ext uri="{FF2B5EF4-FFF2-40B4-BE49-F238E27FC236}">
-                <a16:creationId xmlns:a16="http://schemas.microsoft.com/office/drawing/2014/main" id="{F4A90765-CA45-4C6F-B7CB-3020F87C8EB6}"/>
-              </a:ext>
-            </a:extLst>
-          </p:cNvPr>
-          <p:cNvGrpSpPr>
-            <a:grpSpLocks noChangeAspect="1"/>
-          </p:cNvGrpSpPr>
-          <p:nvPr/>
-        </p:nvGrpSpPr>
-        <p:grpSpPr>
-          <a:xfrm>
-            <a:off x="-4129220" y="763200"/>
-            <a:ext cx="6711847" cy="4276907"/>
-            <a:chOff x="1043248" y="1005394"/>
-            <a:chExt cx="7932971" cy="5055029"/>
-          </a:xfrm>
-        </p:grpSpPr>
-        <p:pic>
-          <p:nvPicPr>
-            <p:cNvPr id="8" name="图片 7">
-              <a:extLst>
-                <a:ext uri="{FF2B5EF4-FFF2-40B4-BE49-F238E27FC236}">
-                  <a16:creationId xmlns:a16="http://schemas.microsoft.com/office/drawing/2014/main" id="{515B9FBC-CDF4-49FB-8022-78FE7ECAE68B}"/>
-                </a:ext>
-              </a:extLst>
-            </p:cNvPr>
-            <p:cNvPicPr>
-              <a:picLocks noChangeAspect="1"/>
-            </p:cNvPicPr>
-            <p:nvPr/>
-          </p:nvPicPr>
-          <p:blipFill>
-            <a:blip r:embed="rId4"/>
-            <a:stretch>
-              <a:fillRect/>
-            </a:stretch>
-          </p:blipFill>
-          <p:spPr>
-            <a:xfrm>
-              <a:off x="1043248" y="1005394"/>
-              <a:ext cx="7296271" cy="5055029"/>
-            </a:xfrm>
-            <a:prstGeom prst="rect">
-              <a:avLst/>
-            </a:prstGeom>
-            <a:ln>
-              <a:noFill/>
-            </a:ln>
-          </p:spPr>
-        </p:pic>
-        <p:sp>
-          <p:nvSpPr>
-            <p:cNvPr id="9" name="文本框 8">
-              <a:extLst>
-                <a:ext uri="{FF2B5EF4-FFF2-40B4-BE49-F238E27FC236}">
-                  <a16:creationId xmlns:a16="http://schemas.microsoft.com/office/drawing/2014/main" id="{B3FD8470-4AB5-4069-A82B-C05E33AE8264}"/>
-                </a:ext>
-              </a:extLst>
-            </p:cNvPr>
-            <p:cNvSpPr txBox="1"/>
-            <p:nvPr/>
-          </p:nvSpPr>
-          <p:spPr>
-            <a:xfrm>
-              <a:off x="2834640" y="2250860"/>
-              <a:ext cx="1921518" cy="545658"/>
-            </a:xfrm>
-            <a:prstGeom prst="rect">
-              <a:avLst/>
-            </a:prstGeom>
-            <a:noFill/>
-            <a:ln>
-              <a:noFill/>
-            </a:ln>
-          </p:spPr>
-          <p:txBody>
-            <a:bodyPr wrap="square" rtlCol="0">
-              <a:spAutoFit/>
-            </a:bodyPr>
-            <a:lstStyle/>
-            <a:p>
-              <a:r>
-                <a:rPr lang="en-US" altLang="zh-CN" sz="2400" dirty="0"/>
-                <a:t>7.1%</a:t>
-              </a:r>
-              <a:endParaRPr lang="zh-CN" altLang="en-US" sz="2400" dirty="0"/>
-            </a:p>
-          </p:txBody>
-        </p:sp>
-        <p:sp>
-          <p:nvSpPr>
-            <p:cNvPr id="10" name="文本框 9">
-              <a:extLst>
-                <a:ext uri="{FF2B5EF4-FFF2-40B4-BE49-F238E27FC236}">
-                  <a16:creationId xmlns:a16="http://schemas.microsoft.com/office/drawing/2014/main" id="{544CB999-2B92-4CDA-8E50-360657691E1C}"/>
-                </a:ext>
-              </a:extLst>
-            </p:cNvPr>
-            <p:cNvSpPr txBox="1"/>
-            <p:nvPr/>
-          </p:nvSpPr>
-          <p:spPr>
-            <a:xfrm>
-              <a:off x="2896293" y="4161462"/>
-              <a:ext cx="2815486" cy="545658"/>
-            </a:xfrm>
-            <a:prstGeom prst="rect">
-              <a:avLst/>
-            </a:prstGeom>
-            <a:noFill/>
-            <a:ln>
-              <a:noFill/>
-            </a:ln>
-          </p:spPr>
-          <p:txBody>
-            <a:bodyPr wrap="square" rtlCol="0">
-              <a:spAutoFit/>
-            </a:bodyPr>
-            <a:lstStyle/>
-            <a:p>
-              <a:r>
-                <a:rPr lang="en-US" altLang="zh-CN" sz="2400" dirty="0"/>
-                <a:t>6.4</a:t>
-              </a:r>
-              <a:r>
-                <a:rPr lang="en-US" altLang="zh-CN" sz="1600" dirty="0"/>
-                <a:t>%</a:t>
-              </a:r>
-              <a:endParaRPr lang="zh-CN" altLang="en-US" sz="1600" dirty="0"/>
-            </a:p>
-          </p:txBody>
-        </p:sp>
-        <p:sp>
-          <p:nvSpPr>
-            <p:cNvPr id="11" name="文本框 10">
-              <a:extLst>
-                <a:ext uri="{FF2B5EF4-FFF2-40B4-BE49-F238E27FC236}">
-                  <a16:creationId xmlns:a16="http://schemas.microsoft.com/office/drawing/2014/main" id="{DF07EFA9-8AB8-444F-BE7E-068A4622B2EA}"/>
-                </a:ext>
-              </a:extLst>
-            </p:cNvPr>
-            <p:cNvSpPr txBox="1"/>
-            <p:nvPr/>
-          </p:nvSpPr>
-          <p:spPr>
-            <a:xfrm>
-              <a:off x="4583085" y="2257592"/>
-              <a:ext cx="2117846" cy="545658"/>
-            </a:xfrm>
-            <a:prstGeom prst="rect">
-              <a:avLst/>
-            </a:prstGeom>
-            <a:noFill/>
-            <a:ln>
-              <a:noFill/>
-            </a:ln>
-          </p:spPr>
-          <p:txBody>
-            <a:bodyPr wrap="square" rtlCol="0">
-              <a:spAutoFit/>
-            </a:bodyPr>
-            <a:lstStyle/>
-            <a:p>
-              <a:r>
-                <a:rPr lang="en-US" altLang="zh-CN" sz="2400" dirty="0"/>
-                <a:t>37.6</a:t>
-              </a:r>
-              <a:r>
-                <a:rPr lang="en-US" altLang="zh-CN" sz="1600" dirty="0"/>
-                <a:t>%</a:t>
-              </a:r>
-              <a:endParaRPr lang="zh-CN" altLang="en-US" sz="1600" dirty="0"/>
-            </a:p>
-          </p:txBody>
-        </p:sp>
-        <p:sp>
-          <p:nvSpPr>
-            <p:cNvPr id="12" name="文本框 11">
-              <a:extLst>
-                <a:ext uri="{FF2B5EF4-FFF2-40B4-BE49-F238E27FC236}">
-                  <a16:creationId xmlns:a16="http://schemas.microsoft.com/office/drawing/2014/main" id="{467A2171-A06D-42FB-8000-A498ABEC4B65}"/>
-                </a:ext>
-              </a:extLst>
-            </p:cNvPr>
-            <p:cNvSpPr txBox="1"/>
-            <p:nvPr/>
-          </p:nvSpPr>
-          <p:spPr>
-            <a:xfrm>
-              <a:off x="6576751" y="4162713"/>
-              <a:ext cx="2399468" cy="545658"/>
-            </a:xfrm>
-            <a:prstGeom prst="rect">
-              <a:avLst/>
-            </a:prstGeom>
-            <a:noFill/>
-            <a:ln>
-              <a:noFill/>
-            </a:ln>
-          </p:spPr>
-          <p:txBody>
-            <a:bodyPr wrap="square" rtlCol="0">
-              <a:spAutoFit/>
-            </a:bodyPr>
-            <a:lstStyle/>
-            <a:p>
-              <a:r>
-                <a:rPr lang="en-US" altLang="zh-CN" sz="2400" dirty="0"/>
-                <a:t>74.6</a:t>
-              </a:r>
-              <a:r>
-                <a:rPr lang="en-US" altLang="zh-CN" sz="1600" dirty="0"/>
-                <a:t>%</a:t>
-              </a:r>
-              <a:endParaRPr lang="zh-CN" altLang="en-US" sz="1600" dirty="0"/>
-            </a:p>
-          </p:txBody>
-        </p:sp>
-      </p:grpSp>
-      <p:sp>
-        <p:nvSpPr>
-          <p:cNvPr id="14" name="文本框 13">
-            <a:extLst>
-              <a:ext uri="{FF2B5EF4-FFF2-40B4-BE49-F238E27FC236}">
-                <a16:creationId xmlns:a16="http://schemas.microsoft.com/office/drawing/2014/main" id="{4AE604D6-09F7-45C5-9811-87B0BAAB7CF9}"/>
-              </a:ext>
-            </a:extLst>
-          </p:cNvPr>
-          <p:cNvSpPr txBox="1"/>
-          <p:nvPr/>
-        </p:nvSpPr>
-        <p:spPr>
-          <a:xfrm>
-            <a:off x="-3477327" y="5239913"/>
-            <a:ext cx="5521261" cy="462482"/>
-          </a:xfrm>
-          <a:prstGeom prst="rect">
-            <a:avLst/>
-          </a:prstGeom>
-          <a:noFill/>
-          <a:ln>
-            <a:noFill/>
-          </a:ln>
-        </p:spPr>
-        <p:txBody>
-          <a:bodyPr wrap="square" rtlCol="0">
-            <a:noAutofit/>
-          </a:bodyPr>
-          <a:lstStyle/>
-          <a:p>
-            <a:r>
-              <a:rPr lang="en-US" altLang="zh-CN" sz="2400" dirty="0"/>
-              <a:t>(a) The progress of the wrapped struts</a:t>
-            </a:r>
-            <a:endParaRPr lang="zh-CN" altLang="en-US" sz="2400" dirty="0"/>
-          </a:p>
-        </p:txBody>
-      </p:sp>
-    </p:spTree>
-    <p:extLst>
-      <p:ext uri="{BB962C8B-B14F-4D97-AF65-F5344CB8AC3E}">
-        <p14:creationId xmlns:p14="http://schemas.microsoft.com/office/powerpoint/2010/main" val="101959730"/>
-      </p:ext>
-    </p:extLst>
-  </p:cSld>
-  <p:clrMapOvr>
-    <a:masterClrMapping/>
-  </p:clrMapOvr>
-</p:sld>
-</file>
-
 <file path=ppt/theme/theme1.xml><?xml version="1.0" encoding="utf-8"?>
 <a:theme xmlns:a="http://schemas.openxmlformats.org/drawingml/2006/main" name="Office 主题​​">
   <a:themeElements>
